--- a/SQL-master/SQL [1] Basics.pptx
+++ b/SQL-master/SQL [1] Basics.pptx
@@ -271,7 +271,7 @@
           <a:p>
             <a:fld id="{E23C31A4-E588-4D7D-8556-3E7A80E3618E}" type="datetimeFigureOut">
               <a:rPr lang="es-MX" smtClean="0"/>
-              <a:t>28/08/2015</a:t>
+              <a:t>22/11/2016</a:t>
             </a:fld>
             <a:endParaRPr lang="es-MX"/>
           </a:p>
@@ -449,7 +449,7 @@
               <a:pPr>
                 <a:defRPr/>
               </a:pPr>
-              <a:t>28/08/2015</a:t>
+              <a:t>22/11/2016</a:t>
             </a:fld>
             <a:endParaRPr lang="es-MX" dirty="0"/>
           </a:p>
@@ -485,7 +485,7 @@
           <a:lstStyle/>
           <a:p>
             <a:pPr lvl="0"/>
-            <a:endParaRPr lang="es-MX" noProof="0" dirty="0" smtClean="0"/>
+            <a:endParaRPr lang="es-MX" noProof="0" dirty="0"/>
           </a:p>
         </p:txBody>
       </p:sp>
@@ -516,38 +516,38 @@
           <a:p>
             <a:pPr lvl="0"/>
             <a:r>
-              <a:rPr lang="en-US" noProof="0" smtClean="0"/>
+              <a:rPr lang="en-US" noProof="0"/>
               <a:t>Click to edit Master text styles</a:t>
             </a:r>
           </a:p>
           <a:p>
             <a:pPr lvl="1"/>
             <a:r>
-              <a:rPr lang="en-US" noProof="0" smtClean="0"/>
+              <a:rPr lang="en-US" noProof="0"/>
               <a:t>Second level</a:t>
             </a:r>
           </a:p>
           <a:p>
             <a:pPr lvl="2"/>
             <a:r>
-              <a:rPr lang="en-US" noProof="0" smtClean="0"/>
+              <a:rPr lang="en-US" noProof="0"/>
               <a:t>Third level</a:t>
             </a:r>
           </a:p>
           <a:p>
             <a:pPr lvl="3"/>
             <a:r>
-              <a:rPr lang="en-US" noProof="0" smtClean="0"/>
+              <a:rPr lang="en-US" noProof="0"/>
               <a:t>Fourth level</a:t>
             </a:r>
           </a:p>
           <a:p>
             <a:pPr lvl="4"/>
             <a:r>
-              <a:rPr lang="en-US" noProof="0" smtClean="0"/>
+              <a:rPr lang="en-US" noProof="0"/>
               <a:t>Fifth level</a:t>
             </a:r>
-            <a:endParaRPr lang="es-MX" noProof="0" smtClean="0"/>
+            <a:endParaRPr lang="es-MX" noProof="0"/>
           </a:p>
         </p:txBody>
       </p:sp>
@@ -936,10 +936,9 @@
           </a:lstStyle>
           <a:p>
             <a:r>
-              <a:rPr lang="es-MX" noProof="0" smtClean="0"/>
+              <a:rPr lang="es-MX" noProof="0"/>
               <a:t>Click To Edit Master Title Style</a:t>
             </a:r>
-            <a:endParaRPr lang="es-MX" noProof="0"/>
           </a:p>
         </p:txBody>
       </p:sp>
@@ -1008,14 +1007,14 @@
           <a:p>
             <a:pPr lvl="0"/>
             <a:r>
-              <a:rPr lang="en-US" noProof="0" smtClean="0"/>
+              <a:rPr lang="en-US" noProof="0"/>
               <a:t>Click to edit Master text styles</a:t>
             </a:r>
           </a:p>
           <a:p>
             <a:pPr lvl="1"/>
             <a:r>
-              <a:rPr lang="en-US" noProof="0" smtClean="0"/>
+              <a:rPr lang="en-US" noProof="0"/>
               <a:t>Second level</a:t>
             </a:r>
           </a:p>
@@ -1051,7 +1050,7 @@
           <a:p>
             <a:pPr algn="l"/>
             <a:r>
-              <a:rPr lang="es-MX" sz="800" noProof="0" smtClean="0">
+              <a:rPr lang="es-MX" sz="800" noProof="0">
                 <a:solidFill>
                   <a:srgbClr val="FFFFFF"/>
                 </a:solidFill>
@@ -1059,12 +1058,6 @@
               </a:rPr>
               <a:t>Todos los Derechos Reservados © Valores Corporativos Softtek S.A. de C.V. 2015. Interno.</a:t>
             </a:r>
-            <a:endParaRPr lang="es-MX" sz="800" noProof="0">
-              <a:solidFill>
-                <a:srgbClr val="FFFFFF"/>
-              </a:solidFill>
-              <a:cs typeface="Arial" charset="0"/>
-            </a:endParaRPr>
           </a:p>
         </p:txBody>
       </p:sp>
@@ -1147,13 +1140,6 @@
   <p:clrMapOvr>
     <a:masterClrMapping/>
   </p:clrMapOvr>
-  <p:timing>
-    <p:tnLst>
-      <p:par>
-        <p:cTn id="1" dur="indefinite" restart="never" nodeType="tmRoot"/>
-      </p:par>
-    </p:tnLst>
-  </p:timing>
 </p:sldLayout>
 </file>
 
@@ -1214,7 +1200,7 @@
           <a:p>
             <a:pPr lvl="0"/>
             <a:r>
-              <a:rPr lang="es-MX" noProof="0" smtClean="0"/>
+              <a:rPr lang="es-MX" noProof="0"/>
               <a:t>Click to edit Master title style</a:t>
             </a:r>
           </a:p>
@@ -1276,13 +1262,6 @@
   <p:clrMapOvr>
     <a:masterClrMapping/>
   </p:clrMapOvr>
-  <p:timing>
-    <p:tnLst>
-      <p:par>
-        <p:cTn id="1" dur="indefinite" restart="never" nodeType="tmRoot"/>
-      </p:par>
-    </p:tnLst>
-  </p:timing>
 </p:sldLayout>
 </file>
 
@@ -1410,7 +1389,7 @@
               <a:defRPr/>
             </a:pPr>
             <a:r>
-              <a:rPr kumimoji="0" lang="es-MX" sz="1800" b="0" i="0" u="none" strike="noStrike" kern="1200" cap="none" spc="0" normalizeH="0" baseline="0" noProof="0" smtClean="0">
+              <a:rPr kumimoji="0" lang="es-MX" sz="1800" b="0" i="0" u="none" strike="noStrike" kern="1200" cap="none" spc="0" normalizeH="0" baseline="0" noProof="0">
                 <a:ln>
                   <a:noFill/>
                 </a:ln>
@@ -1449,7 +1428,7 @@
               <a:defRPr/>
             </a:pPr>
             <a:r>
-              <a:rPr kumimoji="0" lang="es-MX" sz="1600" b="0" i="0" u="none" strike="noStrike" kern="1200" cap="none" spc="0" normalizeH="0" baseline="0" noProof="0" smtClean="0">
+              <a:rPr kumimoji="0" lang="es-MX" sz="1600" b="0" i="0" u="none" strike="noStrike" kern="1200" cap="none" spc="0" normalizeH="0" baseline="0" noProof="0">
                 <a:ln>
                   <a:noFill/>
                 </a:ln>
@@ -1488,7 +1467,7 @@
               <a:defRPr/>
             </a:pPr>
             <a:r>
-              <a:rPr kumimoji="0" lang="es-MX" sz="1400" b="0" i="0" u="none" strike="noStrike" kern="1200" cap="none" spc="0" normalizeH="0" baseline="0" noProof="0" smtClean="0">
+              <a:rPr kumimoji="0" lang="es-MX" sz="1400" b="0" i="0" u="none" strike="noStrike" kern="1200" cap="none" spc="0" normalizeH="0" baseline="0" noProof="0">
                 <a:ln>
                   <a:noFill/>
                 </a:ln>
@@ -1527,7 +1506,7 @@
               <a:defRPr/>
             </a:pPr>
             <a:r>
-              <a:rPr kumimoji="0" lang="es-MX" sz="1200" b="0" i="0" u="none" strike="noStrike" kern="1200" cap="none" spc="0" normalizeH="0" baseline="0" noProof="0" smtClean="0">
+              <a:rPr kumimoji="0" lang="es-MX" sz="1200" b="0" i="0" u="none" strike="noStrike" kern="1200" cap="none" spc="0" normalizeH="0" baseline="0" noProof="0">
                 <a:ln>
                   <a:noFill/>
                 </a:ln>
@@ -1581,7 +1560,7 @@
           <a:p>
             <a:pPr lvl="0"/>
             <a:r>
-              <a:rPr lang="es-MX" noProof="0" smtClean="0"/>
+              <a:rPr lang="es-MX" noProof="0"/>
               <a:t>Click to edit Master title style</a:t>
             </a:r>
           </a:p>
@@ -1643,13 +1622,6 @@
   <p:clrMapOvr>
     <a:masterClrMapping/>
   </p:clrMapOvr>
-  <p:timing>
-    <p:tnLst>
-      <p:par>
-        <p:cTn id="1" dur="indefinite" restart="never" nodeType="tmRoot"/>
-      </p:par>
-    </p:tnLst>
-  </p:timing>
 </p:sldLayout>
 </file>
 
@@ -1792,7 +1764,7 @@
               <a:defRPr/>
             </a:pPr>
             <a:r>
-              <a:rPr kumimoji="0" lang="es-MX" sz="1800" b="0" i="0" u="none" strike="noStrike" kern="1200" cap="none" spc="0" normalizeH="0" baseline="0" noProof="0" smtClean="0">
+              <a:rPr kumimoji="0" lang="es-MX" sz="1800" b="0" i="0" u="none" strike="noStrike" kern="1200" cap="none" spc="0" normalizeH="0" baseline="0" noProof="0">
                 <a:ln>
                   <a:noFill/>
                 </a:ln>
@@ -1831,7 +1803,7 @@
               <a:defRPr/>
             </a:pPr>
             <a:r>
-              <a:rPr kumimoji="0" lang="es-MX" sz="1600" b="0" i="0" u="none" strike="noStrike" kern="1200" cap="none" spc="0" normalizeH="0" baseline="0" noProof="0" smtClean="0">
+              <a:rPr kumimoji="0" lang="es-MX" sz="1600" b="0" i="0" u="none" strike="noStrike" kern="1200" cap="none" spc="0" normalizeH="0" baseline="0" noProof="0">
                 <a:ln>
                   <a:noFill/>
                 </a:ln>
@@ -1870,7 +1842,7 @@
               <a:defRPr/>
             </a:pPr>
             <a:r>
-              <a:rPr kumimoji="0" lang="es-MX" sz="1400" b="0" i="0" u="none" strike="noStrike" kern="1200" cap="none" spc="0" normalizeH="0" baseline="0" noProof="0" smtClean="0">
+              <a:rPr kumimoji="0" lang="es-MX" sz="1400" b="0" i="0" u="none" strike="noStrike" kern="1200" cap="none" spc="0" normalizeH="0" baseline="0" noProof="0">
                 <a:ln>
                   <a:noFill/>
                 </a:ln>
@@ -1909,7 +1881,7 @@
               <a:defRPr/>
             </a:pPr>
             <a:r>
-              <a:rPr kumimoji="0" lang="es-MX" sz="1200" b="0" i="0" u="none" strike="noStrike" kern="1200" cap="none" spc="0" normalizeH="0" baseline="0" noProof="0" smtClean="0">
+              <a:rPr kumimoji="0" lang="es-MX" sz="1200" b="0" i="0" u="none" strike="noStrike" kern="1200" cap="none" spc="0" normalizeH="0" baseline="0" noProof="0">
                 <a:ln>
                   <a:noFill/>
                 </a:ln>
@@ -1997,28 +1969,28 @@
               <a:defRPr/>
             </a:pPr>
             <a:r>
-              <a:rPr lang="es-MX" noProof="0" smtClean="0"/>
+              <a:rPr lang="es-MX" noProof="0"/>
               <a:t>Click to edit Master text styles</a:t>
             </a:r>
           </a:p>
           <a:p>
             <a:pPr lvl="1"/>
             <a:r>
-              <a:rPr lang="es-MX" noProof="0" smtClean="0"/>
+              <a:rPr lang="es-MX" noProof="0"/>
               <a:t>Second level</a:t>
             </a:r>
           </a:p>
           <a:p>
             <a:pPr lvl="2"/>
             <a:r>
-              <a:rPr lang="es-MX" noProof="0" smtClean="0"/>
+              <a:rPr lang="es-MX" noProof="0"/>
               <a:t>Third level</a:t>
             </a:r>
           </a:p>
           <a:p>
             <a:pPr lvl="3"/>
             <a:r>
-              <a:rPr lang="es-MX" noProof="0" smtClean="0"/>
+              <a:rPr lang="es-MX" noProof="0"/>
               <a:t>Fourth level</a:t>
             </a:r>
           </a:p>
@@ -2064,7 +2036,7 @@
           <a:p>
             <a:pPr lvl="0"/>
             <a:r>
-              <a:rPr lang="es-MX" noProof="0" smtClean="0"/>
+              <a:rPr lang="es-MX" noProof="0"/>
               <a:t>Click to edit Master title style</a:t>
             </a:r>
           </a:p>
@@ -2126,13 +2098,6 @@
   <p:clrMapOvr>
     <a:masterClrMapping/>
   </p:clrMapOvr>
-  <p:timing>
-    <p:tnLst>
-      <p:par>
-        <p:cTn id="1" dur="indefinite" restart="never" nodeType="tmRoot"/>
-      </p:par>
-    </p:tnLst>
-  </p:timing>
 </p:sldLayout>
 </file>
 
@@ -2278,7 +2243,7 @@
           <a:p>
             <a:pPr lvl="0"/>
             <a:r>
-              <a:rPr lang="es-MX" noProof="0" smtClean="0"/>
+              <a:rPr lang="es-MX" noProof="0"/>
               <a:t>Click to edit Master text styles</a:t>
             </a:r>
           </a:p>
@@ -2324,7 +2289,7 @@
           <a:p>
             <a:pPr lvl="0"/>
             <a:r>
-              <a:rPr lang="es-MX" noProof="0" smtClean="0"/>
+              <a:rPr lang="es-MX" noProof="0"/>
               <a:t>Click to edit Master title style</a:t>
             </a:r>
           </a:p>
@@ -2386,13 +2351,6 @@
   <p:clrMapOvr>
     <a:masterClrMapping/>
   </p:clrMapOvr>
-  <p:timing>
-    <p:tnLst>
-      <p:par>
-        <p:cTn id="1" dur="indefinite" restart="never" nodeType="tmRoot"/>
-      </p:par>
-    </p:tnLst>
-  </p:timing>
 </p:sldLayout>
 </file>
 
@@ -2539,7 +2497,7 @@
           <a:p>
             <a:pPr lvl="0"/>
             <a:r>
-              <a:rPr lang="es-MX" noProof="0" smtClean="0"/>
+              <a:rPr lang="es-MX" noProof="0"/>
               <a:t>Click to edit Master text styles</a:t>
             </a:r>
           </a:p>
@@ -2585,7 +2543,7 @@
           <a:p>
             <a:pPr lvl="0"/>
             <a:r>
-              <a:rPr lang="es-MX" noProof="0" smtClean="0"/>
+              <a:rPr lang="es-MX" noProof="0"/>
               <a:t>Click to edit Master title style</a:t>
             </a:r>
           </a:p>
@@ -2647,13 +2605,6 @@
   <p:clrMapOvr>
     <a:masterClrMapping/>
   </p:clrMapOvr>
-  <p:timing>
-    <p:tnLst>
-      <p:par>
-        <p:cTn id="1" dur="indefinite" restart="never" nodeType="tmRoot"/>
-      </p:par>
-    </p:tnLst>
-  </p:timing>
 </p:sldLayout>
 </file>
 
@@ -2736,10 +2687,9 @@
           <a:lstStyle/>
           <a:p>
             <a:r>
-              <a:rPr lang="es-MX" noProof="0" smtClean="0"/>
+              <a:rPr lang="es-MX" noProof="0"/>
               <a:t>Click to edit Master title style</a:t>
             </a:r>
-            <a:endParaRPr lang="es-MX" noProof="0"/>
           </a:p>
         </p:txBody>
       </p:sp>
@@ -2929,7 +2879,7 @@
           </a:lstStyle>
           <a:p>
             <a:pPr lvl="0"/>
-            <a:endParaRPr lang="es-MX" noProof="0" smtClean="0"/>
+            <a:endParaRPr lang="es-MX" noProof="0"/>
           </a:p>
         </p:txBody>
       </p:sp>
@@ -2959,7 +2909,7 @@
           </a:lstStyle>
           <a:p>
             <a:pPr lvl="0"/>
-            <a:endParaRPr lang="es-MX" noProof="0" smtClean="0"/>
+            <a:endParaRPr lang="es-MX" noProof="0"/>
           </a:p>
         </p:txBody>
       </p:sp>
@@ -2989,7 +2939,7 @@
           </a:lstStyle>
           <a:p>
             <a:pPr lvl="0"/>
-            <a:endParaRPr lang="es-MX" noProof="0" smtClean="0"/>
+            <a:endParaRPr lang="es-MX" noProof="0"/>
           </a:p>
         </p:txBody>
       </p:sp>
@@ -3019,7 +2969,7 @@
           </a:lstStyle>
           <a:p>
             <a:pPr lvl="0"/>
-            <a:endParaRPr lang="es-MX" noProof="0" smtClean="0"/>
+            <a:endParaRPr lang="es-MX" noProof="0"/>
           </a:p>
         </p:txBody>
       </p:sp>
@@ -3067,10 +3017,9 @@
           <a:p>
             <a:pPr algn="ctr"/>
             <a:r>
-              <a:rPr lang="es-MX" noProof="0" smtClean="0"/>
+              <a:rPr lang="es-MX" noProof="0"/>
               <a:t> </a:t>
             </a:r>
-            <a:endParaRPr lang="es-MX" noProof="0"/>
           </a:p>
         </p:txBody>
       </p:sp>
@@ -3108,14 +3057,14 @@
           <a:p>
             <a:pPr lvl="0"/>
             <a:r>
-              <a:rPr lang="es-MX" noProof="0" smtClean="0"/>
+              <a:rPr lang="es-MX" noProof="0"/>
               <a:t>Click to edit Master text</a:t>
             </a:r>
             <a:br>
-              <a:rPr lang="es-MX" noProof="0" smtClean="0"/>
+              <a:rPr lang="es-MX" noProof="0"/>
             </a:br>
             <a:r>
-              <a:rPr lang="es-MX" noProof="0" smtClean="0"/>
+              <a:rPr lang="es-MX" noProof="0"/>
               <a:t>styles</a:t>
             </a:r>
           </a:p>
@@ -3131,13 +3080,6 @@
   <p:clrMapOvr>
     <a:masterClrMapping/>
   </p:clrMapOvr>
-  <p:timing>
-    <p:tnLst>
-      <p:par>
-        <p:cTn id="1" dur="indefinite" restart="never" nodeType="tmRoot"/>
-      </p:par>
-    </p:tnLst>
-  </p:timing>
 </p:sldLayout>
 </file>
 
@@ -3265,10 +3207,9 @@
           <a:lstStyle/>
           <a:p>
             <a:r>
-              <a:rPr lang="es-MX" noProof="0" smtClean="0"/>
+              <a:rPr lang="es-MX" noProof="0"/>
               <a:t>Click to edit Master title style</a:t>
             </a:r>
-            <a:endParaRPr lang="es-MX" noProof="0"/>
           </a:p>
         </p:txBody>
       </p:sp>
@@ -3305,7 +3246,7 @@
           <a:p>
             <a:pPr lvl="0"/>
             <a:r>
-              <a:rPr lang="es-MX" noProof="0" smtClean="0"/>
+              <a:rPr lang="es-MX" noProof="0"/>
               <a:t>Click to edit Master text styles</a:t>
             </a:r>
           </a:p>
@@ -3390,7 +3331,7 @@
           <a:p>
             <a:pPr lvl="0"/>
             <a:r>
-              <a:rPr lang="es-MX" noProof="0" smtClean="0"/>
+              <a:rPr lang="es-MX" noProof="0"/>
               <a:t>Click to edit Master text styles</a:t>
             </a:r>
           </a:p>
@@ -3474,7 +3415,7 @@
           <a:p>
             <a:pPr lvl="0"/>
             <a:r>
-              <a:rPr lang="es-MX" noProof="0" smtClean="0"/>
+              <a:rPr lang="es-MX" noProof="0"/>
               <a:t>Click to edit Master text styles</a:t>
             </a:r>
           </a:p>
@@ -3558,7 +3499,7 @@
           <a:p>
             <a:pPr lvl="0"/>
             <a:r>
-              <a:rPr lang="es-MX" noProof="0" smtClean="0"/>
+              <a:rPr lang="es-MX" noProof="0"/>
               <a:t>Click to edit Master text styles</a:t>
             </a:r>
           </a:p>
@@ -3642,7 +3583,7 @@
           <a:p>
             <a:pPr lvl="0"/>
             <a:r>
-              <a:rPr lang="es-MX" noProof="0" smtClean="0"/>
+              <a:rPr lang="es-MX" noProof="0"/>
               <a:t>Click to edit Master text styles</a:t>
             </a:r>
           </a:p>
@@ -3676,7 +3617,7 @@
           <a:p>
             <a:pPr lvl="0"/>
             <a:r>
-              <a:rPr lang="es-MX" noProof="0" smtClean="0"/>
+              <a:rPr lang="es-MX" noProof="0"/>
               <a:t>Click to edit Master text styles</a:t>
             </a:r>
           </a:p>
@@ -3710,7 +3651,7 @@
           <a:p>
             <a:pPr lvl="0"/>
             <a:r>
-              <a:rPr lang="es-MX" noProof="0" smtClean="0"/>
+              <a:rPr lang="es-MX" noProof="0"/>
               <a:t>Click to edit Master text styles</a:t>
             </a:r>
           </a:p>
@@ -3744,7 +3685,7 @@
           <a:p>
             <a:pPr lvl="0"/>
             <a:r>
-              <a:rPr lang="es-MX" noProof="0" smtClean="0"/>
+              <a:rPr lang="es-MX" noProof="0"/>
               <a:t>Click to edit Master text styles</a:t>
             </a:r>
           </a:p>
@@ -3778,7 +3719,7 @@
           <a:p>
             <a:pPr lvl="0"/>
             <a:r>
-              <a:rPr lang="es-MX" noProof="0" smtClean="0"/>
+              <a:rPr lang="es-MX" noProof="0"/>
               <a:t>Click to edit Master text styles</a:t>
             </a:r>
           </a:p>
@@ -3812,7 +3753,7 @@
           <a:p>
             <a:pPr lvl="0"/>
             <a:r>
-              <a:rPr lang="es-MX" noProof="0" smtClean="0"/>
+              <a:rPr lang="es-MX" noProof="0"/>
               <a:t>Click to edit Master text styles</a:t>
             </a:r>
           </a:p>
@@ -3828,13 +3769,6 @@
   <p:clrMapOvr>
     <a:masterClrMapping/>
   </p:clrMapOvr>
-  <p:timing>
-    <p:tnLst>
-      <p:par>
-        <p:cTn id="1" dur="indefinite" restart="never" nodeType="tmRoot"/>
-      </p:par>
-    </p:tnLst>
-  </p:timing>
 </p:sldLayout>
 </file>
 
@@ -4289,10 +4223,9 @@
           <a:lstStyle/>
           <a:p>
             <a:r>
-              <a:rPr lang="es-MX" noProof="0" smtClean="0"/>
+              <a:rPr lang="es-MX" noProof="0"/>
               <a:t>Click to edit Master title style</a:t>
             </a:r>
-            <a:endParaRPr lang="es-MX" noProof="0"/>
           </a:p>
         </p:txBody>
       </p:sp>
@@ -4327,7 +4260,7 @@
           <a:p>
             <a:pPr lvl="0"/>
             <a:r>
-              <a:rPr lang="es-MX" noProof="0" smtClean="0"/>
+              <a:rPr lang="es-MX" noProof="0"/>
               <a:t>Click to edit Master text styles</a:t>
             </a:r>
           </a:p>
@@ -4377,7 +4310,7 @@
           <a:p>
             <a:pPr lvl="0"/>
             <a:r>
-              <a:rPr lang="es-MX" noProof="0" smtClean="0"/>
+              <a:rPr lang="es-MX" noProof="0"/>
               <a:t>Click to edit Master text styles</a:t>
             </a:r>
           </a:p>
@@ -4400,7 +4333,7 @@
               <a:defRPr/>
             </a:pPr>
             <a:r>
-              <a:rPr lang="es-MX" noProof="0" smtClean="0"/>
+              <a:rPr lang="es-MX" noProof="0"/>
               <a:t>Click to edit Master text styles</a:t>
             </a:r>
           </a:p>
@@ -4423,7 +4356,7 @@
               <a:defRPr/>
             </a:pPr>
             <a:r>
-              <a:rPr lang="es-MX" noProof="0" smtClean="0"/>
+              <a:rPr lang="es-MX" noProof="0"/>
               <a:t>Click to edit Master text styles</a:t>
             </a:r>
           </a:p>
@@ -4446,7 +4379,7 @@
               <a:defRPr/>
             </a:pPr>
             <a:r>
-              <a:rPr lang="es-MX" noProof="0" smtClean="0"/>
+              <a:rPr lang="es-MX" noProof="0"/>
               <a:t>Click to edit Master text styles</a:t>
             </a:r>
           </a:p>
@@ -4469,25 +4402,25 @@
               <a:defRPr/>
             </a:pPr>
             <a:r>
-              <a:rPr lang="es-MX" noProof="0" smtClean="0"/>
+              <a:rPr lang="es-MX" noProof="0"/>
               <a:t>Click to edit Master text styles</a:t>
             </a:r>
           </a:p>
           <a:p>
             <a:pPr lvl="0"/>
-            <a:endParaRPr lang="es-MX" noProof="0" smtClean="0"/>
+            <a:endParaRPr lang="es-MX" noProof="0"/>
           </a:p>
           <a:p>
             <a:pPr lvl="0"/>
-            <a:endParaRPr lang="es-MX" noProof="0" smtClean="0"/>
+            <a:endParaRPr lang="es-MX" noProof="0"/>
           </a:p>
           <a:p>
             <a:pPr lvl="0"/>
-            <a:endParaRPr lang="es-MX" noProof="0" smtClean="0"/>
+            <a:endParaRPr lang="es-MX" noProof="0"/>
           </a:p>
           <a:p>
             <a:pPr lvl="0"/>
-            <a:endParaRPr lang="es-MX" noProof="0" smtClean="0"/>
+            <a:endParaRPr lang="es-MX" noProof="0"/>
           </a:p>
         </p:txBody>
       </p:sp>
@@ -4522,7 +4455,7 @@
           <a:p>
             <a:pPr lvl="0"/>
             <a:r>
-              <a:rPr lang="es-MX" noProof="0" smtClean="0"/>
+              <a:rPr lang="es-MX" noProof="0"/>
               <a:t>Click to edit Master text styles</a:t>
             </a:r>
           </a:p>
@@ -4572,7 +4505,7 @@
           <a:p>
             <a:pPr lvl="0"/>
             <a:r>
-              <a:rPr lang="es-MX" noProof="0" smtClean="0"/>
+              <a:rPr lang="es-MX" noProof="0"/>
               <a:t>Click to edit Master text styles</a:t>
             </a:r>
           </a:p>
@@ -4595,7 +4528,7 @@
               <a:defRPr/>
             </a:pPr>
             <a:r>
-              <a:rPr lang="es-MX" noProof="0" smtClean="0"/>
+              <a:rPr lang="es-MX" noProof="0"/>
               <a:t>Click to edit Master text styles</a:t>
             </a:r>
           </a:p>
@@ -4618,7 +4551,7 @@
               <a:defRPr/>
             </a:pPr>
             <a:r>
-              <a:rPr lang="es-MX" noProof="0" smtClean="0"/>
+              <a:rPr lang="es-MX" noProof="0"/>
               <a:t>Click to edit Master text styles</a:t>
             </a:r>
           </a:p>
@@ -4641,7 +4574,7 @@
               <a:defRPr/>
             </a:pPr>
             <a:r>
-              <a:rPr lang="es-MX" noProof="0" smtClean="0"/>
+              <a:rPr lang="es-MX" noProof="0"/>
               <a:t>Click to edit Master text styles</a:t>
             </a:r>
           </a:p>
@@ -4664,25 +4597,25 @@
               <a:defRPr/>
             </a:pPr>
             <a:r>
-              <a:rPr lang="es-MX" noProof="0" smtClean="0"/>
+              <a:rPr lang="es-MX" noProof="0"/>
               <a:t>Click to edit Master text styles</a:t>
             </a:r>
           </a:p>
           <a:p>
             <a:pPr lvl="0"/>
-            <a:endParaRPr lang="es-MX" noProof="0" smtClean="0"/>
+            <a:endParaRPr lang="es-MX" noProof="0"/>
           </a:p>
           <a:p>
             <a:pPr lvl="0"/>
-            <a:endParaRPr lang="es-MX" noProof="0" smtClean="0"/>
+            <a:endParaRPr lang="es-MX" noProof="0"/>
           </a:p>
           <a:p>
             <a:pPr lvl="0"/>
-            <a:endParaRPr lang="es-MX" noProof="0" smtClean="0"/>
+            <a:endParaRPr lang="es-MX" noProof="0"/>
           </a:p>
           <a:p>
             <a:pPr lvl="0"/>
-            <a:endParaRPr lang="es-MX" noProof="0" smtClean="0"/>
+            <a:endParaRPr lang="es-MX" noProof="0"/>
           </a:p>
         </p:txBody>
       </p:sp>
@@ -4717,7 +4650,7 @@
           <a:p>
             <a:pPr lvl="0"/>
             <a:r>
-              <a:rPr lang="es-MX" noProof="0" smtClean="0"/>
+              <a:rPr lang="es-MX" noProof="0"/>
               <a:t>Click to edit Master text styles</a:t>
             </a:r>
           </a:p>
@@ -4767,7 +4700,7 @@
           <a:p>
             <a:pPr lvl="0"/>
             <a:r>
-              <a:rPr lang="es-MX" noProof="0" smtClean="0"/>
+              <a:rPr lang="es-MX" noProof="0"/>
               <a:t>Click to edit Master text styles</a:t>
             </a:r>
           </a:p>
@@ -4790,7 +4723,7 @@
               <a:defRPr/>
             </a:pPr>
             <a:r>
-              <a:rPr lang="es-MX" noProof="0" smtClean="0"/>
+              <a:rPr lang="es-MX" noProof="0"/>
               <a:t>Click to edit Master text styles</a:t>
             </a:r>
           </a:p>
@@ -4813,7 +4746,7 @@
               <a:defRPr/>
             </a:pPr>
             <a:r>
-              <a:rPr lang="es-MX" noProof="0" smtClean="0"/>
+              <a:rPr lang="es-MX" noProof="0"/>
               <a:t>Click to edit Master text styles</a:t>
             </a:r>
           </a:p>
@@ -4836,7 +4769,7 @@
               <a:defRPr/>
             </a:pPr>
             <a:r>
-              <a:rPr lang="es-MX" noProof="0" smtClean="0"/>
+              <a:rPr lang="es-MX" noProof="0"/>
               <a:t>Click to edit Master text styles</a:t>
             </a:r>
           </a:p>
@@ -4859,25 +4792,25 @@
               <a:defRPr/>
             </a:pPr>
             <a:r>
-              <a:rPr lang="es-MX" noProof="0" smtClean="0"/>
+              <a:rPr lang="es-MX" noProof="0"/>
               <a:t>Click to edit Master text styles</a:t>
             </a:r>
           </a:p>
           <a:p>
             <a:pPr lvl="0"/>
-            <a:endParaRPr lang="es-MX" noProof="0" smtClean="0"/>
+            <a:endParaRPr lang="es-MX" noProof="0"/>
           </a:p>
           <a:p>
             <a:pPr lvl="0"/>
-            <a:endParaRPr lang="es-MX" noProof="0" smtClean="0"/>
+            <a:endParaRPr lang="es-MX" noProof="0"/>
           </a:p>
           <a:p>
             <a:pPr lvl="0"/>
-            <a:endParaRPr lang="es-MX" noProof="0" smtClean="0"/>
+            <a:endParaRPr lang="es-MX" noProof="0"/>
           </a:p>
           <a:p>
             <a:pPr lvl="0"/>
-            <a:endParaRPr lang="es-MX" noProof="0" smtClean="0"/>
+            <a:endParaRPr lang="es-MX" noProof="0"/>
           </a:p>
         </p:txBody>
       </p:sp>
@@ -4912,7 +4845,7 @@
           <a:p>
             <a:pPr lvl="0"/>
             <a:r>
-              <a:rPr lang="es-MX" noProof="0" smtClean="0"/>
+              <a:rPr lang="es-MX" noProof="0"/>
               <a:t>Click to edit Master text styles</a:t>
             </a:r>
           </a:p>
@@ -4962,7 +4895,7 @@
           <a:p>
             <a:pPr lvl="0"/>
             <a:r>
-              <a:rPr lang="es-MX" noProof="0" smtClean="0"/>
+              <a:rPr lang="es-MX" noProof="0"/>
               <a:t>Click to edit Master text styles</a:t>
             </a:r>
           </a:p>
@@ -4985,7 +4918,7 @@
               <a:defRPr/>
             </a:pPr>
             <a:r>
-              <a:rPr lang="es-MX" noProof="0" smtClean="0"/>
+              <a:rPr lang="es-MX" noProof="0"/>
               <a:t>Click to edit Master text styles</a:t>
             </a:r>
           </a:p>
@@ -5008,7 +4941,7 @@
               <a:defRPr/>
             </a:pPr>
             <a:r>
-              <a:rPr lang="es-MX" noProof="0" smtClean="0"/>
+              <a:rPr lang="es-MX" noProof="0"/>
               <a:t>Click to edit Master text styles</a:t>
             </a:r>
           </a:p>
@@ -5031,7 +4964,7 @@
               <a:defRPr/>
             </a:pPr>
             <a:r>
-              <a:rPr lang="es-MX" noProof="0" smtClean="0"/>
+              <a:rPr lang="es-MX" noProof="0"/>
               <a:t>Click to edit Master text styles</a:t>
             </a:r>
           </a:p>
@@ -5054,25 +4987,25 @@
               <a:defRPr/>
             </a:pPr>
             <a:r>
-              <a:rPr lang="es-MX" noProof="0" smtClean="0"/>
+              <a:rPr lang="es-MX" noProof="0"/>
               <a:t>Click to edit Master text styles</a:t>
             </a:r>
           </a:p>
           <a:p>
             <a:pPr lvl="0"/>
-            <a:endParaRPr lang="es-MX" noProof="0" smtClean="0"/>
+            <a:endParaRPr lang="es-MX" noProof="0"/>
           </a:p>
           <a:p>
             <a:pPr lvl="0"/>
-            <a:endParaRPr lang="es-MX" noProof="0" smtClean="0"/>
+            <a:endParaRPr lang="es-MX" noProof="0"/>
           </a:p>
           <a:p>
             <a:pPr lvl="0"/>
-            <a:endParaRPr lang="es-MX" noProof="0" smtClean="0"/>
+            <a:endParaRPr lang="es-MX" noProof="0"/>
           </a:p>
           <a:p>
             <a:pPr lvl="0"/>
-            <a:endParaRPr lang="es-MX" noProof="0" smtClean="0"/>
+            <a:endParaRPr lang="es-MX" noProof="0"/>
           </a:p>
         </p:txBody>
       </p:sp>
@@ -5086,13 +5019,6 @@
   <p:clrMapOvr>
     <a:masterClrMapping/>
   </p:clrMapOvr>
-  <p:timing>
-    <p:tnLst>
-      <p:par>
-        <p:cTn id="1" dur="indefinite" restart="never" nodeType="tmRoot"/>
-      </p:par>
-    </p:tnLst>
-  </p:timing>
 </p:sldLayout>
 </file>
 
@@ -5153,7 +5079,7 @@
           <a:p>
             <a:pPr lvl="0"/>
             <a:r>
-              <a:rPr lang="es-MX" noProof="0" smtClean="0"/>
+              <a:rPr lang="es-MX" noProof="0"/>
               <a:t>Click to edit Master title style</a:t>
             </a:r>
           </a:p>
@@ -5432,10 +5358,9 @@
           <a:p>
             <a:pPr lvl="0"/>
             <a:r>
-              <a:rPr lang="es-MX" noProof="0" smtClean="0"/>
+              <a:rPr lang="es-MX" noProof="0"/>
               <a:t>At a Glance</a:t>
             </a:r>
-            <a:endParaRPr lang="es-MX" noProof="0"/>
           </a:p>
         </p:txBody>
       </p:sp>
@@ -5466,10 +5391,9 @@
           <a:p>
             <a:pPr lvl="0"/>
             <a:r>
-              <a:rPr lang="es-MX" noProof="0" smtClean="0"/>
+              <a:rPr lang="es-MX" noProof="0"/>
               <a:t>Challenge</a:t>
             </a:r>
-            <a:endParaRPr lang="es-MX" noProof="0"/>
           </a:p>
         </p:txBody>
       </p:sp>
@@ -5500,10 +5424,9 @@
           <a:p>
             <a:pPr lvl="0"/>
             <a:r>
-              <a:rPr lang="es-MX" noProof="0" smtClean="0"/>
+              <a:rPr lang="es-MX" noProof="0"/>
               <a:t>The Solution</a:t>
             </a:r>
-            <a:endParaRPr lang="es-MX" noProof="0"/>
           </a:p>
         </p:txBody>
       </p:sp>
@@ -5538,10 +5461,9 @@
           <a:p>
             <a:pPr lvl="0"/>
             <a:r>
-              <a:rPr lang="es-MX" noProof="0" smtClean="0"/>
+              <a:rPr lang="es-MX" noProof="0"/>
               <a:t>Voice of the Costumer</a:t>
             </a:r>
-            <a:endParaRPr lang="es-MX" noProof="0"/>
           </a:p>
         </p:txBody>
       </p:sp>
@@ -5571,7 +5493,7 @@
           <a:p>
             <a:pPr lvl="0"/>
             <a:r>
-              <a:rPr lang="es-MX" noProof="0" smtClean="0"/>
+              <a:rPr lang="es-MX" noProof="0"/>
               <a:t>Click to edit Master text styles</a:t>
             </a:r>
           </a:p>
@@ -5603,7 +5525,7 @@
           <a:p>
             <a:pPr lvl="0"/>
             <a:r>
-              <a:rPr lang="es-MX" noProof="0" smtClean="0"/>
+              <a:rPr lang="es-MX" noProof="0"/>
               <a:t>Click to edit Master text styles</a:t>
             </a:r>
           </a:p>
@@ -5737,7 +5659,7 @@
           <a:p>
             <a:pPr lvl="0"/>
             <a:r>
-              <a:rPr lang="es-MX" noProof="0" smtClean="0"/>
+              <a:rPr lang="es-MX" noProof="0"/>
               <a:t>Click to edit Master text styles</a:t>
             </a:r>
           </a:p>
@@ -5770,7 +5692,7 @@
           <a:p>
             <a:pPr lvl="0"/>
             <a:r>
-              <a:rPr lang="es-MX" noProof="0" smtClean="0"/>
+              <a:rPr lang="es-MX" noProof="0"/>
               <a:t>Click to edit Master text styles</a:t>
             </a:r>
           </a:p>
@@ -5807,7 +5729,7 @@
           <a:p>
             <a:pPr lvl="0"/>
             <a:r>
-              <a:rPr lang="es-MX" noProof="0" smtClean="0"/>
+              <a:rPr lang="es-MX" noProof="0"/>
               <a:t>Click to edit Master text styles</a:t>
             </a:r>
           </a:p>
@@ -5823,13 +5745,6 @@
   <p:clrMapOvr>
     <a:masterClrMapping/>
   </p:clrMapOvr>
-  <p:timing>
-    <p:tnLst>
-      <p:par>
-        <p:cTn id="1" dur="indefinite" restart="never" nodeType="tmRoot"/>
-      </p:par>
-    </p:tnLst>
-  </p:timing>
 </p:sldLayout>
 </file>
 
@@ -5890,7 +5805,7 @@
           <a:p>
             <a:pPr lvl="0"/>
             <a:r>
-              <a:rPr lang="es-MX" noProof="0" smtClean="0"/>
+              <a:rPr lang="es-MX" noProof="0"/>
               <a:t>Click to edit Master title style</a:t>
             </a:r>
           </a:p>
@@ -6169,10 +6084,9 @@
           <a:p>
             <a:pPr lvl="0"/>
             <a:r>
-              <a:rPr lang="es-MX" noProof="0" smtClean="0"/>
+              <a:rPr lang="es-MX" noProof="0"/>
               <a:t>At a Glance</a:t>
             </a:r>
-            <a:endParaRPr lang="es-MX" noProof="0"/>
           </a:p>
         </p:txBody>
       </p:sp>
@@ -6203,10 +6117,9 @@
           <a:p>
             <a:pPr lvl="0"/>
             <a:r>
-              <a:rPr lang="es-MX" noProof="0" smtClean="0"/>
+              <a:rPr lang="es-MX" noProof="0"/>
               <a:t>Challenge</a:t>
             </a:r>
-            <a:endParaRPr lang="es-MX" noProof="0"/>
           </a:p>
         </p:txBody>
       </p:sp>
@@ -6237,10 +6150,9 @@
           <a:p>
             <a:pPr lvl="0"/>
             <a:r>
-              <a:rPr lang="es-MX" noProof="0" smtClean="0"/>
+              <a:rPr lang="es-MX" noProof="0"/>
               <a:t>The Solution</a:t>
             </a:r>
-            <a:endParaRPr lang="es-MX" noProof="0"/>
           </a:p>
         </p:txBody>
       </p:sp>
@@ -6270,7 +6182,7 @@
           <a:p>
             <a:pPr lvl="0"/>
             <a:r>
-              <a:rPr lang="es-MX" noProof="0" smtClean="0"/>
+              <a:rPr lang="es-MX" noProof="0"/>
               <a:t>Click to edit Master text styles</a:t>
             </a:r>
           </a:p>
@@ -6302,7 +6214,7 @@
           <a:p>
             <a:pPr lvl="0"/>
             <a:r>
-              <a:rPr lang="es-MX" noProof="0" smtClean="0"/>
+              <a:rPr lang="es-MX" noProof="0"/>
               <a:t>Click to edit Master text styles</a:t>
             </a:r>
           </a:p>
@@ -6436,7 +6348,7 @@
           <a:p>
             <a:pPr lvl="0"/>
             <a:r>
-              <a:rPr lang="es-MX" noProof="0" smtClean="0"/>
+              <a:rPr lang="es-MX" noProof="0"/>
               <a:t>Click to edit Master text styles</a:t>
             </a:r>
           </a:p>
@@ -6571,10 +6483,9 @@
           <a:p>
             <a:pPr lvl="0"/>
             <a:r>
-              <a:rPr lang="es-MX" noProof="0" smtClean="0"/>
+              <a:rPr lang="es-MX" noProof="0"/>
               <a:t>Benefits</a:t>
             </a:r>
-            <a:endParaRPr lang="es-MX" noProof="0"/>
           </a:p>
         </p:txBody>
       </p:sp>
@@ -6604,7 +6515,7 @@
           <a:p>
             <a:pPr lvl="0"/>
             <a:r>
-              <a:rPr lang="es-MX" noProof="0" smtClean="0"/>
+              <a:rPr lang="es-MX" noProof="0"/>
               <a:t>Click to edit Master text styles</a:t>
             </a:r>
           </a:p>
@@ -6620,13 +6531,6 @@
   <p:clrMapOvr>
     <a:masterClrMapping/>
   </p:clrMapOvr>
-  <p:timing>
-    <p:tnLst>
-      <p:par>
-        <p:cTn id="1" dur="indefinite" restart="never" nodeType="tmRoot"/>
-      </p:par>
-    </p:tnLst>
-  </p:timing>
 </p:sldLayout>
 </file>
 
@@ -6803,10 +6707,9 @@
           </a:lstStyle>
           <a:p>
             <a:r>
-              <a:rPr lang="es-MX" noProof="0" smtClean="0"/>
+              <a:rPr lang="es-MX" noProof="0"/>
               <a:t>Click To Edit Master Title Style</a:t>
             </a:r>
-            <a:endParaRPr lang="es-MX" noProof="0"/>
           </a:p>
         </p:txBody>
       </p:sp>
@@ -6875,14 +6778,14 @@
           <a:p>
             <a:pPr lvl="0"/>
             <a:r>
-              <a:rPr lang="en-US" noProof="0" smtClean="0"/>
+              <a:rPr lang="en-US" noProof="0"/>
               <a:t>Click to edit Master text styles</a:t>
             </a:r>
           </a:p>
           <a:p>
             <a:pPr lvl="1"/>
             <a:r>
-              <a:rPr lang="en-US" noProof="0" smtClean="0"/>
+              <a:rPr lang="en-US" noProof="0"/>
               <a:t>Second level</a:t>
             </a:r>
           </a:p>
@@ -6987,7 +6890,7 @@
           <a:p>
             <a:pPr algn="l"/>
             <a:r>
-              <a:rPr lang="es-MX" sz="800" noProof="0" smtClean="0">
+              <a:rPr lang="es-MX" sz="800" noProof="0">
                 <a:solidFill>
                   <a:srgbClr val="FFFFFF"/>
                 </a:solidFill>
@@ -6995,12 +6898,6 @@
               </a:rPr>
               <a:t>Todos los Derechos Reservados © Valores Corporativos Softtek S.A. de C.V. 2015. Interno.</a:t>
             </a:r>
-            <a:endParaRPr lang="es-MX" sz="800" noProof="0">
-              <a:solidFill>
-                <a:srgbClr val="FFFFFF"/>
-              </a:solidFill>
-              <a:cs typeface="Arial" charset="0"/>
-            </a:endParaRPr>
           </a:p>
         </p:txBody>
       </p:sp>
@@ -7014,13 +6911,6 @@
   <p:clrMapOvr>
     <a:masterClrMapping/>
   </p:clrMapOvr>
-  <p:timing>
-    <p:tnLst>
-      <p:par>
-        <p:cTn id="1" dur="indefinite" restart="never" nodeType="tmRoot"/>
-      </p:par>
-    </p:tnLst>
-  </p:timing>
 </p:sldLayout>
 </file>
 
@@ -7125,7 +7015,7 @@
           <a:p>
             <a:pPr lvl="0"/>
             <a:r>
-              <a:rPr lang="en-US" noProof="0" smtClean="0"/>
+              <a:rPr lang="en-US" noProof="0"/>
               <a:t>Click to edit Master text styles</a:t>
             </a:r>
           </a:p>
@@ -7188,7 +7078,7 @@
           <a:p>
             <a:pPr lvl="0"/>
             <a:r>
-              <a:rPr lang="en-US" noProof="0" smtClean="0"/>
+              <a:rPr lang="en-US" noProof="0"/>
               <a:t>Click to edit Master text styles</a:t>
             </a:r>
           </a:p>
@@ -7248,7 +7138,7 @@
           <a:p>
             <a:pPr lvl="0"/>
             <a:r>
-              <a:rPr lang="en-US" noProof="0" smtClean="0"/>
+              <a:rPr lang="en-US" noProof="0"/>
               <a:t>Click to edit Master text styles</a:t>
             </a:r>
           </a:p>
@@ -7311,7 +7201,7 @@
           <a:p>
             <a:pPr lvl="0"/>
             <a:r>
-              <a:rPr lang="en-US" noProof="0" smtClean="0"/>
+              <a:rPr lang="en-US" noProof="0"/>
               <a:t>Click to edit Master text styles</a:t>
             </a:r>
           </a:p>
@@ -7371,7 +7261,7 @@
           <a:p>
             <a:pPr lvl="0"/>
             <a:r>
-              <a:rPr lang="en-US" noProof="0" smtClean="0"/>
+              <a:rPr lang="en-US" noProof="0"/>
               <a:t>Click to edit Master text styles</a:t>
             </a:r>
           </a:p>
@@ -7434,7 +7324,7 @@
           <a:p>
             <a:pPr lvl="0"/>
             <a:r>
-              <a:rPr lang="en-US" noProof="0" smtClean="0"/>
+              <a:rPr lang="en-US" noProof="0"/>
               <a:t>Click to edit Master text styles</a:t>
             </a:r>
           </a:p>
@@ -7555,7 +7445,7 @@
               <a:defRPr/>
             </a:pPr>
             <a:r>
-              <a:rPr lang="es-MX" sz="800" noProof="0" smtClean="0">
+              <a:rPr lang="es-MX" sz="800" noProof="0">
                 <a:solidFill>
                   <a:schemeClr val="tx1"/>
                 </a:solidFill>
@@ -7576,13 +7466,6 @@
   <p:clrMapOvr>
     <a:masterClrMapping/>
   </p:clrMapOvr>
-  <p:timing>
-    <p:tnLst>
-      <p:par>
-        <p:cTn id="1" dur="indefinite" restart="never" nodeType="tmRoot"/>
-      </p:par>
-    </p:tnLst>
-  </p:timing>
 </p:sldLayout>
 </file>
 
@@ -7759,10 +7642,9 @@
           </a:lstStyle>
           <a:p>
             <a:r>
-              <a:rPr lang="es-MX" noProof="0" smtClean="0"/>
+              <a:rPr lang="es-MX" noProof="0"/>
               <a:t>Click To Edit Master Title Style</a:t>
             </a:r>
-            <a:endParaRPr lang="es-MX" noProof="0"/>
           </a:p>
         </p:txBody>
       </p:sp>
@@ -7831,14 +7713,14 @@
           <a:p>
             <a:pPr lvl="0"/>
             <a:r>
-              <a:rPr lang="en-US" noProof="0" smtClean="0"/>
+              <a:rPr lang="en-US" noProof="0"/>
               <a:t>Click to edit Master text styles</a:t>
             </a:r>
           </a:p>
           <a:p>
             <a:pPr lvl="1"/>
             <a:r>
-              <a:rPr lang="en-US" noProof="0" smtClean="0"/>
+              <a:rPr lang="en-US" noProof="0"/>
               <a:t>Second level</a:t>
             </a:r>
           </a:p>
@@ -7943,7 +7825,7 @@
           <a:p>
             <a:pPr algn="l"/>
             <a:r>
-              <a:rPr lang="es-MX" sz="800" noProof="0" smtClean="0">
+              <a:rPr lang="es-MX" sz="800" noProof="0">
                 <a:solidFill>
                   <a:srgbClr val="FFFFFF"/>
                 </a:solidFill>
@@ -7951,12 +7833,6 @@
               </a:rPr>
               <a:t>Todos los Derechos Reservados © Valores Corporativos Softtek S.A. de C.V. 2015. Interno.</a:t>
             </a:r>
-            <a:endParaRPr lang="es-MX" sz="800" noProof="0">
-              <a:solidFill>
-                <a:srgbClr val="FFFFFF"/>
-              </a:solidFill>
-              <a:cs typeface="Arial" charset="0"/>
-            </a:endParaRPr>
           </a:p>
         </p:txBody>
       </p:sp>
@@ -7970,13 +7846,6 @@
   <p:clrMapOvr>
     <a:masterClrMapping/>
   </p:clrMapOvr>
-  <p:timing>
-    <p:tnLst>
-      <p:par>
-        <p:cTn id="1" dur="indefinite" restart="never" nodeType="tmRoot"/>
-      </p:par>
-    </p:tnLst>
-  </p:timing>
 </p:sldLayout>
 </file>
 
@@ -8123,24 +7992,23 @@
           </a:lstStyle>
           <a:p>
             <a:r>
-              <a:rPr lang="es-MX" noProof="0" smtClean="0"/>
+              <a:rPr lang="es-MX" noProof="0"/>
               <a:t>Click to </a:t>
             </a:r>
             <a:br>
-              <a:rPr lang="es-MX" noProof="0" smtClean="0"/>
+              <a:rPr lang="es-MX" noProof="0"/>
             </a:br>
             <a:r>
-              <a:rPr lang="es-MX" noProof="0" smtClean="0"/>
+              <a:rPr lang="es-MX" noProof="0"/>
               <a:t>edit Master </a:t>
             </a:r>
             <a:br>
-              <a:rPr lang="es-MX" noProof="0" smtClean="0"/>
+              <a:rPr lang="es-MX" noProof="0"/>
             </a:br>
             <a:r>
-              <a:rPr lang="es-MX" noProof="0" smtClean="0"/>
+              <a:rPr lang="es-MX" noProof="0"/>
               <a:t>title style</a:t>
             </a:r>
-            <a:endParaRPr lang="es-MX" noProof="0"/>
           </a:p>
         </p:txBody>
       </p:sp>
@@ -8190,7 +8058,7 @@
               <a:defRPr/>
             </a:pPr>
             <a:r>
-              <a:rPr lang="es-MX" sz="800" noProof="0" smtClean="0">
+              <a:rPr lang="es-MX" sz="800" noProof="0">
                 <a:solidFill>
                   <a:schemeClr val="tx1"/>
                 </a:solidFill>
@@ -8289,13 +8157,6 @@
   <p:clrMapOvr>
     <a:masterClrMapping/>
   </p:clrMapOvr>
-  <p:timing>
-    <p:tnLst>
-      <p:par>
-        <p:cTn id="1" dur="indefinite" restart="never" nodeType="tmRoot"/>
-      </p:par>
-    </p:tnLst>
-  </p:timing>
 </p:sldLayout>
 </file>
 
@@ -8400,7 +8261,7 @@
           <a:p>
             <a:pPr lvl="0"/>
             <a:r>
-              <a:rPr lang="en-US" noProof="0" smtClean="0"/>
+              <a:rPr lang="en-US" noProof="0"/>
               <a:t>Click to edit Master text styles</a:t>
             </a:r>
           </a:p>
@@ -8463,7 +8324,7 @@
           <a:p>
             <a:pPr lvl="0"/>
             <a:r>
-              <a:rPr lang="en-US" noProof="0" smtClean="0"/>
+              <a:rPr lang="en-US" noProof="0"/>
               <a:t>Click to edit Master text styles</a:t>
             </a:r>
           </a:p>
@@ -8593,7 +8454,7 @@
               <a:defRPr/>
             </a:pPr>
             <a:r>
-              <a:rPr lang="es-MX" sz="800" noProof="0" smtClean="0">
+              <a:rPr lang="es-MX" sz="800" noProof="0">
                 <a:solidFill>
                   <a:schemeClr val="tx1"/>
                 </a:solidFill>
@@ -8614,13 +8475,6 @@
   <p:clrMapOvr>
     <a:masterClrMapping/>
   </p:clrMapOvr>
-  <p:timing>
-    <p:tnLst>
-      <p:par>
-        <p:cTn id="1" dur="indefinite" restart="never" nodeType="tmRoot"/>
-      </p:par>
-    </p:tnLst>
-  </p:timing>
 </p:sldLayout>
 </file>
 
@@ -8725,7 +8579,7 @@
           <a:p>
             <a:pPr lvl="0"/>
             <a:r>
-              <a:rPr lang="en-US" noProof="0" smtClean="0"/>
+              <a:rPr lang="en-US" noProof="0"/>
               <a:t>Click to edit Master text styles</a:t>
             </a:r>
           </a:p>
@@ -8788,7 +8642,7 @@
           <a:p>
             <a:pPr lvl="0"/>
             <a:r>
-              <a:rPr lang="en-US" noProof="0" smtClean="0"/>
+              <a:rPr lang="en-US" noProof="0"/>
               <a:t>Click to edit Master text styles</a:t>
             </a:r>
           </a:p>
@@ -8848,7 +8702,7 @@
           <a:p>
             <a:pPr lvl="0"/>
             <a:r>
-              <a:rPr lang="en-US" noProof="0" smtClean="0"/>
+              <a:rPr lang="en-US" noProof="0"/>
               <a:t>Click to edit Master text styles</a:t>
             </a:r>
           </a:p>
@@ -8911,7 +8765,7 @@
           <a:p>
             <a:pPr lvl="0"/>
             <a:r>
-              <a:rPr lang="en-US" noProof="0" smtClean="0"/>
+              <a:rPr lang="en-US" noProof="0"/>
               <a:t>Click to edit Master text styles</a:t>
             </a:r>
           </a:p>
@@ -8971,7 +8825,7 @@
           <a:p>
             <a:pPr lvl="0"/>
             <a:r>
-              <a:rPr lang="en-US" noProof="0" smtClean="0"/>
+              <a:rPr lang="en-US" noProof="0"/>
               <a:t>Click to edit Master text styles</a:t>
             </a:r>
           </a:p>
@@ -9034,7 +8888,7 @@
           <a:p>
             <a:pPr lvl="0"/>
             <a:r>
-              <a:rPr lang="en-US" noProof="0" smtClean="0"/>
+              <a:rPr lang="en-US" noProof="0"/>
               <a:t>Click to edit Master text styles</a:t>
             </a:r>
           </a:p>
@@ -9155,7 +9009,7 @@
               <a:defRPr/>
             </a:pPr>
             <a:r>
-              <a:rPr lang="es-MX" sz="800" noProof="0" smtClean="0">
+              <a:rPr lang="es-MX" sz="800" noProof="0">
                 <a:solidFill>
                   <a:schemeClr val="tx1"/>
                 </a:solidFill>
@@ -9176,13 +9030,6 @@
   <p:clrMapOvr>
     <a:masterClrMapping/>
   </p:clrMapOvr>
-  <p:timing>
-    <p:tnLst>
-      <p:par>
-        <p:cTn id="1" dur="indefinite" restart="never" nodeType="tmRoot"/>
-      </p:par>
-    </p:tnLst>
-  </p:timing>
 </p:sldLayout>
 </file>
 
@@ -9250,7 +9097,7 @@
           <a:p>
             <a:pPr algn="l"/>
             <a:r>
-              <a:rPr lang="es-MX" sz="800" noProof="0" smtClean="0">
+              <a:rPr lang="es-MX" sz="800" noProof="0">
                 <a:solidFill>
                   <a:srgbClr val="FFFFFF"/>
                 </a:solidFill>
@@ -9259,7 +9106,7 @@
               <a:t>Todos los Derechos </a:t>
             </a:r>
             <a:r>
-              <a:rPr lang="es-MX" sz="800" baseline="0" noProof="0" smtClean="0">
+              <a:rPr lang="es-MX" sz="800" baseline="0" noProof="0">
                 <a:solidFill>
                   <a:srgbClr val="FFFFFF"/>
                 </a:solidFill>
@@ -9268,7 +9115,7 @@
               <a:t>Reserva</a:t>
             </a:r>
             <a:r>
-              <a:rPr lang="es-MX" sz="800" noProof="0" smtClean="0">
+              <a:rPr lang="es-MX" sz="800" noProof="0">
                 <a:solidFill>
                   <a:srgbClr val="FFFFFF"/>
                 </a:solidFill>
@@ -9276,12 +9123,6 @@
               </a:rPr>
               <a:t>dos © Valores Corporativos Softtek S.A. de C.V. 2015. Interno.</a:t>
             </a:r>
-            <a:endParaRPr lang="es-MX" sz="800" noProof="0">
-              <a:solidFill>
-                <a:srgbClr val="FFFFFF"/>
-              </a:solidFill>
-              <a:cs typeface="Arial" charset="0"/>
-            </a:endParaRPr>
           </a:p>
         </p:txBody>
       </p:sp>
@@ -9342,7 +9183,7 @@
           <a:p>
             <a:pPr lvl="0"/>
             <a:r>
-              <a:rPr lang="en-US" noProof="0" smtClean="0"/>
+              <a:rPr lang="en-US" noProof="0"/>
               <a:t>Click to edit Master text styles</a:t>
             </a:r>
           </a:p>
@@ -9402,7 +9243,7 @@
           <a:p>
             <a:pPr lvl="0"/>
             <a:r>
-              <a:rPr lang="en-US" noProof="0" smtClean="0"/>
+              <a:rPr lang="en-US" noProof="0"/>
               <a:t>Click to edit Master text styles</a:t>
             </a:r>
           </a:p>
@@ -9465,7 +9306,7 @@
           <a:p>
             <a:pPr lvl="0"/>
             <a:r>
-              <a:rPr lang="en-US" noProof="0" smtClean="0"/>
+              <a:rPr lang="en-US" noProof="0"/>
               <a:t>Click to edit Master text styles</a:t>
             </a:r>
           </a:p>
@@ -9525,7 +9366,7 @@
           <a:p>
             <a:pPr lvl="0"/>
             <a:r>
-              <a:rPr lang="en-US" noProof="0" smtClean="0"/>
+              <a:rPr lang="en-US" noProof="0"/>
               <a:t>Click to edit Master text styles</a:t>
             </a:r>
           </a:p>
@@ -9588,7 +9429,7 @@
           <a:p>
             <a:pPr lvl="0"/>
             <a:r>
-              <a:rPr lang="en-US" noProof="0" smtClean="0"/>
+              <a:rPr lang="en-US" noProof="0"/>
               <a:t>Click to edit Master text styles</a:t>
             </a:r>
           </a:p>
@@ -9651,7 +9492,7 @@
           <a:p>
             <a:pPr lvl="0"/>
             <a:r>
-              <a:rPr lang="en-US" noProof="0" smtClean="0"/>
+              <a:rPr lang="en-US" noProof="0"/>
               <a:t>Click to edit Master text styles</a:t>
             </a:r>
           </a:p>
@@ -9736,13 +9577,6 @@
   <p:clrMapOvr>
     <a:masterClrMapping/>
   </p:clrMapOvr>
-  <p:timing>
-    <p:tnLst>
-      <p:par>
-        <p:cTn id="1" dur="indefinite" restart="never" nodeType="tmRoot"/>
-      </p:par>
-    </p:tnLst>
-  </p:timing>
 </p:sldLayout>
 </file>
 
@@ -9817,7 +9651,7 @@
           <a:p>
             <a:pPr algn="ctr"/>
             <a:r>
-              <a:rPr lang="es-MX" sz="12000" spc="600" noProof="0" smtClean="0">
+              <a:rPr lang="es-MX" sz="12000" spc="600" noProof="0">
                 <a:solidFill>
                   <a:schemeClr val="bg2"/>
                 </a:solidFill>
@@ -9827,7 +9661,7 @@
               <a:t>Q</a:t>
             </a:r>
             <a:r>
-              <a:rPr lang="es-MX" sz="8000" spc="600" baseline="30000" noProof="0" smtClean="0">
+              <a:rPr lang="es-MX" sz="8000" spc="600" baseline="30000" noProof="0">
                 <a:solidFill>
                   <a:schemeClr val="bg2"/>
                 </a:solidFill>
@@ -9837,7 +9671,7 @@
               <a:t>&amp;</a:t>
             </a:r>
             <a:r>
-              <a:rPr lang="es-MX" sz="12000" spc="600" noProof="0" smtClean="0">
+              <a:rPr lang="es-MX" sz="12000" spc="600" noProof="0">
                 <a:solidFill>
                   <a:schemeClr val="bg2"/>
                 </a:solidFill>
@@ -9846,13 +9680,6 @@
               </a:rPr>
               <a:t>A</a:t>
             </a:r>
-            <a:endParaRPr lang="es-MX" sz="12000" spc="600" noProof="0">
-              <a:solidFill>
-                <a:schemeClr val="bg2"/>
-              </a:solidFill>
-              <a:latin typeface="Arial"/>
-              <a:cs typeface="Arial"/>
-            </a:endParaRPr>
           </a:p>
         </p:txBody>
       </p:sp>
@@ -9980,7 +9807,7 @@
               <a:defRPr/>
             </a:pPr>
             <a:r>
-              <a:rPr lang="es-MX" sz="800" noProof="0" smtClean="0">
+              <a:rPr lang="es-MX" sz="800" noProof="0">
                 <a:solidFill>
                   <a:schemeClr val="tx1"/>
                 </a:solidFill>
@@ -10001,13 +9828,6 @@
   <p:clrMapOvr>
     <a:masterClrMapping/>
   </p:clrMapOvr>
-  <p:timing>
-    <p:tnLst>
-      <p:par>
-        <p:cTn id="1" dur="indefinite" restart="never" nodeType="tmRoot"/>
-      </p:par>
-    </p:tnLst>
-  </p:timing>
 </p:sldLayout>
 </file>
 
@@ -10068,7 +9888,7 @@
           <a:p>
             <a:pPr lvl="0"/>
             <a:r>
-              <a:rPr lang="es-MX" noProof="0" smtClean="0"/>
+              <a:rPr lang="es-MX" noProof="0"/>
               <a:t>Click to edit Master title style</a:t>
             </a:r>
           </a:p>
@@ -10130,13 +9950,6 @@
   <p:clrMapOvr>
     <a:masterClrMapping/>
   </p:clrMapOvr>
-  <p:timing>
-    <p:tnLst>
-      <p:par>
-        <p:cTn id="1" dur="indefinite" restart="never" nodeType="tmRoot"/>
-      </p:par>
-    </p:tnLst>
-  </p:timing>
 </p:sldLayout>
 </file>
 
@@ -10176,13 +9989,6 @@
     <p:sldLayoutId id="2147485186" r:id="rId8"/>
     <p:sldLayoutId id="2147485199" r:id="rId9"/>
   </p:sldLayoutIdLst>
-  <p:timing>
-    <p:tnLst>
-      <p:par>
-        <p:cTn id="1" dur="indefinite" restart="never" nodeType="tmRoot"/>
-      </p:par>
-    </p:tnLst>
-  </p:timing>
   <p:hf hdr="0" ftr="0" dt="0"/>
   <p:txStyles>
     <p:titleStyle>
@@ -10647,34 +10453,34 @@
           <a:p>
             <a:pPr lvl="0"/>
             <a:r>
-              <a:rPr lang="es-MX" noProof="0" smtClean="0"/>
+              <a:rPr lang="es-MX" noProof="0"/>
               <a:t>Click to edit Master text styles</a:t>
             </a:r>
           </a:p>
           <a:p>
             <a:pPr lvl="1"/>
             <a:r>
-              <a:rPr lang="es-MX" noProof="0" smtClean="0"/>
+              <a:rPr lang="es-MX" noProof="0"/>
               <a:t>Second level</a:t>
             </a:r>
           </a:p>
           <a:p>
             <a:pPr lvl="2"/>
             <a:r>
-              <a:rPr lang="es-MX" noProof="0" smtClean="0"/>
+              <a:rPr lang="es-MX" noProof="0"/>
               <a:t>Third level</a:t>
             </a:r>
           </a:p>
           <a:p>
             <a:pPr lvl="3"/>
             <a:r>
-              <a:rPr lang="es-MX" noProof="0" smtClean="0"/>
+              <a:rPr lang="es-MX" noProof="0"/>
               <a:t>Fourth level</a:t>
             </a:r>
           </a:p>
           <a:p>
             <a:pPr lvl="2"/>
-            <a:endParaRPr lang="es-MX" noProof="0" smtClean="0"/>
+            <a:endParaRPr lang="es-MX" noProof="0"/>
           </a:p>
         </p:txBody>
       </p:sp>
@@ -10730,7 +10536,7 @@
           <a:p>
             <a:pPr lvl="0"/>
             <a:r>
-              <a:rPr lang="es-MX" noProof="0" smtClean="0"/>
+              <a:rPr lang="es-MX" noProof="0"/>
               <a:t>Click to edit Master title style</a:t>
             </a:r>
           </a:p>
@@ -10823,19 +10629,19 @@
               <a:defRPr/>
             </a:pPr>
             <a:r>
-              <a:rPr lang="es-MX" sz="800" noProof="0" smtClean="0">
+              <a:rPr lang="es-MX" sz="800" noProof="0">
                 <a:cs typeface="Arial" charset="0"/>
               </a:rPr>
               <a:t>|</a:t>
             </a:r>
             <a:r>
-              <a:rPr lang="es-MX" sz="800" baseline="0" noProof="0" smtClean="0">
+              <a:rPr lang="es-MX" sz="800" baseline="0" noProof="0">
                 <a:cs typeface="Arial" charset="0"/>
               </a:rPr>
               <a:t>  </a:t>
             </a:r>
             <a:r>
-              <a:rPr lang="es-MX" sz="800" noProof="0" smtClean="0">
+              <a:rPr lang="es-MX" sz="800" noProof="0">
                 <a:cs typeface="Arial" charset="0"/>
               </a:rPr>
               <a:t>Todos los Derechos Reservados © Valores Corporativos Softtek S.A. de C.V. 2015. Interno.</a:t>
@@ -10905,13 +10711,6 @@
     <p:sldLayoutId id="2147485191" r:id="rId10"/>
     <p:sldLayoutId id="2147485198" r:id="rId11"/>
   </p:sldLayoutIdLst>
-  <p:timing>
-    <p:tnLst>
-      <p:par>
-        <p:cTn id="1" dur="indefinite" restart="never" nodeType="tmRoot"/>
-      </p:par>
-    </p:tnLst>
-  </p:timing>
   <p:hf hdr="0" ftr="0" dt="0"/>
   <p:txStyles>
     <p:titleStyle>
@@ -11359,10 +11158,9 @@
           <a:lstStyle/>
           <a:p>
             <a:r>
-              <a:rPr lang="es-MX" dirty="0" smtClean="0"/>
+              <a:rPr lang="es-MX" dirty="0"/>
               <a:t>SQL</a:t>
             </a:r>
-            <a:endParaRPr lang="es-MX" dirty="0"/>
           </a:p>
         </p:txBody>
       </p:sp>
@@ -11382,7 +11180,7 @@
           <a:lstStyle/>
           <a:p>
             <a:r>
-              <a:rPr lang="es-MX" dirty="0" err="1" smtClean="0"/>
+              <a:rPr lang="es-MX" dirty="0" err="1"/>
               <a:t>Basics</a:t>
             </a:r>
             <a:endParaRPr lang="es-MX" dirty="0"/>
@@ -11399,13 +11197,6 @@
   <p:clrMapOvr>
     <a:masterClrMapping/>
   </p:clrMapOvr>
-  <p:timing>
-    <p:tnLst>
-      <p:par>
-        <p:cTn id="1" dur="indefinite" restart="never" nodeType="tmRoot"/>
-      </p:par>
-    </p:tnLst>
-  </p:timing>
 </p:sld>
 </file>
 
@@ -11447,19 +11238,27 @@
           <a:lstStyle/>
           <a:p>
             <a:r>
-              <a:rPr lang="es-419" sz="2400" dirty="0" err="1" smtClean="0"/>
+              <a:rPr lang="es-419" sz="2400" dirty="0" err="1"/>
               <a:t>Crate</a:t>
             </a:r>
             <a:r>
-              <a:rPr lang="es-419" sz="2400" dirty="0" smtClean="0"/>
+              <a:rPr lang="es-419" sz="2400" dirty="0"/>
               <a:t> </a:t>
             </a:r>
             <a:r>
-              <a:rPr lang="es-419" sz="2400" dirty="0" err="1" smtClean="0"/>
+              <a:rPr lang="es-419" sz="2400" dirty="0" err="1"/>
+              <a:t>Complex</a:t>
+            </a:r>
+            <a:r>
+              <a:rPr lang="es-419" sz="2400" dirty="0"/>
+              <a:t> </a:t>
+            </a:r>
+            <a:r>
+              <a:rPr lang="es-419" sz="2400" dirty="0" err="1"/>
               <a:t>Table</a:t>
             </a:r>
             <a:r>
-              <a:rPr lang="es-419" sz="2400" dirty="0" smtClean="0"/>
+              <a:rPr lang="es-419" sz="2400" dirty="0"/>
               <a:t> and </a:t>
             </a:r>
             <a:r>
@@ -11516,7 +11315,7 @@
         <p:spPr>
           <a:xfrm>
             <a:off x="179512" y="908720"/>
-            <a:ext cx="3888432" cy="2631490"/>
+            <a:ext cx="4032448" cy="2631490"/>
           </a:xfrm>
           <a:prstGeom prst="rect">
             <a:avLst/>
@@ -11535,14 +11334,31 @@
           <a:lstStyle/>
           <a:p>
             <a:r>
-              <a:rPr lang="es-419" sz="1100" dirty="0" smtClean="0">
+              <a:rPr lang="es-419" sz="1100" dirty="0">
                 <a:latin typeface="Courier New" panose="02070309020205020404" pitchFamily="49" charset="0"/>
                 <a:cs typeface="Courier New" panose="02070309020205020404" pitchFamily="49" charset="0"/>
               </a:rPr>
               <a:t>CREATE</a:t>
             </a:r>
             <a:r>
-              <a:rPr lang="en-US" sz="1100" dirty="0" smtClean="0">
+              <a:rPr lang="en-US" sz="1100" dirty="0">
+                <a:latin typeface="Courier New" panose="02070309020205020404" pitchFamily="49" charset="0"/>
+                <a:cs typeface="Courier New" panose="02070309020205020404" pitchFamily="49" charset="0"/>
+              </a:rPr>
+              <a:t> TABLE </a:t>
+            </a:r>
+            <a:r>
+              <a:rPr lang="es-419" sz="1100" i="1" dirty="0" err="1">
+                <a:solidFill>
+                  <a:srgbClr val="00B050"/>
+                </a:solidFill>
+                <a:latin typeface="Courier New" panose="02070309020205020404" pitchFamily="49" charset="0"/>
+                <a:cs typeface="Courier New" panose="02070309020205020404" pitchFamily="49" charset="0"/>
+              </a:rPr>
+              <a:t>TableName</a:t>
+            </a:r>
+            <a:r>
+              <a:rPr lang="es-419" sz="1100" dirty="0">
                 <a:latin typeface="Courier New" panose="02070309020205020404" pitchFamily="49" charset="0"/>
                 <a:cs typeface="Courier New" panose="02070309020205020404" pitchFamily="49" charset="0"/>
               </a:rPr>
@@ -11553,38 +11369,7 @@
                 <a:latin typeface="Courier New" panose="02070309020205020404" pitchFamily="49" charset="0"/>
                 <a:cs typeface="Courier New" panose="02070309020205020404" pitchFamily="49" charset="0"/>
               </a:rPr>
-              <a:t>TABLE </a:t>
-            </a:r>
-            <a:r>
-              <a:rPr lang="es-419" sz="1100" i="1" dirty="0" err="1" smtClean="0">
-                <a:solidFill>
-                  <a:srgbClr val="00B050"/>
-                </a:solidFill>
-                <a:latin typeface="Courier New" panose="02070309020205020404" pitchFamily="49" charset="0"/>
-                <a:cs typeface="Courier New" panose="02070309020205020404" pitchFamily="49" charset="0"/>
-              </a:rPr>
-              <a:t>TableName</a:t>
-            </a:r>
-            <a:r>
-              <a:rPr lang="es-419" sz="1100" dirty="0" smtClean="0">
-                <a:latin typeface="Courier New" panose="02070309020205020404" pitchFamily="49" charset="0"/>
-                <a:cs typeface="Courier New" panose="02070309020205020404" pitchFamily="49" charset="0"/>
-              </a:rPr>
-              <a:t> </a:t>
-            </a:r>
-            <a:r>
-              <a:rPr lang="en-US" sz="1100" dirty="0" smtClean="0">
-                <a:latin typeface="Courier New" panose="02070309020205020404" pitchFamily="49" charset="0"/>
-                <a:cs typeface="Courier New" panose="02070309020205020404" pitchFamily="49" charset="0"/>
-              </a:rPr>
               <a:t>(</a:t>
-            </a:r>
-            <a:r>
-              <a:rPr lang="en-US" sz="1100" dirty="0">
-                <a:latin typeface="Courier New" panose="02070309020205020404" pitchFamily="49" charset="0"/>
-                <a:cs typeface="Courier New" panose="02070309020205020404" pitchFamily="49" charset="0"/>
-              </a:rPr>
-              <a:t/>
             </a:r>
             <a:br>
               <a:rPr lang="en-US" sz="1100" dirty="0">
@@ -11593,14 +11378,14 @@
               </a:rPr>
             </a:br>
             <a:r>
-              <a:rPr lang="es-419" sz="1100" dirty="0" smtClean="0">
+              <a:rPr lang="es-419" sz="1100" dirty="0">
                 <a:latin typeface="Courier New" panose="02070309020205020404" pitchFamily="49" charset="0"/>
                 <a:cs typeface="Courier New" panose="02070309020205020404" pitchFamily="49" charset="0"/>
               </a:rPr>
               <a:t>  </a:t>
             </a:r>
             <a:r>
-              <a:rPr lang="en-US" sz="1100" i="1" dirty="0" smtClean="0">
+              <a:rPr lang="en-US" sz="1100" i="1" dirty="0">
                 <a:solidFill>
                   <a:srgbClr val="00B050"/>
                 </a:solidFill>
@@ -11663,14 +11448,14 @@
               </a:rPr>
             </a:br>
             <a:r>
-              <a:rPr lang="es-419" sz="1100" dirty="0" smtClean="0">
+              <a:rPr lang="es-419" sz="1100" dirty="0">
                 <a:latin typeface="Courier New" panose="02070309020205020404" pitchFamily="49" charset="0"/>
                 <a:cs typeface="Courier New" panose="02070309020205020404" pitchFamily="49" charset="0"/>
               </a:rPr>
               <a:t>  </a:t>
             </a:r>
             <a:r>
-              <a:rPr lang="en-US" sz="1100" i="1" dirty="0" smtClean="0">
+              <a:rPr lang="en-US" sz="1100" i="1" dirty="0">
                 <a:solidFill>
                   <a:srgbClr val="00B050"/>
                 </a:solidFill>
@@ -11710,7 +11495,7 @@
               <a:t>size</a:t>
             </a:r>
             <a:r>
-              <a:rPr lang="en-US" sz="1100" dirty="0" smtClean="0">
+              <a:rPr lang="en-US" sz="1100" dirty="0">
                 <a:solidFill>
                   <a:srgbClr val="00B050"/>
                 </a:solidFill>
@@ -11720,18 +11505,11 @@
               <a:t>)</a:t>
             </a:r>
             <a:r>
-              <a:rPr lang="en-US" sz="1100" dirty="0" smtClean="0">
+              <a:rPr lang="en-US" sz="1100" dirty="0">
                 <a:latin typeface="Courier New" panose="02070309020205020404" pitchFamily="49" charset="0"/>
                 <a:cs typeface="Courier New" panose="02070309020205020404" pitchFamily="49" charset="0"/>
               </a:rPr>
               <a:t>,</a:t>
-            </a:r>
-            <a:r>
-              <a:rPr lang="en-US" sz="1100" dirty="0">
-                <a:latin typeface="Courier New" panose="02070309020205020404" pitchFamily="49" charset="0"/>
-                <a:cs typeface="Courier New" panose="02070309020205020404" pitchFamily="49" charset="0"/>
-              </a:rPr>
-              <a:t/>
             </a:r>
             <a:br>
               <a:rPr lang="en-US" sz="1100" dirty="0">
@@ -11740,20 +11518,20 @@
               </a:rPr>
             </a:br>
             <a:r>
-              <a:rPr lang="es-419" sz="1100" dirty="0" smtClean="0">
+              <a:rPr lang="es-419" sz="1100" dirty="0">
                 <a:latin typeface="Courier New" panose="02070309020205020404" pitchFamily="49" charset="0"/>
                 <a:cs typeface="Courier New" panose="02070309020205020404" pitchFamily="49" charset="0"/>
               </a:rPr>
               <a:t>  </a:t>
             </a:r>
             <a:r>
-              <a:rPr lang="en-US" sz="1100" dirty="0" smtClean="0">
+              <a:rPr lang="en-US" sz="1100" dirty="0">
                 <a:latin typeface="Courier New" panose="02070309020205020404" pitchFamily="49" charset="0"/>
                 <a:cs typeface="Courier New" panose="02070309020205020404" pitchFamily="49" charset="0"/>
               </a:rPr>
               <a:t>...</a:t>
             </a:r>
-            <a:endParaRPr lang="es-419" sz="1100" dirty="0" smtClean="0">
+            <a:endParaRPr lang="es-419" sz="1100" dirty="0">
               <a:latin typeface="Courier New" panose="02070309020205020404" pitchFamily="49" charset="0"/>
               <a:cs typeface="Courier New" panose="02070309020205020404" pitchFamily="49" charset="0"/>
             </a:endParaRPr>
@@ -11764,17 +11542,166 @@
                 <a:latin typeface="Courier New" panose="02070309020205020404" pitchFamily="49" charset="0"/>
                 <a:cs typeface="Courier New" panose="02070309020205020404" pitchFamily="49" charset="0"/>
               </a:rPr>
+              <a:t>  PRIMARY KEY (</a:t>
+            </a:r>
+            <a:r>
+              <a:rPr lang="es-419" sz="1100" i="1" dirty="0" err="1">
+                <a:solidFill>
+                  <a:srgbClr val="00B050"/>
+                </a:solidFill>
+                <a:latin typeface="Courier New" panose="02070309020205020404" pitchFamily="49" charset="0"/>
+                <a:cs typeface="Courier New" panose="02070309020205020404" pitchFamily="49" charset="0"/>
+              </a:rPr>
+              <a:t>colum_name</a:t>
+            </a:r>
+            <a:r>
+              <a:rPr lang="es-419" sz="1100" dirty="0">
+                <a:latin typeface="Courier New" panose="02070309020205020404" pitchFamily="49" charset="0"/>
+                <a:cs typeface="Courier New" panose="02070309020205020404" pitchFamily="49" charset="0"/>
+              </a:rPr>
+              <a:t>),</a:t>
+            </a:r>
+          </a:p>
+          <a:p>
+            <a:r>
+              <a:rPr lang="es-419" sz="1100" dirty="0">
+                <a:latin typeface="Courier New" panose="02070309020205020404" pitchFamily="49" charset="0"/>
+                <a:cs typeface="Courier New" panose="02070309020205020404" pitchFamily="49" charset="0"/>
+              </a:rPr>
+              <a:t>  INDEX </a:t>
+            </a:r>
+            <a:r>
+              <a:rPr lang="es-419" sz="1100" i="1" dirty="0" err="1">
+                <a:solidFill>
+                  <a:srgbClr val="00B050"/>
+                </a:solidFill>
+                <a:latin typeface="Courier New" panose="02070309020205020404" pitchFamily="49" charset="0"/>
+                <a:cs typeface="Courier New" panose="02070309020205020404" pitchFamily="49" charset="0"/>
+              </a:rPr>
+              <a:t>index_name</a:t>
+            </a:r>
+            <a:r>
+              <a:rPr lang="es-419" sz="1100" dirty="0">
+                <a:latin typeface="Courier New" panose="02070309020205020404" pitchFamily="49" charset="0"/>
+                <a:cs typeface="Courier New" panose="02070309020205020404" pitchFamily="49" charset="0"/>
+              </a:rPr>
+              <a:t> (</a:t>
+            </a:r>
+            <a:r>
+              <a:rPr lang="es-419" sz="1100" i="1" dirty="0" err="1">
+                <a:solidFill>
+                  <a:srgbClr val="00B050"/>
+                </a:solidFill>
+                <a:latin typeface="Courier New" panose="02070309020205020404" pitchFamily="49" charset="0"/>
+                <a:cs typeface="Courier New" panose="02070309020205020404" pitchFamily="49" charset="0"/>
+              </a:rPr>
+              <a:t>colum_name</a:t>
+            </a:r>
+            <a:r>
+              <a:rPr lang="es-419" sz="1100" dirty="0">
+                <a:latin typeface="Courier New" panose="02070309020205020404" pitchFamily="49" charset="0"/>
+                <a:cs typeface="Courier New" panose="02070309020205020404" pitchFamily="49" charset="0"/>
+              </a:rPr>
+              <a:t>),</a:t>
+            </a:r>
+          </a:p>
+          <a:p>
+            <a:r>
+              <a:rPr lang="es-419" sz="1100" dirty="0">
+                <a:latin typeface="Courier New" panose="02070309020205020404" pitchFamily="49" charset="0"/>
+                <a:cs typeface="Courier New" panose="02070309020205020404" pitchFamily="49" charset="0"/>
+              </a:rPr>
+              <a:t>  [CONSTRAINT </a:t>
+            </a:r>
+            <a:r>
+              <a:rPr lang="es-419" sz="1100" i="1" dirty="0" err="1">
+                <a:solidFill>
+                  <a:srgbClr val="00B050"/>
+                </a:solidFill>
+                <a:latin typeface="Courier New" panose="02070309020205020404" pitchFamily="49" charset="0"/>
+                <a:cs typeface="Courier New" panose="02070309020205020404" pitchFamily="49" charset="0"/>
+              </a:rPr>
+              <a:t>constraint_name</a:t>
+            </a:r>
+            <a:r>
+              <a:rPr lang="es-419" sz="1100" dirty="0">
+                <a:latin typeface="Courier New" panose="02070309020205020404" pitchFamily="49" charset="0"/>
+                <a:cs typeface="Courier New" panose="02070309020205020404" pitchFamily="49" charset="0"/>
+              </a:rPr>
+              <a:t>]</a:t>
+            </a:r>
+          </a:p>
+          <a:p>
+            <a:r>
+              <a:rPr lang="es-419" sz="1100" dirty="0">
+                <a:latin typeface="Courier New" panose="02070309020205020404" pitchFamily="49" charset="0"/>
+                <a:cs typeface="Courier New" panose="02070309020205020404" pitchFamily="49" charset="0"/>
+              </a:rPr>
+              <a:t>    </a:t>
+            </a:r>
+            <a:r>
+              <a:rPr lang="en-US" sz="1100" dirty="0">
+                <a:latin typeface="Courier New" panose="02070309020205020404" pitchFamily="49" charset="0"/>
+                <a:cs typeface="Courier New" panose="02070309020205020404" pitchFamily="49" charset="0"/>
+              </a:rPr>
+              <a:t>FOREIGN KEY(</a:t>
+            </a:r>
+            <a:r>
+              <a:rPr lang="es-419" sz="1100" i="1" dirty="0" err="1">
+                <a:solidFill>
+                  <a:srgbClr val="00B050"/>
+                </a:solidFill>
+                <a:latin typeface="Courier New" panose="02070309020205020404" pitchFamily="49" charset="0"/>
+                <a:cs typeface="Courier New" panose="02070309020205020404" pitchFamily="49" charset="0"/>
+              </a:rPr>
+              <a:t>colum_name</a:t>
+            </a:r>
+            <a:r>
+              <a:rPr lang="en-US" sz="1100" dirty="0">
+                <a:latin typeface="Courier New" panose="02070309020205020404" pitchFamily="49" charset="0"/>
+                <a:cs typeface="Courier New" panose="02070309020205020404" pitchFamily="49" charset="0"/>
+              </a:rPr>
+              <a:t>)</a:t>
+            </a:r>
+          </a:p>
+          <a:p>
+            <a:r>
+              <a:rPr lang="en-US" sz="1100" dirty="0">
+                <a:latin typeface="Courier New" panose="02070309020205020404" pitchFamily="49" charset="0"/>
+                <a:cs typeface="Courier New" panose="02070309020205020404" pitchFamily="49" charset="0"/>
+              </a:rPr>
+              <a:t>    REFERENCES</a:t>
+            </a:r>
+            <a:r>
+              <a:rPr lang="es-419" sz="1100" dirty="0">
+                <a:latin typeface="Courier New" panose="02070309020205020404" pitchFamily="49" charset="0"/>
+                <a:cs typeface="Courier New" panose="02070309020205020404" pitchFamily="49" charset="0"/>
+              </a:rPr>
               <a:t> </a:t>
             </a:r>
             <a:r>
-              <a:rPr lang="es-419" sz="1100" dirty="0" smtClean="0">
-                <a:latin typeface="Courier New" panose="02070309020205020404" pitchFamily="49" charset="0"/>
-                <a:cs typeface="Courier New" panose="02070309020205020404" pitchFamily="49" charset="0"/>
-              </a:rPr>
-              <a:t> PRIMARY KEY (</a:t>
-            </a:r>
-            <a:r>
-              <a:rPr lang="es-419" sz="1100" i="1" dirty="0" err="1" smtClean="0">
+              <a:rPr lang="en-US" sz="1100" dirty="0">
+                <a:latin typeface="Courier New" panose="02070309020205020404" pitchFamily="49" charset="0"/>
+                <a:cs typeface="Courier New" panose="02070309020205020404" pitchFamily="49" charset="0"/>
+              </a:rPr>
+              <a:t>foreign_</a:t>
+            </a:r>
+            <a:r>
+              <a:rPr lang="es-419" sz="1100" dirty="0" err="1">
+                <a:latin typeface="Courier New" panose="02070309020205020404" pitchFamily="49" charset="0"/>
+                <a:cs typeface="Courier New" panose="02070309020205020404" pitchFamily="49" charset="0"/>
+              </a:rPr>
+              <a:t>tablename</a:t>
+            </a:r>
+            <a:r>
+              <a:rPr lang="en-US" sz="1100" dirty="0">
+                <a:latin typeface="Courier New" panose="02070309020205020404" pitchFamily="49" charset="0"/>
+                <a:cs typeface="Courier New" panose="02070309020205020404" pitchFamily="49" charset="0"/>
+              </a:rPr>
+              <a:t>(</a:t>
+            </a:r>
+            <a:r>
+              <a:rPr lang="es-419" sz="1100" i="1" dirty="0" err="1">
                 <a:solidFill>
                   <a:srgbClr val="00B050"/>
                 </a:solidFill>
@@ -11784,134 +11711,37 @@
               <a:t>colum_name</a:t>
             </a:r>
             <a:r>
-              <a:rPr lang="es-419" sz="1100" dirty="0" smtClean="0">
-                <a:latin typeface="Courier New" panose="02070309020205020404" pitchFamily="49" charset="0"/>
-                <a:cs typeface="Courier New" panose="02070309020205020404" pitchFamily="49" charset="0"/>
-              </a:rPr>
-              <a:t>),</a:t>
-            </a:r>
-          </a:p>
-          <a:p>
-            <a:r>
-              <a:rPr lang="es-419" sz="1100" dirty="0" smtClean="0">
-                <a:latin typeface="Courier New" panose="02070309020205020404" pitchFamily="49" charset="0"/>
-                <a:cs typeface="Courier New" panose="02070309020205020404" pitchFamily="49" charset="0"/>
-              </a:rPr>
-              <a:t>  INDEX </a:t>
-            </a:r>
-            <a:r>
-              <a:rPr lang="es-419" sz="1100" i="1" dirty="0" err="1" smtClean="0">
+              <a:rPr lang="en-US" sz="1100" dirty="0">
+                <a:latin typeface="Courier New" panose="02070309020205020404" pitchFamily="49" charset="0"/>
+                <a:cs typeface="Courier New" panose="02070309020205020404" pitchFamily="49" charset="0"/>
+              </a:rPr>
+              <a:t>)</a:t>
+            </a:r>
+          </a:p>
+          <a:p>
+            <a:r>
+              <a:rPr lang="en-US" sz="1100" dirty="0">
+                <a:latin typeface="Courier New" panose="02070309020205020404" pitchFamily="49" charset="0"/>
+                <a:cs typeface="Courier New" panose="02070309020205020404" pitchFamily="49" charset="0"/>
+              </a:rPr>
+              <a:t>    ON DELETE </a:t>
+            </a:r>
+            <a:r>
+              <a:rPr lang="es-419" sz="1100" i="1" dirty="0">
                 <a:solidFill>
                   <a:srgbClr val="00B050"/>
                 </a:solidFill>
                 <a:latin typeface="Courier New" panose="02070309020205020404" pitchFamily="49" charset="0"/>
                 <a:cs typeface="Courier New" panose="02070309020205020404" pitchFamily="49" charset="0"/>
               </a:rPr>
-              <a:t>index_name</a:t>
-            </a:r>
-            <a:r>
-              <a:rPr lang="es-419" sz="1100" dirty="0" smtClean="0">
-                <a:latin typeface="Courier New" panose="02070309020205020404" pitchFamily="49" charset="0"/>
-                <a:cs typeface="Courier New" panose="02070309020205020404" pitchFamily="49" charset="0"/>
-              </a:rPr>
-              <a:t> (</a:t>
-            </a:r>
-            <a:r>
-              <a:rPr lang="es-419" sz="1100" i="1" dirty="0" err="1" smtClean="0">
-                <a:solidFill>
-                  <a:srgbClr val="00B050"/>
-                </a:solidFill>
-                <a:latin typeface="Courier New" panose="02070309020205020404" pitchFamily="49" charset="0"/>
-                <a:cs typeface="Courier New" panose="02070309020205020404" pitchFamily="49" charset="0"/>
-              </a:rPr>
-              <a:t>colum_name</a:t>
-            </a:r>
-            <a:r>
-              <a:rPr lang="es-419" sz="1100" dirty="0" smtClean="0">
-                <a:latin typeface="Courier New" panose="02070309020205020404" pitchFamily="49" charset="0"/>
-                <a:cs typeface="Courier New" panose="02070309020205020404" pitchFamily="49" charset="0"/>
-              </a:rPr>
-              <a:t>),</a:t>
-            </a:r>
-          </a:p>
-          <a:p>
+              <a:t>RESTRICTION</a:t>
+            </a:r>
             <a:r>
               <a:rPr lang="es-419" sz="1100" dirty="0">
                 <a:latin typeface="Courier New" panose="02070309020205020404" pitchFamily="49" charset="0"/>
                 <a:cs typeface="Courier New" panose="02070309020205020404" pitchFamily="49" charset="0"/>
               </a:rPr>
               <a:t> </a:t>
-            </a:r>
-            <a:r>
-              <a:rPr lang="es-419" sz="1100" dirty="0" smtClean="0">
-                <a:latin typeface="Courier New" panose="02070309020205020404" pitchFamily="49" charset="0"/>
-                <a:cs typeface="Courier New" panose="02070309020205020404" pitchFamily="49" charset="0"/>
-              </a:rPr>
-              <a:t> [CONSTRAINT </a:t>
-            </a:r>
-            <a:r>
-              <a:rPr lang="es-419" sz="1100" i="1" dirty="0" err="1" smtClean="0">
-                <a:solidFill>
-                  <a:srgbClr val="00B050"/>
-                </a:solidFill>
-                <a:latin typeface="Courier New" panose="02070309020205020404" pitchFamily="49" charset="0"/>
-                <a:cs typeface="Courier New" panose="02070309020205020404" pitchFamily="49" charset="0"/>
-              </a:rPr>
-              <a:t>constraint_name</a:t>
-            </a:r>
-            <a:r>
-              <a:rPr lang="es-419" sz="1100" dirty="0" smtClean="0">
-                <a:latin typeface="Courier New" panose="02070309020205020404" pitchFamily="49" charset="0"/>
-                <a:cs typeface="Courier New" panose="02070309020205020404" pitchFamily="49" charset="0"/>
-              </a:rPr>
-              <a:t>]</a:t>
-            </a:r>
-          </a:p>
-          <a:p>
-            <a:r>
-              <a:rPr lang="es-419" sz="1100" dirty="0">
-                <a:latin typeface="Courier New" panose="02070309020205020404" pitchFamily="49" charset="0"/>
-                <a:cs typeface="Courier New" panose="02070309020205020404" pitchFamily="49" charset="0"/>
-              </a:rPr>
-              <a:t> </a:t>
-            </a:r>
-            <a:r>
-              <a:rPr lang="es-419" sz="1100" dirty="0" smtClean="0">
-                <a:latin typeface="Courier New" panose="02070309020205020404" pitchFamily="49" charset="0"/>
-                <a:cs typeface="Courier New" panose="02070309020205020404" pitchFamily="49" charset="0"/>
-              </a:rPr>
-              <a:t>   </a:t>
-            </a:r>
-            <a:r>
-              <a:rPr lang="en-US" sz="1100" dirty="0">
-                <a:latin typeface="Courier New" panose="02070309020205020404" pitchFamily="49" charset="0"/>
-                <a:cs typeface="Courier New" panose="02070309020205020404" pitchFamily="49" charset="0"/>
-              </a:rPr>
-              <a:t>FOREIGN </a:t>
-            </a:r>
-            <a:r>
-              <a:rPr lang="en-US" sz="1100" dirty="0" smtClean="0">
-                <a:latin typeface="Courier New" panose="02070309020205020404" pitchFamily="49" charset="0"/>
-                <a:cs typeface="Courier New" panose="02070309020205020404" pitchFamily="49" charset="0"/>
-              </a:rPr>
-              <a:t>KEY(</a:t>
-            </a:r>
-            <a:r>
-              <a:rPr lang="es-419" sz="1100" i="1" dirty="0" err="1" smtClean="0">
-                <a:solidFill>
-                  <a:srgbClr val="00B050"/>
-                </a:solidFill>
-                <a:latin typeface="Courier New" panose="02070309020205020404" pitchFamily="49" charset="0"/>
-                <a:cs typeface="Courier New" panose="02070309020205020404" pitchFamily="49" charset="0"/>
-              </a:rPr>
-              <a:t>colum_name</a:t>
-            </a:r>
-            <a:r>
-              <a:rPr lang="en-US" sz="1100" dirty="0" smtClean="0">
-                <a:latin typeface="Courier New" panose="02070309020205020404" pitchFamily="49" charset="0"/>
-                <a:cs typeface="Courier New" panose="02070309020205020404" pitchFamily="49" charset="0"/>
-              </a:rPr>
-              <a:t>)</a:t>
             </a:r>
             <a:endParaRPr lang="en-US" sz="1100" dirty="0">
               <a:latin typeface="Courier New" panose="02070309020205020404" pitchFamily="49" charset="0"/>
@@ -11924,76 +11754,35 @@
                 <a:latin typeface="Courier New" panose="02070309020205020404" pitchFamily="49" charset="0"/>
                 <a:cs typeface="Courier New" panose="02070309020205020404" pitchFamily="49" charset="0"/>
               </a:rPr>
-              <a:t>    </a:t>
-            </a:r>
-            <a:r>
-              <a:rPr lang="en-US" sz="1100" dirty="0" smtClean="0">
-                <a:latin typeface="Courier New" panose="02070309020205020404" pitchFamily="49" charset="0"/>
-                <a:cs typeface="Courier New" panose="02070309020205020404" pitchFamily="49" charset="0"/>
-              </a:rPr>
-              <a:t>REFERENCES</a:t>
-            </a:r>
-            <a:r>
-              <a:rPr lang="es-419" sz="1100" dirty="0" smtClean="0">
-                <a:latin typeface="Courier New" panose="02070309020205020404" pitchFamily="49" charset="0"/>
-                <a:cs typeface="Courier New" panose="02070309020205020404" pitchFamily="49" charset="0"/>
-              </a:rPr>
-              <a:t> TABLE_NAME</a:t>
-            </a:r>
-            <a:r>
-              <a:rPr lang="en-US" sz="1100" dirty="0" smtClean="0">
-                <a:latin typeface="Courier New" panose="02070309020205020404" pitchFamily="49" charset="0"/>
-                <a:cs typeface="Courier New" panose="02070309020205020404" pitchFamily="49" charset="0"/>
-              </a:rPr>
-              <a:t>(</a:t>
-            </a:r>
-            <a:r>
-              <a:rPr lang="es-419" sz="1100" i="1" dirty="0" err="1" smtClean="0">
+              <a:t>    ON UPDATE </a:t>
+            </a:r>
+            <a:r>
+              <a:rPr lang="es-419" sz="1100" i="1" dirty="0">
                 <a:solidFill>
                   <a:srgbClr val="00B050"/>
                 </a:solidFill>
                 <a:latin typeface="Courier New" panose="02070309020205020404" pitchFamily="49" charset="0"/>
                 <a:cs typeface="Courier New" panose="02070309020205020404" pitchFamily="49" charset="0"/>
               </a:rPr>
-              <a:t>colum_name</a:t>
-            </a:r>
-            <a:r>
-              <a:rPr lang="en-US" sz="1100" dirty="0" smtClean="0">
-                <a:latin typeface="Courier New" panose="02070309020205020404" pitchFamily="49" charset="0"/>
-                <a:cs typeface="Courier New" panose="02070309020205020404" pitchFamily="49" charset="0"/>
-              </a:rPr>
-              <a:t>)</a:t>
-            </a:r>
+              <a:t>RESTRICTION</a:t>
+            </a:r>
+          </a:p>
+          <a:p>
+            <a:r>
+              <a:rPr lang="en-US" sz="1100" dirty="0">
+                <a:latin typeface="Courier New" panose="02070309020205020404" pitchFamily="49" charset="0"/>
+                <a:cs typeface="Courier New" panose="02070309020205020404" pitchFamily="49" charset="0"/>
+              </a:rPr>
+              <a:t>);</a:t>
+            </a:r>
+          </a:p>
+          <a:p>
             <a:endParaRPr lang="en-US" sz="1100" dirty="0">
               <a:latin typeface="Courier New" panose="02070309020205020404" pitchFamily="49" charset="0"/>
               <a:cs typeface="Courier New" panose="02070309020205020404" pitchFamily="49" charset="0"/>
             </a:endParaRPr>
           </a:p>
           <a:p>
-            <a:r>
-              <a:rPr lang="en-US" sz="1100" dirty="0">
-                <a:latin typeface="Courier New" panose="02070309020205020404" pitchFamily="49" charset="0"/>
-                <a:cs typeface="Courier New" panose="02070309020205020404" pitchFamily="49" charset="0"/>
-              </a:rPr>
-              <a:t>    ON DELETE </a:t>
-            </a:r>
-            <a:r>
-              <a:rPr lang="es-419" sz="1100" i="1" dirty="0" smtClean="0">
-                <a:solidFill>
-                  <a:srgbClr val="00B050"/>
-                </a:solidFill>
-                <a:latin typeface="Courier New" panose="02070309020205020404" pitchFamily="49" charset="0"/>
-                <a:cs typeface="Courier New" panose="02070309020205020404" pitchFamily="49" charset="0"/>
-              </a:rPr>
-              <a:t>RESTRICTION</a:t>
-            </a:r>
-            <a:r>
-              <a:rPr lang="es-419" sz="1100" dirty="0" smtClean="0">
-                <a:latin typeface="Courier New" panose="02070309020205020404" pitchFamily="49" charset="0"/>
-                <a:cs typeface="Courier New" panose="02070309020205020404" pitchFamily="49" charset="0"/>
-              </a:rPr>
-              <a:t> </a:t>
-            </a:r>
             <a:endParaRPr lang="en-US" sz="1100" dirty="0">
               <a:latin typeface="Courier New" panose="02070309020205020404" pitchFamily="49" charset="0"/>
               <a:cs typeface="Courier New" panose="02070309020205020404" pitchFamily="49" charset="0"/>
@@ -12005,56 +11794,16 @@
                 <a:latin typeface="Courier New" panose="02070309020205020404" pitchFamily="49" charset="0"/>
                 <a:cs typeface="Courier New" panose="02070309020205020404" pitchFamily="49" charset="0"/>
               </a:rPr>
-              <a:t>    ON UPDATE </a:t>
-            </a:r>
-            <a:r>
-              <a:rPr lang="es-419" sz="1100" i="1" dirty="0" smtClean="0">
+              <a:t>DROP TABLE </a:t>
+            </a:r>
+            <a:r>
+              <a:rPr lang="es-419" sz="1100" i="1" dirty="0" err="1">
                 <a:solidFill>
                   <a:srgbClr val="00B050"/>
                 </a:solidFill>
                 <a:latin typeface="Courier New" panose="02070309020205020404" pitchFamily="49" charset="0"/>
                 <a:cs typeface="Courier New" panose="02070309020205020404" pitchFamily="49" charset="0"/>
               </a:rPr>
-              <a:t>RESTRICTION</a:t>
-            </a:r>
-          </a:p>
-          <a:p>
-            <a:r>
-              <a:rPr lang="en-US" sz="1100" dirty="0" smtClean="0">
-                <a:latin typeface="Courier New" panose="02070309020205020404" pitchFamily="49" charset="0"/>
-                <a:cs typeface="Courier New" panose="02070309020205020404" pitchFamily="49" charset="0"/>
-              </a:rPr>
-              <a:t>);</a:t>
-            </a:r>
-          </a:p>
-          <a:p>
-            <a:endParaRPr lang="en-US" sz="1100" dirty="0">
-              <a:latin typeface="Courier New" panose="02070309020205020404" pitchFamily="49" charset="0"/>
-              <a:cs typeface="Courier New" panose="02070309020205020404" pitchFamily="49" charset="0"/>
-            </a:endParaRPr>
-          </a:p>
-          <a:p>
-            <a:endParaRPr lang="en-US" sz="1100" dirty="0">
-              <a:latin typeface="Courier New" panose="02070309020205020404" pitchFamily="49" charset="0"/>
-              <a:cs typeface="Courier New" panose="02070309020205020404" pitchFamily="49" charset="0"/>
-            </a:endParaRPr>
-          </a:p>
-          <a:p>
-            <a:r>
-              <a:rPr lang="en-US" sz="1100" dirty="0" smtClean="0">
-                <a:latin typeface="Courier New" panose="02070309020205020404" pitchFamily="49" charset="0"/>
-                <a:cs typeface="Courier New" panose="02070309020205020404" pitchFamily="49" charset="0"/>
-              </a:rPr>
-              <a:t>DROP TABLE </a:t>
-            </a:r>
-            <a:r>
-              <a:rPr lang="es-419" sz="1100" i="1" dirty="0" err="1">
-                <a:solidFill>
-                  <a:srgbClr val="00B050"/>
-                </a:solidFill>
-                <a:latin typeface="Courier New" panose="02070309020205020404" pitchFamily="49" charset="0"/>
-                <a:cs typeface="Courier New" panose="02070309020205020404" pitchFamily="49" charset="0"/>
-              </a:rPr>
               <a:t>TableName</a:t>
             </a:r>
             <a:r>
@@ -12065,16 +11814,12 @@
               <a:t> </a:t>
             </a:r>
             <a:r>
-              <a:rPr lang="en-US" sz="1100" dirty="0" smtClean="0">
+              <a:rPr lang="en-US" sz="1100" dirty="0">
                 <a:latin typeface="Courier New" panose="02070309020205020404" pitchFamily="49" charset="0"/>
                 <a:cs typeface="Courier New" panose="02070309020205020404" pitchFamily="49" charset="0"/>
               </a:rPr>
               <a:t>;</a:t>
             </a:r>
-            <a:endParaRPr lang="en-US" sz="1100" dirty="0">
-              <a:latin typeface="Courier New" panose="02070309020205020404" pitchFamily="49" charset="0"/>
-              <a:cs typeface="Courier New" panose="02070309020205020404" pitchFamily="49" charset="0"/>
-            </a:endParaRPr>
           </a:p>
         </p:txBody>
       </p:sp>
@@ -12108,7 +11853,7 @@
               <a:t>CREATE TABLE </a:t>
             </a:r>
             <a:r>
-              <a:rPr lang="es-419" sz="1100" i="1" dirty="0" smtClean="0">
+              <a:rPr lang="es-419" sz="1100" i="1" dirty="0">
                 <a:solidFill>
                   <a:srgbClr val="00B050"/>
                 </a:solidFill>
@@ -12118,18 +11863,11 @@
               <a:t>USER</a:t>
             </a:r>
             <a:r>
-              <a:rPr lang="en-US" sz="1100" dirty="0" smtClean="0">
+              <a:rPr lang="en-US" sz="1100" dirty="0">
                 <a:latin typeface="Courier New" panose="02070309020205020404" pitchFamily="49" charset="0"/>
                 <a:cs typeface="Courier New" panose="02070309020205020404" pitchFamily="49" charset="0"/>
               </a:rPr>
               <a:t>(</a:t>
-            </a:r>
-            <a:r>
-              <a:rPr lang="en-US" sz="1100" dirty="0">
-                <a:latin typeface="Courier New" panose="02070309020205020404" pitchFamily="49" charset="0"/>
-                <a:cs typeface="Courier New" panose="02070309020205020404" pitchFamily="49" charset="0"/>
-              </a:rPr>
-              <a:t/>
             </a:r>
             <a:br>
               <a:rPr lang="en-US" sz="1100" dirty="0">
@@ -12138,14 +11876,14 @@
               </a:rPr>
             </a:br>
             <a:r>
-              <a:rPr lang="es-419" sz="1100" dirty="0" smtClean="0">
+              <a:rPr lang="es-419" sz="1100" dirty="0">
                 <a:latin typeface="Courier New" panose="02070309020205020404" pitchFamily="49" charset="0"/>
                 <a:cs typeface="Courier New" panose="02070309020205020404" pitchFamily="49" charset="0"/>
               </a:rPr>
               <a:t>  </a:t>
             </a:r>
             <a:r>
-              <a:rPr lang="es-419" sz="1100" i="1" dirty="0" err="1" smtClean="0">
+              <a:rPr lang="es-419" sz="1100" i="1" dirty="0" err="1">
                 <a:solidFill>
                   <a:srgbClr val="00B050"/>
                 </a:solidFill>
@@ -12155,7 +11893,7 @@
               <a:t>user_id</a:t>
             </a:r>
             <a:r>
-              <a:rPr lang="en-US" sz="1100" i="1" dirty="0" smtClean="0">
+              <a:rPr lang="en-US" sz="1100" i="1" dirty="0">
                 <a:solidFill>
                   <a:srgbClr val="00B050"/>
                 </a:solidFill>
@@ -12165,7 +11903,7 @@
               <a:t> </a:t>
             </a:r>
             <a:r>
-              <a:rPr lang="es-419" sz="1100" i="1" dirty="0" smtClean="0">
+              <a:rPr lang="es-419" sz="1100" i="1" dirty="0">
                 <a:solidFill>
                   <a:srgbClr val="00B050"/>
                 </a:solidFill>
@@ -12175,32 +11913,18 @@
               <a:t>INTEGER </a:t>
             </a:r>
             <a:r>
-              <a:rPr lang="es-419" sz="1100" dirty="0" smtClean="0">
-                <a:latin typeface="Courier New" panose="02070309020205020404" pitchFamily="49" charset="0"/>
-                <a:cs typeface="Courier New" panose="02070309020205020404" pitchFamily="49" charset="0"/>
-              </a:rPr>
-              <a:t>NOT </a:t>
-            </a:r>
-            <a:r>
               <a:rPr lang="es-419" sz="1100" dirty="0">
                 <a:latin typeface="Courier New" panose="02070309020205020404" pitchFamily="49" charset="0"/>
                 <a:cs typeface="Courier New" panose="02070309020205020404" pitchFamily="49" charset="0"/>
               </a:rPr>
-              <a:t>NULL AUTO_INCREMENT</a:t>
-            </a:r>
-            <a:r>
-              <a:rPr lang="en-US" sz="1100" dirty="0" smtClean="0">
+              <a:t>NOT NULL AUTO_INCREMENT</a:t>
+            </a:r>
+            <a:r>
+              <a:rPr lang="en-US" sz="1100" dirty="0">
                 <a:latin typeface="Courier New" panose="02070309020205020404" pitchFamily="49" charset="0"/>
                 <a:cs typeface="Courier New" panose="02070309020205020404" pitchFamily="49" charset="0"/>
               </a:rPr>
               <a:t>,</a:t>
-            </a:r>
-            <a:r>
-              <a:rPr lang="en-US" sz="1100" dirty="0">
-                <a:latin typeface="Courier New" panose="02070309020205020404" pitchFamily="49" charset="0"/>
-                <a:cs typeface="Courier New" panose="02070309020205020404" pitchFamily="49" charset="0"/>
-              </a:rPr>
-              <a:t/>
             </a:r>
             <a:br>
               <a:rPr lang="en-US" sz="1100" dirty="0">
@@ -12209,14 +11933,14 @@
               </a:rPr>
             </a:br>
             <a:r>
-              <a:rPr lang="es-419" sz="1100" dirty="0" smtClean="0">
+              <a:rPr lang="es-419" sz="1100" dirty="0">
                 <a:latin typeface="Courier New" panose="02070309020205020404" pitchFamily="49" charset="0"/>
                 <a:cs typeface="Courier New" panose="02070309020205020404" pitchFamily="49" charset="0"/>
               </a:rPr>
               <a:t>  </a:t>
             </a:r>
             <a:r>
-              <a:rPr lang="es-419" sz="1100" i="1" dirty="0" err="1" smtClean="0">
+              <a:rPr lang="es-419" sz="1100" i="1" dirty="0" err="1">
                 <a:solidFill>
                   <a:srgbClr val="00B050"/>
                 </a:solidFill>
@@ -12226,7 +11950,7 @@
               <a:t>user_name</a:t>
             </a:r>
             <a:r>
-              <a:rPr lang="en-US" sz="1100" i="1" dirty="0" smtClean="0">
+              <a:rPr lang="en-US" sz="1100" i="1" dirty="0">
                 <a:solidFill>
                   <a:srgbClr val="00B050"/>
                 </a:solidFill>
@@ -12236,7 +11960,7 @@
               <a:t> </a:t>
             </a:r>
             <a:r>
-              <a:rPr lang="es-419" sz="1100" i="1" dirty="0" smtClean="0">
+              <a:rPr lang="es-419" sz="1100" i="1" dirty="0">
                 <a:solidFill>
                   <a:srgbClr val="00B050"/>
                 </a:solidFill>
@@ -12246,7 +11970,7 @@
               <a:t>VARCHAR</a:t>
             </a:r>
             <a:r>
-              <a:rPr lang="en-US" sz="1100" dirty="0" smtClean="0">
+              <a:rPr lang="en-US" sz="1100" dirty="0">
                 <a:solidFill>
                   <a:srgbClr val="00B050"/>
                 </a:solidFill>
@@ -12256,7 +11980,7 @@
               <a:t>(</a:t>
             </a:r>
             <a:r>
-              <a:rPr lang="es-419" sz="1100" i="1" dirty="0" smtClean="0">
+              <a:rPr lang="es-419" sz="1100" i="1" dirty="0">
                 <a:solidFill>
                   <a:srgbClr val="00B050"/>
                 </a:solidFill>
@@ -12266,7 +11990,7 @@
               <a:t>20</a:t>
             </a:r>
             <a:r>
-              <a:rPr lang="en-US" sz="1100" dirty="0" smtClean="0">
+              <a:rPr lang="en-US" sz="1100" dirty="0">
                 <a:solidFill>
                   <a:srgbClr val="00B050"/>
                 </a:solidFill>
@@ -12276,13 +12000,13 @@
               <a:t>)</a:t>
             </a:r>
             <a:r>
-              <a:rPr lang="en-US" sz="1100" dirty="0" smtClean="0">
+              <a:rPr lang="en-US" sz="1100" dirty="0">
                 <a:latin typeface="Courier New" panose="02070309020205020404" pitchFamily="49" charset="0"/>
                 <a:cs typeface="Courier New" panose="02070309020205020404" pitchFamily="49" charset="0"/>
               </a:rPr>
               <a:t>,</a:t>
             </a:r>
-            <a:endParaRPr lang="es-419" sz="1100" dirty="0" smtClean="0">
+            <a:endParaRPr lang="es-419" sz="1100" dirty="0">
               <a:latin typeface="Courier New" panose="02070309020205020404" pitchFamily="49" charset="0"/>
               <a:cs typeface="Courier New" panose="02070309020205020404" pitchFamily="49" charset="0"/>
             </a:endParaRPr>
@@ -12293,37 +12017,122 @@
                 <a:latin typeface="Courier New" panose="02070309020205020404" pitchFamily="49" charset="0"/>
                 <a:cs typeface="Courier New" panose="02070309020205020404" pitchFamily="49" charset="0"/>
               </a:rPr>
+              <a:t>  </a:t>
+            </a:r>
+            <a:r>
+              <a:rPr lang="es-419" sz="1100" i="1" dirty="0" err="1">
+                <a:solidFill>
+                  <a:srgbClr val="00B050"/>
+                </a:solidFill>
+                <a:latin typeface="Courier New" panose="02070309020205020404" pitchFamily="49" charset="0"/>
+                <a:cs typeface="Courier New" panose="02070309020205020404" pitchFamily="49" charset="0"/>
+              </a:rPr>
+              <a:t>user_role_id</a:t>
+            </a:r>
+            <a:r>
+              <a:rPr lang="en-US" sz="1100" i="1" dirty="0">
+                <a:solidFill>
+                  <a:srgbClr val="00B050"/>
+                </a:solidFill>
+                <a:latin typeface="Courier New" panose="02070309020205020404" pitchFamily="49" charset="0"/>
+                <a:cs typeface="Courier New" panose="02070309020205020404" pitchFamily="49" charset="0"/>
+              </a:rPr>
               <a:t> </a:t>
             </a:r>
             <a:r>
-              <a:rPr lang="es-419" sz="1100" dirty="0" smtClean="0">
+              <a:rPr lang="es-419" sz="1100" i="1" dirty="0">
+                <a:solidFill>
+                  <a:srgbClr val="00B050"/>
+                </a:solidFill>
+                <a:latin typeface="Courier New" panose="02070309020205020404" pitchFamily="49" charset="0"/>
+                <a:cs typeface="Courier New" panose="02070309020205020404" pitchFamily="49" charset="0"/>
+              </a:rPr>
+              <a:t>VARCHAR(5)</a:t>
+            </a:r>
+            <a:r>
+              <a:rPr lang="en-US" sz="1100" dirty="0">
+                <a:solidFill>
+                  <a:srgbClr val="00B050"/>
+                </a:solidFill>
                 <a:latin typeface="Courier New" panose="02070309020205020404" pitchFamily="49" charset="0"/>
                 <a:cs typeface="Courier New" panose="02070309020205020404" pitchFamily="49" charset="0"/>
               </a:rPr>
               <a:t> </a:t>
             </a:r>
             <a:r>
-              <a:rPr lang="es-419" sz="1100" i="1" dirty="0" err="1" smtClean="0">
+              <a:rPr lang="es-419" sz="1100" dirty="0">
+                <a:latin typeface="Courier New" panose="02070309020205020404" pitchFamily="49" charset="0"/>
+                <a:cs typeface="Courier New" panose="02070309020205020404" pitchFamily="49" charset="0"/>
+              </a:rPr>
+              <a:t>NOT NULL</a:t>
+            </a:r>
+            <a:r>
+              <a:rPr lang="en-US" sz="1100" dirty="0">
+                <a:latin typeface="Courier New" panose="02070309020205020404" pitchFamily="49" charset="0"/>
+                <a:cs typeface="Courier New" panose="02070309020205020404" pitchFamily="49" charset="0"/>
+              </a:rPr>
+              <a:t>,</a:t>
+            </a:r>
+          </a:p>
+          <a:p>
+            <a:r>
+              <a:rPr lang="en-US" sz="1100" dirty="0">
+                <a:latin typeface="Courier New" panose="02070309020205020404" pitchFamily="49" charset="0"/>
+                <a:cs typeface="Courier New" panose="02070309020205020404" pitchFamily="49" charset="0"/>
+              </a:rPr>
+              <a:t>  name </a:t>
+            </a:r>
+            <a:r>
+              <a:rPr lang="es-419" sz="1100" i="1" dirty="0">
                 <a:solidFill>
                   <a:srgbClr val="00B050"/>
                 </a:solidFill>
                 <a:latin typeface="Courier New" panose="02070309020205020404" pitchFamily="49" charset="0"/>
                 <a:cs typeface="Courier New" panose="02070309020205020404" pitchFamily="49" charset="0"/>
               </a:rPr>
-              <a:t>user_role_id</a:t>
-            </a:r>
-            <a:r>
-              <a:rPr lang="en-US" sz="1100" i="1" dirty="0" smtClean="0">
+              <a:t>VARCHAR 100)</a:t>
+            </a:r>
+            <a:r>
+              <a:rPr lang="en-US" sz="1100" dirty="0">
+                <a:latin typeface="Courier New" panose="02070309020205020404" pitchFamily="49" charset="0"/>
+                <a:cs typeface="Courier New" panose="02070309020205020404" pitchFamily="49" charset="0"/>
+              </a:rPr>
+              <a:t>,</a:t>
+            </a:r>
+          </a:p>
+          <a:p>
+            <a:r>
+              <a:rPr lang="es-419" sz="1100" i="1" dirty="0">
                 <a:solidFill>
                   <a:srgbClr val="00B050"/>
                 </a:solidFill>
                 <a:latin typeface="Courier New" panose="02070309020205020404" pitchFamily="49" charset="0"/>
                 <a:cs typeface="Courier New" panose="02070309020205020404" pitchFamily="49" charset="0"/>
               </a:rPr>
+              <a:t>  </a:t>
+            </a:r>
+            <a:r>
+              <a:rPr lang="es-419" sz="1100" i="1" dirty="0" err="1">
+                <a:solidFill>
+                  <a:srgbClr val="00B050"/>
+                </a:solidFill>
+                <a:latin typeface="Courier New" panose="02070309020205020404" pitchFamily="49" charset="0"/>
+                <a:cs typeface="Courier New" panose="02070309020205020404" pitchFamily="49" charset="0"/>
+              </a:rPr>
+              <a:t>city_id</a:t>
+            </a:r>
+            <a:r>
+              <a:rPr lang="en-US" sz="1100" i="1" dirty="0">
+                <a:solidFill>
+                  <a:srgbClr val="00B050"/>
+                </a:solidFill>
+                <a:latin typeface="Courier New" panose="02070309020205020404" pitchFamily="49" charset="0"/>
+                <a:cs typeface="Courier New" panose="02070309020205020404" pitchFamily="49" charset="0"/>
+              </a:rPr>
               <a:t> </a:t>
             </a:r>
             <a:r>
-              <a:rPr lang="es-419" sz="1100" i="1" dirty="0" smtClean="0">
+              <a:rPr lang="es-419" sz="1100" i="1" dirty="0">
                 <a:solidFill>
                   <a:srgbClr val="00B050"/>
                 </a:solidFill>
@@ -12333,7 +12142,7 @@
               <a:t>INTEGER</a:t>
             </a:r>
             <a:r>
-              <a:rPr lang="en-US" sz="1100" dirty="0" smtClean="0">
+              <a:rPr lang="en-US" sz="1100" dirty="0">
                 <a:solidFill>
                   <a:srgbClr val="00B050"/>
                 </a:solidFill>
@@ -12350,7 +12159,7 @@
               <a:t>NOT NULL</a:t>
             </a:r>
             <a:r>
-              <a:rPr lang="en-US" sz="1100" dirty="0" smtClean="0">
+              <a:rPr lang="en-US" sz="1100" dirty="0">
                 <a:latin typeface="Courier New" panose="02070309020205020404" pitchFamily="49" charset="0"/>
                 <a:cs typeface="Courier New" panose="02070309020205020404" pitchFamily="49" charset="0"/>
               </a:rPr>
@@ -12363,120 +12172,7 @@
                 <a:latin typeface="Courier New" panose="02070309020205020404" pitchFamily="49" charset="0"/>
                 <a:cs typeface="Courier New" panose="02070309020205020404" pitchFamily="49" charset="0"/>
               </a:rPr>
-              <a:t> </a:t>
-            </a:r>
-            <a:r>
-              <a:rPr lang="en-US" sz="1100" dirty="0" smtClean="0">
-                <a:latin typeface="Courier New" panose="02070309020205020404" pitchFamily="49" charset="0"/>
-                <a:cs typeface="Courier New" panose="02070309020205020404" pitchFamily="49" charset="0"/>
-              </a:rPr>
-              <a:t> name </a:t>
-            </a:r>
-            <a:r>
-              <a:rPr lang="es-419" sz="1100" i="1" dirty="0" smtClean="0">
-                <a:solidFill>
-                  <a:srgbClr val="00B050"/>
-                </a:solidFill>
-                <a:latin typeface="Courier New" panose="02070309020205020404" pitchFamily="49" charset="0"/>
-                <a:cs typeface="Courier New" panose="02070309020205020404" pitchFamily="49" charset="0"/>
-              </a:rPr>
-              <a:t>VARCHAR 100)</a:t>
-            </a:r>
-            <a:r>
-              <a:rPr lang="en-US" sz="1100" dirty="0" smtClean="0">
-                <a:latin typeface="Courier New" panose="02070309020205020404" pitchFamily="49" charset="0"/>
-                <a:cs typeface="Courier New" panose="02070309020205020404" pitchFamily="49" charset="0"/>
-              </a:rPr>
-              <a:t>,</a:t>
-            </a:r>
-          </a:p>
-          <a:p>
-            <a:r>
-              <a:rPr lang="es-419" sz="1100" i="1" dirty="0" smtClean="0">
-                <a:solidFill>
-                  <a:srgbClr val="00B050"/>
-                </a:solidFill>
-                <a:latin typeface="Courier New" panose="02070309020205020404" pitchFamily="49" charset="0"/>
-                <a:cs typeface="Courier New" panose="02070309020205020404" pitchFamily="49" charset="0"/>
-              </a:rPr>
-              <a:t>  </a:t>
-            </a:r>
-            <a:r>
-              <a:rPr lang="es-419" sz="1100" i="1" dirty="0" err="1" smtClean="0">
-                <a:solidFill>
-                  <a:srgbClr val="00B050"/>
-                </a:solidFill>
-                <a:latin typeface="Courier New" panose="02070309020205020404" pitchFamily="49" charset="0"/>
-                <a:cs typeface="Courier New" panose="02070309020205020404" pitchFamily="49" charset="0"/>
-              </a:rPr>
-              <a:t>city_id</a:t>
-            </a:r>
-            <a:r>
-              <a:rPr lang="en-US" sz="1100" i="1" dirty="0" smtClean="0">
-                <a:solidFill>
-                  <a:srgbClr val="00B050"/>
-                </a:solidFill>
-                <a:latin typeface="Courier New" panose="02070309020205020404" pitchFamily="49" charset="0"/>
-                <a:cs typeface="Courier New" panose="02070309020205020404" pitchFamily="49" charset="0"/>
-              </a:rPr>
-              <a:t> </a:t>
-            </a:r>
-            <a:r>
-              <a:rPr lang="es-419" sz="1100" i="1" dirty="0">
-                <a:solidFill>
-                  <a:srgbClr val="00B050"/>
-                </a:solidFill>
-                <a:latin typeface="Courier New" panose="02070309020205020404" pitchFamily="49" charset="0"/>
-                <a:cs typeface="Courier New" panose="02070309020205020404" pitchFamily="49" charset="0"/>
-              </a:rPr>
-              <a:t>INTEGER</a:t>
-            </a:r>
-            <a:r>
-              <a:rPr lang="en-US" sz="1100" dirty="0">
-                <a:solidFill>
-                  <a:srgbClr val="00B050"/>
-                </a:solidFill>
-                <a:latin typeface="Courier New" panose="02070309020205020404" pitchFamily="49" charset="0"/>
-                <a:cs typeface="Courier New" panose="02070309020205020404" pitchFamily="49" charset="0"/>
-              </a:rPr>
-              <a:t> </a:t>
-            </a:r>
-            <a:r>
-              <a:rPr lang="es-419" sz="1100" dirty="0">
-                <a:latin typeface="Courier New" panose="02070309020205020404" pitchFamily="49" charset="0"/>
-                <a:cs typeface="Courier New" panose="02070309020205020404" pitchFamily="49" charset="0"/>
-              </a:rPr>
-              <a:t>NOT NULL</a:t>
-            </a:r>
-            <a:r>
-              <a:rPr lang="en-US" sz="1100" dirty="0" smtClean="0">
-                <a:latin typeface="Courier New" panose="02070309020205020404" pitchFamily="49" charset="0"/>
-                <a:cs typeface="Courier New" panose="02070309020205020404" pitchFamily="49" charset="0"/>
-              </a:rPr>
-              <a:t>,</a:t>
-            </a:r>
-          </a:p>
-          <a:p>
-            <a:r>
-              <a:rPr lang="en-US" sz="1100" dirty="0">
-                <a:latin typeface="Courier New" panose="02070309020205020404" pitchFamily="49" charset="0"/>
-                <a:cs typeface="Courier New" panose="02070309020205020404" pitchFamily="49" charset="0"/>
-              </a:rPr>
-              <a:t> </a:t>
-            </a:r>
-            <a:r>
-              <a:rPr lang="en-US" sz="1100" dirty="0" smtClean="0">
-                <a:latin typeface="Courier New" panose="02070309020205020404" pitchFamily="49" charset="0"/>
-                <a:cs typeface="Courier New" panose="02070309020205020404" pitchFamily="49" charset="0"/>
-              </a:rPr>
-              <a:t> ...</a:t>
-            </a:r>
-            <a:r>
-              <a:rPr lang="en-US" sz="1100" dirty="0">
-                <a:latin typeface="Courier New" panose="02070309020205020404" pitchFamily="49" charset="0"/>
-                <a:cs typeface="Courier New" panose="02070309020205020404" pitchFamily="49" charset="0"/>
-              </a:rPr>
-              <a:t/>
+              <a:t>  ...</a:t>
             </a:r>
             <a:br>
               <a:rPr lang="en-US" sz="1100" dirty="0">
@@ -12485,7 +12181,7 @@
               </a:rPr>
             </a:br>
             <a:r>
-              <a:rPr lang="es-419" sz="1100" dirty="0" smtClean="0">
+              <a:rPr lang="es-419" sz="1100" dirty="0">
                 <a:latin typeface="Courier New" panose="02070309020205020404" pitchFamily="49" charset="0"/>
                 <a:cs typeface="Courier New" panose="02070309020205020404" pitchFamily="49" charset="0"/>
               </a:rPr>
@@ -12498,17 +12194,10 @@
                 <a:latin typeface="Courier New" panose="02070309020205020404" pitchFamily="49" charset="0"/>
                 <a:cs typeface="Courier New" panose="02070309020205020404" pitchFamily="49" charset="0"/>
               </a:rPr>
-              <a:t> </a:t>
-            </a:r>
-            <a:r>
-              <a:rPr lang="es-419" sz="1100" dirty="0" smtClean="0">
-                <a:latin typeface="Courier New" panose="02070309020205020404" pitchFamily="49" charset="0"/>
-                <a:cs typeface="Courier New" panose="02070309020205020404" pitchFamily="49" charset="0"/>
-              </a:rPr>
-              <a:t> PRIMARY KEY (</a:t>
-            </a:r>
-            <a:r>
-              <a:rPr lang="es-419" sz="1100" i="1" dirty="0" err="1" smtClean="0">
+              <a:t>  PRIMARY KEY (</a:t>
+            </a:r>
+            <a:r>
+              <a:rPr lang="es-419" sz="1100" i="1" dirty="0" err="1">
                 <a:solidFill>
                   <a:srgbClr val="00B050"/>
                 </a:solidFill>
@@ -12518,23 +12207,23 @@
               <a:t>user_id</a:t>
             </a:r>
             <a:r>
-              <a:rPr lang="es-419" sz="1100" dirty="0" smtClean="0">
-                <a:latin typeface="Courier New" panose="02070309020205020404" pitchFamily="49" charset="0"/>
-                <a:cs typeface="Courier New" panose="02070309020205020404" pitchFamily="49" charset="0"/>
-              </a:rPr>
-              <a:t>)</a:t>
-            </a:r>
-          </a:p>
-          <a:p>
-            <a:r>
-              <a:rPr lang="es-419" sz="1100" dirty="0" smtClean="0">
+              <a:rPr lang="es-419" sz="1100" dirty="0">
+                <a:latin typeface="Courier New" panose="02070309020205020404" pitchFamily="49" charset="0"/>
+                <a:cs typeface="Courier New" panose="02070309020205020404" pitchFamily="49" charset="0"/>
+              </a:rPr>
+              <a:t>),</a:t>
+            </a:r>
+          </a:p>
+          <a:p>
+            <a:r>
+              <a:rPr lang="es-419" sz="1100" dirty="0">
                 <a:latin typeface="Courier New" panose="02070309020205020404" pitchFamily="49" charset="0"/>
                 <a:cs typeface="Courier New" panose="02070309020205020404" pitchFamily="49" charset="0"/>
               </a:rPr>
               <a:t>  INDEX </a:t>
             </a:r>
             <a:r>
-              <a:rPr lang="es-419" sz="1100" i="1" dirty="0" err="1" smtClean="0">
+              <a:rPr lang="es-419" sz="1100" i="1" dirty="0" err="1">
                 <a:solidFill>
                   <a:srgbClr val="00B050"/>
                 </a:solidFill>
@@ -12544,14 +12233,14 @@
               <a:t>idx_user_user_role_id</a:t>
             </a:r>
             <a:r>
-              <a:rPr lang="es-419" sz="1100" dirty="0" smtClean="0">
+              <a:rPr lang="es-419" sz="1100" dirty="0">
                 <a:latin typeface="Courier New" panose="02070309020205020404" pitchFamily="49" charset="0"/>
                 <a:cs typeface="Courier New" panose="02070309020205020404" pitchFamily="49" charset="0"/>
               </a:rPr>
               <a:t> (</a:t>
             </a:r>
             <a:r>
-              <a:rPr lang="es-419" sz="1100" i="1" dirty="0" err="1" smtClean="0">
+              <a:rPr lang="es-419" sz="1100" i="1" dirty="0" err="1">
                 <a:solidFill>
                   <a:srgbClr val="00B050"/>
                 </a:solidFill>
@@ -12561,7 +12250,7 @@
               <a:t>user_role_id</a:t>
             </a:r>
             <a:r>
-              <a:rPr lang="es-419" sz="1100" dirty="0" smtClean="0">
+              <a:rPr lang="es-419" sz="1100" dirty="0">
                 <a:latin typeface="Courier New" panose="02070309020205020404" pitchFamily="49" charset="0"/>
                 <a:cs typeface="Courier New" panose="02070309020205020404" pitchFamily="49" charset="0"/>
               </a:rPr>
@@ -12574,17 +12263,10 @@
                 <a:latin typeface="Courier New" panose="02070309020205020404" pitchFamily="49" charset="0"/>
                 <a:cs typeface="Courier New" panose="02070309020205020404" pitchFamily="49" charset="0"/>
               </a:rPr>
-              <a:t> </a:t>
-            </a:r>
-            <a:r>
-              <a:rPr lang="es-419" sz="1100" dirty="0" smtClean="0">
-                <a:latin typeface="Courier New" panose="02070309020205020404" pitchFamily="49" charset="0"/>
-                <a:cs typeface="Courier New" panose="02070309020205020404" pitchFamily="49" charset="0"/>
-              </a:rPr>
-              <a:t> CONSTRAINT </a:t>
-            </a:r>
-            <a:r>
-              <a:rPr lang="es-419" sz="1100" i="1" dirty="0" err="1" smtClean="0">
+              <a:t>  CONSTRAINT </a:t>
+            </a:r>
+            <a:r>
+              <a:rPr lang="es-419" sz="1100" i="1" dirty="0" err="1">
                 <a:solidFill>
                   <a:srgbClr val="00B050"/>
                 </a:solidFill>
@@ -12593,28 +12275,28 @@
               </a:rPr>
               <a:t>fk_user_user_role</a:t>
             </a:r>
-            <a:endParaRPr lang="es-419" sz="1100" dirty="0" smtClean="0">
+            <a:endParaRPr lang="es-419" sz="1100" dirty="0">
               <a:latin typeface="Courier New" panose="02070309020205020404" pitchFamily="49" charset="0"/>
               <a:cs typeface="Courier New" panose="02070309020205020404" pitchFamily="49" charset="0"/>
             </a:endParaRPr>
           </a:p>
           <a:p>
             <a:r>
-              <a:rPr lang="es-419" sz="1100" dirty="0" smtClean="0">
+              <a:rPr lang="es-419" sz="1100" dirty="0">
                 <a:latin typeface="Courier New" panose="02070309020205020404" pitchFamily="49" charset="0"/>
                 <a:cs typeface="Courier New" panose="02070309020205020404" pitchFamily="49" charset="0"/>
               </a:rPr>
               <a:t>    </a:t>
             </a:r>
             <a:r>
-              <a:rPr lang="en-US" sz="1100" dirty="0" smtClean="0">
+              <a:rPr lang="en-US" sz="1100" dirty="0">
                 <a:latin typeface="Courier New" panose="02070309020205020404" pitchFamily="49" charset="0"/>
                 <a:cs typeface="Courier New" panose="02070309020205020404" pitchFamily="49" charset="0"/>
               </a:rPr>
               <a:t>FOREIGN KEY(</a:t>
             </a:r>
             <a:r>
-              <a:rPr lang="es-419" sz="1100" i="1" dirty="0" err="1" smtClean="0">
+              <a:rPr lang="es-419" sz="1100" i="1" dirty="0" err="1">
                 <a:solidFill>
                   <a:srgbClr val="00B050"/>
                 </a:solidFill>
@@ -12624,7 +12306,7 @@
               <a:t>user_role_id</a:t>
             </a:r>
             <a:r>
-              <a:rPr lang="en-US" sz="1100" dirty="0" smtClean="0">
+              <a:rPr lang="en-US" sz="1100" dirty="0">
                 <a:latin typeface="Courier New" panose="02070309020205020404" pitchFamily="49" charset="0"/>
                 <a:cs typeface="Courier New" panose="02070309020205020404" pitchFamily="49" charset="0"/>
               </a:rPr>
@@ -12633,38 +12315,38 @@
           </a:p>
           <a:p>
             <a:r>
-              <a:rPr lang="en-US" sz="1100" dirty="0" smtClean="0">
+              <a:rPr lang="en-US" sz="1100" dirty="0">
                 <a:latin typeface="Courier New" panose="02070309020205020404" pitchFamily="49" charset="0"/>
                 <a:cs typeface="Courier New" panose="02070309020205020404" pitchFamily="49" charset="0"/>
               </a:rPr>
               <a:t>    REFERENCES</a:t>
             </a:r>
             <a:r>
-              <a:rPr lang="es-419" sz="1100" dirty="0" smtClean="0">
+              <a:rPr lang="es-419" sz="1100" dirty="0">
                 <a:latin typeface="Courier New" panose="02070309020205020404" pitchFamily="49" charset="0"/>
                 <a:cs typeface="Courier New" panose="02070309020205020404" pitchFamily="49" charset="0"/>
               </a:rPr>
               <a:t> </a:t>
             </a:r>
             <a:r>
-              <a:rPr lang="es-419" sz="1100" i="1" dirty="0" smtClean="0">
+              <a:rPr lang="es-419" sz="1100" i="1" dirty="0" err="1">
                 <a:solidFill>
                   <a:srgbClr val="00B050"/>
                 </a:solidFill>
                 <a:latin typeface="Courier New" panose="02070309020205020404" pitchFamily="49" charset="0"/>
                 <a:cs typeface="Courier New" panose="02070309020205020404" pitchFamily="49" charset="0"/>
               </a:rPr>
-              <a:t>USER_ROLE</a:t>
-            </a:r>
-            <a:r>
-              <a:rPr lang="en-US" sz="1100" dirty="0" smtClean="0">
+              <a:t>user_role</a:t>
+            </a:r>
+            <a:r>
+              <a:rPr lang="en-US" sz="1100" dirty="0">
                 <a:latin typeface="Courier New" panose="02070309020205020404" pitchFamily="49" charset="0"/>
                 <a:cs typeface="Courier New" panose="02070309020205020404" pitchFamily="49" charset="0"/>
               </a:rPr>
               <a:t>(</a:t>
             </a:r>
             <a:r>
-              <a:rPr lang="es-419" sz="1100" i="1" dirty="0" err="1" smtClean="0">
+              <a:rPr lang="es-419" sz="1100" i="1" dirty="0" err="1">
                 <a:solidFill>
                   <a:srgbClr val="00B050"/>
                 </a:solidFill>
@@ -12674,11 +12356,37 @@
               <a:t>user_role_id</a:t>
             </a:r>
             <a:r>
-              <a:rPr lang="en-US" sz="1100" dirty="0" smtClean="0">
+              <a:rPr lang="en-US" sz="1100" dirty="0">
                 <a:latin typeface="Courier New" panose="02070309020205020404" pitchFamily="49" charset="0"/>
                 <a:cs typeface="Courier New" panose="02070309020205020404" pitchFamily="49" charset="0"/>
               </a:rPr>
               <a:t>)</a:t>
+            </a:r>
+          </a:p>
+          <a:p>
+            <a:r>
+              <a:rPr lang="en-US" sz="1100" dirty="0">
+                <a:latin typeface="Courier New" panose="02070309020205020404" pitchFamily="49" charset="0"/>
+                <a:cs typeface="Courier New" panose="02070309020205020404" pitchFamily="49" charset="0"/>
+              </a:rPr>
+              <a:t>    ON DELETE </a:t>
+            </a:r>
+            <a:r>
+              <a:rPr lang="es-419" sz="1100" i="1" dirty="0">
+                <a:solidFill>
+                  <a:srgbClr val="00B050"/>
+                </a:solidFill>
+                <a:latin typeface="Courier New" panose="02070309020205020404" pitchFamily="49" charset="0"/>
+                <a:cs typeface="Courier New" panose="02070309020205020404" pitchFamily="49" charset="0"/>
+              </a:rPr>
+              <a:t>RESTRICT</a:t>
+            </a:r>
+            <a:r>
+              <a:rPr lang="es-419" sz="1100" dirty="0">
+                <a:latin typeface="Courier New" panose="02070309020205020404" pitchFamily="49" charset="0"/>
+                <a:cs typeface="Courier New" panose="02070309020205020404" pitchFamily="49" charset="0"/>
+              </a:rPr>
+              <a:t> </a:t>
             </a:r>
             <a:endParaRPr lang="en-US" sz="1100" dirty="0">
               <a:latin typeface="Courier New" panose="02070309020205020404" pitchFamily="49" charset="0"/>
@@ -12691,7 +12399,7 @@
                 <a:latin typeface="Courier New" panose="02070309020205020404" pitchFamily="49" charset="0"/>
                 <a:cs typeface="Courier New" panose="02070309020205020404" pitchFamily="49" charset="0"/>
               </a:rPr>
-              <a:t>    ON DELETE </a:t>
+              <a:t>    ON UPDATE </a:t>
             </a:r>
             <a:r>
               <a:rPr lang="es-419" sz="1100" i="1" dirty="0">
@@ -12701,77 +12409,14 @@
                 <a:latin typeface="Courier New" panose="02070309020205020404" pitchFamily="49" charset="0"/>
                 <a:cs typeface="Courier New" panose="02070309020205020404" pitchFamily="49" charset="0"/>
               </a:rPr>
-              <a:t>RESTRICT</a:t>
-            </a:r>
-            <a:r>
-              <a:rPr lang="es-419" sz="1100" dirty="0" smtClean="0">
-                <a:latin typeface="Courier New" panose="02070309020205020404" pitchFamily="49" charset="0"/>
-                <a:cs typeface="Courier New" panose="02070309020205020404" pitchFamily="49" charset="0"/>
-              </a:rPr>
-              <a:t> </a:t>
-            </a:r>
-            <a:endParaRPr lang="en-US" sz="1100" dirty="0">
-              <a:latin typeface="Courier New" panose="02070309020205020404" pitchFamily="49" charset="0"/>
-              <a:cs typeface="Courier New" panose="02070309020205020404" pitchFamily="49" charset="0"/>
-            </a:endParaRPr>
-          </a:p>
-          <a:p>
-            <a:r>
-              <a:rPr lang="en-US" sz="1100" dirty="0">
-                <a:latin typeface="Courier New" panose="02070309020205020404" pitchFamily="49" charset="0"/>
-                <a:cs typeface="Courier New" panose="02070309020205020404" pitchFamily="49" charset="0"/>
-              </a:rPr>
-              <a:t>    ON UPDATE </a:t>
-            </a:r>
-            <a:r>
-              <a:rPr lang="es-419" sz="1100" i="1" dirty="0" smtClean="0">
-                <a:solidFill>
-                  <a:srgbClr val="00B050"/>
-                </a:solidFill>
-                <a:latin typeface="Courier New" panose="02070309020205020404" pitchFamily="49" charset="0"/>
-                <a:cs typeface="Courier New" panose="02070309020205020404" pitchFamily="49" charset="0"/>
-              </a:rPr>
               <a:t>CASCADE</a:t>
             </a:r>
             <a:r>
-              <a:rPr lang="es-419" sz="1100" dirty="0" smtClean="0">
+              <a:rPr lang="es-419" sz="1100" dirty="0">
                 <a:latin typeface="Courier New" panose="02070309020205020404" pitchFamily="49" charset="0"/>
                 <a:cs typeface="Courier New" panose="02070309020205020404" pitchFamily="49" charset="0"/>
               </a:rPr>
               <a:t>,</a:t>
-            </a:r>
-            <a:endParaRPr lang="es-419" sz="1100" i="1" dirty="0" smtClean="0">
-              <a:solidFill>
-                <a:srgbClr val="00B050"/>
-              </a:solidFill>
-              <a:latin typeface="Courier New" panose="02070309020205020404" pitchFamily="49" charset="0"/>
-              <a:cs typeface="Courier New" panose="02070309020205020404" pitchFamily="49" charset="0"/>
-            </a:endParaRPr>
-          </a:p>
-          <a:p>
-            <a:r>
-              <a:rPr lang="es-419" sz="1100" dirty="0" smtClean="0">
-                <a:latin typeface="Courier New" panose="02070309020205020404" pitchFamily="49" charset="0"/>
-                <a:cs typeface="Courier New" panose="02070309020205020404" pitchFamily="49" charset="0"/>
-              </a:rPr>
-              <a:t>   </a:t>
-            </a:r>
-            <a:r>
-              <a:rPr lang="es-419" sz="1100" dirty="0">
-                <a:latin typeface="Courier New" panose="02070309020205020404" pitchFamily="49" charset="0"/>
-                <a:cs typeface="Courier New" panose="02070309020205020404" pitchFamily="49" charset="0"/>
-              </a:rPr>
-              <a:t>CONSTRAINT </a:t>
-            </a:r>
-            <a:r>
-              <a:rPr lang="es-419" sz="1100" i="1" dirty="0" err="1" smtClean="0">
-                <a:solidFill>
-                  <a:srgbClr val="00B050"/>
-                </a:solidFill>
-                <a:latin typeface="Courier New" panose="02070309020205020404" pitchFamily="49" charset="0"/>
-                <a:cs typeface="Courier New" panose="02070309020205020404" pitchFamily="49" charset="0"/>
-              </a:rPr>
-              <a:t>fk_user_city</a:t>
             </a:r>
             <a:endParaRPr lang="es-419" sz="1100" i="1" dirty="0">
               <a:solidFill>
@@ -12783,23 +12428,23 @@
           </a:p>
           <a:p>
             <a:r>
-              <a:rPr lang="es-419" sz="1100" i="1" dirty="0" smtClean="0">
+              <a:rPr lang="es-419" sz="1100" dirty="0">
+                <a:latin typeface="Courier New" panose="02070309020205020404" pitchFamily="49" charset="0"/>
+                <a:cs typeface="Courier New" panose="02070309020205020404" pitchFamily="49" charset="0"/>
+              </a:rPr>
+              <a:t>   CONSTRAINT </a:t>
+            </a:r>
+            <a:r>
+              <a:rPr lang="es-419" sz="1100" i="1" dirty="0" err="1">
                 <a:solidFill>
                   <a:srgbClr val="00B050"/>
                 </a:solidFill>
                 <a:latin typeface="Courier New" panose="02070309020205020404" pitchFamily="49" charset="0"/>
                 <a:cs typeface="Courier New" panose="02070309020205020404" pitchFamily="49" charset="0"/>
               </a:rPr>
-              <a:t>    </a:t>
-            </a:r>
-            <a:r>
-              <a:rPr lang="es-419" sz="1100" dirty="0" smtClean="0">
-                <a:latin typeface="Courier New" panose="02070309020205020404" pitchFamily="49" charset="0"/>
-                <a:cs typeface="Courier New" panose="02070309020205020404" pitchFamily="49" charset="0"/>
-              </a:rPr>
-              <a:t>...</a:t>
-            </a:r>
-            <a:endParaRPr lang="es-419" sz="1100" i="1" dirty="0" smtClean="0">
+              <a:t>fk_user_city</a:t>
+            </a:r>
+            <a:endParaRPr lang="es-419" sz="1100" i="1" dirty="0">
               <a:solidFill>
                 <a:srgbClr val="00B050"/>
               </a:solidFill>
@@ -12809,16 +12454,38 @@
           </a:p>
           <a:p>
             <a:r>
-              <a:rPr lang="en-US" sz="1100" dirty="0" smtClean="0">
-                <a:latin typeface="Courier New" panose="02070309020205020404" pitchFamily="49" charset="0"/>
-                <a:cs typeface="Courier New" panose="02070309020205020404" pitchFamily="49" charset="0"/>
-              </a:rPr>
-              <a:t>);</a:t>
-            </a:r>
-            <a:endParaRPr lang="en-US" sz="1100" dirty="0">
+              <a:rPr lang="es-419" sz="1100" i="1" dirty="0">
+                <a:solidFill>
+                  <a:srgbClr val="00B050"/>
+                </a:solidFill>
+                <a:latin typeface="Courier New" panose="02070309020205020404" pitchFamily="49" charset="0"/>
+                <a:cs typeface="Courier New" panose="02070309020205020404" pitchFamily="49" charset="0"/>
+              </a:rPr>
+              <a:t>    </a:t>
+            </a:r>
+            <a:r>
+              <a:rPr lang="es-419" sz="1100" dirty="0">
+                <a:latin typeface="Courier New" panose="02070309020205020404" pitchFamily="49" charset="0"/>
+                <a:cs typeface="Courier New" panose="02070309020205020404" pitchFamily="49" charset="0"/>
+              </a:rPr>
+              <a:t>...</a:t>
+            </a:r>
+            <a:endParaRPr lang="es-419" sz="1100" i="1" dirty="0">
+              <a:solidFill>
+                <a:srgbClr val="00B050"/>
+              </a:solidFill>
               <a:latin typeface="Courier New" panose="02070309020205020404" pitchFamily="49" charset="0"/>
               <a:cs typeface="Courier New" panose="02070309020205020404" pitchFamily="49" charset="0"/>
             </a:endParaRPr>
+          </a:p>
+          <a:p>
+            <a:r>
+              <a:rPr lang="en-US" sz="1100" dirty="0">
+                <a:latin typeface="Courier New" panose="02070309020205020404" pitchFamily="49" charset="0"/>
+                <a:cs typeface="Courier New" panose="02070309020205020404" pitchFamily="49" charset="0"/>
+              </a:rPr>
+              <a:t>);</a:t>
+            </a:r>
           </a:p>
         </p:txBody>
       </p:sp>
@@ -12861,13 +12528,6 @@
   <p:clrMapOvr>
     <a:masterClrMapping/>
   </p:clrMapOvr>
-  <p:timing>
-    <p:tnLst>
-      <p:par>
-        <p:cTn id="1" dur="indefinite" restart="never" nodeType="tmRoot"/>
-      </p:par>
-    </p:tnLst>
-  </p:timing>
 </p:sld>
 </file>
 
@@ -12908,11 +12568,11 @@
               <a:t>Data </a:t>
             </a:r>
             <a:r>
-              <a:rPr lang="es-419" dirty="0" err="1" smtClean="0"/>
+              <a:rPr lang="es-419" dirty="0" err="1"/>
               <a:t>Modification</a:t>
             </a:r>
             <a:r>
-              <a:rPr lang="es-MX" dirty="0" smtClean="0"/>
+              <a:rPr lang="es-MX" dirty="0"/>
               <a:t> </a:t>
             </a:r>
             <a:r>
@@ -12921,23 +12581,15 @@
             </a:r>
             <a:r>
               <a:rPr lang="es-MX" dirty="0"/>
-              <a:t> (</a:t>
-            </a:r>
-            <a:r>
-              <a:rPr lang="es-MX" dirty="0" smtClean="0"/>
-              <a:t>D</a:t>
+              <a:t> (D</a:t>
             </a:r>
             <a:r>
               <a:rPr lang="es-419" dirty="0"/>
               <a:t>M</a:t>
             </a:r>
             <a:r>
-              <a:rPr lang="es-MX" dirty="0" smtClean="0"/>
-              <a:t>L</a:t>
-            </a:r>
-            <a:r>
               <a:rPr lang="es-MX" dirty="0"/>
-              <a:t>)</a:t>
+              <a:t>L)</a:t>
             </a:r>
           </a:p>
         </p:txBody>
@@ -13000,13 +12652,6 @@
   <p:clrMapOvr>
     <a:masterClrMapping/>
   </p:clrMapOvr>
-  <p:timing>
-    <p:tnLst>
-      <p:par>
-        <p:cTn id="1" dur="indefinite" restart="never" nodeType="tmRoot"/>
-      </p:par>
-    </p:tnLst>
-  </p:timing>
 </p:sld>
 </file>
 
@@ -13048,7 +12693,7 @@
           <a:lstStyle/>
           <a:p>
             <a:r>
-              <a:rPr lang="es-419" sz="2400" dirty="0" smtClean="0"/>
+              <a:rPr lang="es-419" sz="2400" dirty="0"/>
               <a:t>INSERT</a:t>
             </a:r>
             <a:endParaRPr lang="es-MX" sz="2400" dirty="0"/>
@@ -13111,28 +12756,21 @@
           </a:bodyPr>
           <a:lstStyle/>
           <a:p>
-            <a:endParaRPr lang="en-US" sz="1200" dirty="0" smtClean="0">
+            <a:endParaRPr lang="en-US" sz="1200" dirty="0">
               <a:latin typeface="Courier New" panose="02070309020205020404" pitchFamily="49" charset="0"/>
               <a:cs typeface="Courier New" panose="02070309020205020404" pitchFamily="49" charset="0"/>
             </a:endParaRPr>
           </a:p>
           <a:p>
             <a:r>
-              <a:rPr lang="en-US" sz="1200" dirty="0" smtClean="0">
-                <a:latin typeface="Courier New" panose="02070309020205020404" pitchFamily="49" charset="0"/>
-                <a:cs typeface="Courier New" panose="02070309020205020404" pitchFamily="49" charset="0"/>
-              </a:rPr>
-              <a:t>INSERT INTO</a:t>
-            </a:r>
-            <a:r>
               <a:rPr lang="en-US" sz="1200" dirty="0">
                 <a:latin typeface="Courier New" panose="02070309020205020404" pitchFamily="49" charset="0"/>
                 <a:cs typeface="Courier New" panose="02070309020205020404" pitchFamily="49" charset="0"/>
               </a:rPr>
-              <a:t> </a:t>
-            </a:r>
-            <a:r>
-              <a:rPr lang="es-419" sz="1200" i="1" dirty="0" err="1" smtClean="0">
+              <a:t>INSERT INTO </a:t>
+            </a:r>
+            <a:r>
+              <a:rPr lang="es-419" sz="1200" i="1" dirty="0" err="1">
                 <a:solidFill>
                   <a:srgbClr val="00B050"/>
                 </a:solidFill>
@@ -13142,25 +12780,18 @@
               <a:t>TableName</a:t>
             </a:r>
             <a:r>
-              <a:rPr lang="es-419" sz="1200" dirty="0" smtClean="0">
+              <a:rPr lang="es-419" sz="1200" dirty="0">
                 <a:latin typeface="Courier New" panose="02070309020205020404" pitchFamily="49" charset="0"/>
                 <a:cs typeface="Courier New" panose="02070309020205020404" pitchFamily="49" charset="0"/>
               </a:rPr>
               <a:t> </a:t>
             </a:r>
             <a:r>
-              <a:rPr lang="en-US" sz="1200" dirty="0" smtClean="0">
+              <a:rPr lang="en-US" sz="1200" dirty="0">
                 <a:latin typeface="Courier New" panose="02070309020205020404" pitchFamily="49" charset="0"/>
                 <a:cs typeface="Courier New" panose="02070309020205020404" pitchFamily="49" charset="0"/>
               </a:rPr>
               <a:t>(</a:t>
-            </a:r>
-            <a:r>
-              <a:rPr lang="en-US" sz="1200" dirty="0">
-                <a:latin typeface="Courier New" panose="02070309020205020404" pitchFamily="49" charset="0"/>
-                <a:cs typeface="Courier New" panose="02070309020205020404" pitchFamily="49" charset="0"/>
-              </a:rPr>
-              <a:t/>
             </a:r>
             <a:br>
               <a:rPr lang="en-US" sz="1200" dirty="0">
@@ -13169,14 +12800,14 @@
               </a:rPr>
             </a:br>
             <a:r>
-              <a:rPr lang="es-419" sz="1200" dirty="0" smtClean="0">
+              <a:rPr lang="es-419" sz="1200" dirty="0">
                 <a:latin typeface="Courier New" panose="02070309020205020404" pitchFamily="49" charset="0"/>
                 <a:cs typeface="Courier New" panose="02070309020205020404" pitchFamily="49" charset="0"/>
               </a:rPr>
               <a:t>  </a:t>
             </a:r>
             <a:r>
-              <a:rPr lang="en-US" sz="1200" i="1" dirty="0" smtClean="0">
+              <a:rPr lang="en-US" sz="1200" i="1" dirty="0">
                 <a:solidFill>
                   <a:srgbClr val="00B050"/>
                 </a:solidFill>
@@ -13186,14 +12817,14 @@
               <a:t>column_name1</a:t>
             </a:r>
             <a:r>
-              <a:rPr lang="en-US" sz="1200" dirty="0" smtClean="0">
+              <a:rPr lang="en-US" sz="1200" dirty="0">
                 <a:latin typeface="Courier New" panose="02070309020205020404" pitchFamily="49" charset="0"/>
                 <a:cs typeface="Courier New" panose="02070309020205020404" pitchFamily="49" charset="0"/>
               </a:rPr>
               <a:t>,</a:t>
             </a:r>
             <a:r>
-              <a:rPr lang="en-US" sz="1200" i="1" dirty="0" smtClean="0">
+              <a:rPr lang="en-US" sz="1200" i="1" dirty="0">
                 <a:solidFill>
                   <a:srgbClr val="00B050"/>
                 </a:solidFill>
@@ -13203,18 +12834,11 @@
               <a:t>column_name2</a:t>
             </a:r>
             <a:r>
-              <a:rPr lang="en-US" sz="1200" dirty="0" smtClean="0">
+              <a:rPr lang="en-US" sz="1200" dirty="0">
                 <a:latin typeface="Courier New" panose="02070309020205020404" pitchFamily="49" charset="0"/>
                 <a:cs typeface="Courier New" panose="02070309020205020404" pitchFamily="49" charset="0"/>
               </a:rPr>
               <a:t>,</a:t>
-            </a:r>
-            <a:r>
-              <a:rPr lang="en-US" sz="1200" dirty="0">
-                <a:latin typeface="Courier New" panose="02070309020205020404" pitchFamily="49" charset="0"/>
-                <a:cs typeface="Courier New" panose="02070309020205020404" pitchFamily="49" charset="0"/>
-              </a:rPr>
-              <a:t/>
             </a:r>
             <a:br>
               <a:rPr lang="en-US" sz="1200" dirty="0">
@@ -13223,14 +12847,14 @@
               </a:rPr>
             </a:br>
             <a:r>
-              <a:rPr lang="es-419" sz="1200" dirty="0" smtClean="0">
+              <a:rPr lang="es-419" sz="1200" dirty="0">
                 <a:latin typeface="Courier New" panose="02070309020205020404" pitchFamily="49" charset="0"/>
                 <a:cs typeface="Courier New" panose="02070309020205020404" pitchFamily="49" charset="0"/>
               </a:rPr>
               <a:t>  </a:t>
             </a:r>
             <a:r>
-              <a:rPr lang="en-US" sz="1200" dirty="0" smtClean="0">
+              <a:rPr lang="en-US" sz="1200" dirty="0">
                 <a:latin typeface="Courier New" panose="02070309020205020404" pitchFamily="49" charset="0"/>
                 <a:cs typeface="Courier New" panose="02070309020205020404" pitchFamily="49" charset="0"/>
               </a:rPr>
@@ -13239,7 +12863,7 @@
           </a:p>
           <a:p>
             <a:r>
-              <a:rPr lang="en-US" sz="1200" dirty="0" smtClean="0">
+              <a:rPr lang="en-US" sz="1200" dirty="0">
                 <a:latin typeface="Courier New" panose="02070309020205020404" pitchFamily="49" charset="0"/>
                 <a:cs typeface="Courier New" panose="02070309020205020404" pitchFamily="49" charset="0"/>
               </a:rPr>
@@ -13256,7 +12880,7 @@
               <a:t>value1</a:t>
             </a:r>
             <a:r>
-              <a:rPr lang="en-US" sz="1200" dirty="0" smtClean="0">
+              <a:rPr lang="en-US" sz="1200" dirty="0">
                 <a:latin typeface="Courier New" panose="02070309020205020404" pitchFamily="49" charset="0"/>
                 <a:cs typeface="Courier New" panose="02070309020205020404" pitchFamily="49" charset="0"/>
               </a:rPr>
@@ -13273,14 +12897,14 @@
               <a:t>value2</a:t>
             </a:r>
             <a:r>
-              <a:rPr lang="en-US" sz="1200" dirty="0" smtClean="0">
+              <a:rPr lang="en-US" sz="1200" dirty="0">
                 <a:latin typeface="Courier New" panose="02070309020205020404" pitchFamily="49" charset="0"/>
                 <a:cs typeface="Courier New" panose="02070309020205020404" pitchFamily="49" charset="0"/>
               </a:rPr>
               <a:t>, </a:t>
             </a:r>
             <a:r>
-              <a:rPr lang="en-US" sz="1200" i="1" dirty="0" smtClean="0">
+              <a:rPr lang="en-US" sz="1200" i="1" dirty="0">
                 <a:solidFill>
                   <a:srgbClr val="00B050"/>
                 </a:solidFill>
@@ -13290,7 +12914,7 @@
               <a:t>...</a:t>
             </a:r>
             <a:r>
-              <a:rPr lang="en-US" sz="1200" dirty="0" smtClean="0">
+              <a:rPr lang="en-US" sz="1200" dirty="0">
                 <a:latin typeface="Courier New" panose="02070309020205020404" pitchFamily="49" charset="0"/>
                 <a:cs typeface="Courier New" panose="02070309020205020404" pitchFamily="49" charset="0"/>
               </a:rPr>
@@ -13358,18 +12982,11 @@
           <a:lstStyle/>
           <a:p>
             <a:r>
-              <a:rPr lang="en-US" sz="1200" dirty="0" smtClean="0">
-                <a:latin typeface="Courier New" panose="02070309020205020404" pitchFamily="49" charset="0"/>
-                <a:cs typeface="Courier New" panose="02070309020205020404" pitchFamily="49" charset="0"/>
-              </a:rPr>
-              <a:t>INSERT </a:t>
-            </a:r>
-            <a:r>
               <a:rPr lang="en-US" sz="1200" dirty="0">
                 <a:latin typeface="Courier New" panose="02070309020205020404" pitchFamily="49" charset="0"/>
                 <a:cs typeface="Courier New" panose="02070309020205020404" pitchFamily="49" charset="0"/>
               </a:rPr>
-              <a:t>INTO </a:t>
+              <a:t>INSERT INTO </a:t>
             </a:r>
             <a:r>
               <a:rPr lang="en-US" sz="1200" dirty="0">
@@ -13440,30 +13057,20 @@
                 <a:latin typeface="Courier New" panose="02070309020205020404" pitchFamily="49" charset="0"/>
                 <a:cs typeface="Courier New" panose="02070309020205020404" pitchFamily="49" charset="0"/>
               </a:rPr>
-              <a:t>USR',</a:t>
-            </a:r>
-            <a:r>
-              <a:rPr lang="en-US" sz="1200" dirty="0" err="1" smtClean="0">
+              <a:t>USR','Registered</a:t>
+            </a:r>
+            <a:r>
+              <a:rPr lang="en-US" sz="1200" dirty="0">
                 <a:solidFill>
                   <a:srgbClr val="00B050"/>
                 </a:solidFill>
                 <a:latin typeface="Courier New" panose="02070309020205020404" pitchFamily="49" charset="0"/>
                 <a:cs typeface="Courier New" panose="02070309020205020404" pitchFamily="49" charset="0"/>
               </a:rPr>
-              <a:t>'Registered</a:t>
-            </a:r>
-            <a:r>
-              <a:rPr lang="en-US" sz="1200" dirty="0" smtClean="0">
-                <a:solidFill>
-                  <a:srgbClr val="00B050"/>
-                </a:solidFill>
-                <a:latin typeface="Courier New" panose="02070309020205020404" pitchFamily="49" charset="0"/>
-                <a:cs typeface="Courier New" panose="02070309020205020404" pitchFamily="49" charset="0"/>
-              </a:rPr>
               <a:t>'</a:t>
             </a:r>
             <a:r>
-              <a:rPr lang="en-US" sz="1200" dirty="0" smtClean="0">
+              <a:rPr lang="en-US" sz="1200" dirty="0">
                 <a:latin typeface="Courier New" panose="02070309020205020404" pitchFamily="49" charset="0"/>
                 <a:cs typeface="Courier New" panose="02070309020205020404" pitchFamily="49" charset="0"/>
               </a:rPr>
@@ -13485,7 +13092,7 @@
               <a:t>INSERT INTO </a:t>
             </a:r>
             <a:r>
-              <a:rPr lang="en-US" sz="1200" dirty="0" smtClean="0">
+              <a:rPr lang="en-US" sz="1200" dirty="0">
                 <a:solidFill>
                   <a:srgbClr val="00B050"/>
                 </a:solidFill>
@@ -13495,14 +13102,14 @@
               <a:t>CITY</a:t>
             </a:r>
             <a:r>
-              <a:rPr lang="en-US" sz="1200" dirty="0" smtClean="0">
+              <a:rPr lang="en-US" sz="1200" dirty="0">
                 <a:latin typeface="Courier New" panose="02070309020205020404" pitchFamily="49" charset="0"/>
                 <a:cs typeface="Courier New" panose="02070309020205020404" pitchFamily="49" charset="0"/>
               </a:rPr>
               <a:t>(</a:t>
             </a:r>
             <a:r>
-              <a:rPr lang="en-US" sz="1200" dirty="0" err="1" smtClean="0">
+              <a:rPr lang="en-US" sz="1200" dirty="0" err="1">
                 <a:solidFill>
                   <a:srgbClr val="00B050"/>
                 </a:solidFill>
@@ -13550,14 +13157,7 @@
                 <a:latin typeface="Courier New" panose="02070309020205020404" pitchFamily="49" charset="0"/>
                 <a:cs typeface="Courier New" panose="02070309020205020404" pitchFamily="49" charset="0"/>
               </a:rPr>
-              <a:t>) </a:t>
-            </a:r>
-            <a:r>
-              <a:rPr lang="en-US" sz="1200" dirty="0" smtClean="0">
-                <a:latin typeface="Courier New" panose="02070309020205020404" pitchFamily="49" charset="0"/>
-                <a:cs typeface="Courier New" panose="02070309020205020404" pitchFamily="49" charset="0"/>
-              </a:rPr>
-              <a:t>VALUES (</a:t>
+              <a:t>) VALUES (</a:t>
             </a:r>
             <a:r>
               <a:rPr lang="en-US" sz="1200" dirty="0">
@@ -13604,7 +13204,7 @@
               <a:t>2</a:t>
             </a:r>
             <a:r>
-              <a:rPr lang="en-US" sz="1200" dirty="0" smtClean="0">
+              <a:rPr lang="en-US" sz="1200" dirty="0">
                 <a:latin typeface="Courier New" panose="02070309020205020404" pitchFamily="49" charset="0"/>
                 <a:cs typeface="Courier New" panose="02070309020205020404" pitchFamily="49" charset="0"/>
               </a:rPr>
@@ -13640,17 +13240,10 @@
                 <a:latin typeface="Courier New" panose="02070309020205020404" pitchFamily="49" charset="0"/>
                 <a:cs typeface="Courier New" panose="02070309020205020404" pitchFamily="49" charset="0"/>
               </a:rPr>
-              <a:t> </a:t>
-            </a:r>
-            <a:r>
-              <a:rPr lang="en-US" sz="1200" dirty="0" smtClean="0">
-                <a:latin typeface="Courier New" panose="02070309020205020404" pitchFamily="49" charset="0"/>
-                <a:cs typeface="Courier New" panose="02070309020205020404" pitchFamily="49" charset="0"/>
-              </a:rPr>
-              <a:t>(</a:t>
-            </a:r>
-            <a:r>
-              <a:rPr lang="en-US" sz="1200" dirty="0" smtClean="0">
+              <a:t> (</a:t>
+            </a:r>
+            <a:r>
+              <a:rPr lang="en-US" sz="1200" dirty="0">
                 <a:solidFill>
                   <a:srgbClr val="00B050"/>
                 </a:solidFill>
@@ -13817,34 +13410,34 @@
                 <a:latin typeface="Courier New" panose="02070309020205020404" pitchFamily="49" charset="0"/>
                 <a:cs typeface="Courier New" panose="02070309020205020404" pitchFamily="49" charset="0"/>
               </a:rPr>
-              <a:t>) </a:t>
-            </a:r>
-            <a:r>
-              <a:rPr lang="en-US" sz="1200" dirty="0" smtClean="0">
-                <a:latin typeface="Courier New" panose="02070309020205020404" pitchFamily="49" charset="0"/>
-                <a:cs typeface="Courier New" panose="02070309020205020404" pitchFamily="49" charset="0"/>
-              </a:rPr>
-              <a:t>VALUES (</a:t>
-            </a:r>
-            <a:r>
-              <a:rPr lang="en-US" sz="1200" dirty="0" smtClean="0">
+              <a:t>) VALUES (</a:t>
+            </a:r>
+            <a:r>
+              <a:rPr lang="en-US" sz="1200" dirty="0">
                 <a:solidFill>
                   <a:srgbClr val="00B050"/>
                 </a:solidFill>
                 <a:latin typeface="Courier New" panose="02070309020205020404" pitchFamily="49" charset="0"/>
                 <a:cs typeface="Courier New" panose="02070309020205020404" pitchFamily="49" charset="0"/>
               </a:rPr>
-              <a:t>'admin</a:t>
+              <a:t>'admin'</a:t>
             </a:r>
             <a:r>
               <a:rPr lang="en-US" sz="1200" dirty="0">
+                <a:latin typeface="Courier New" panose="02070309020205020404" pitchFamily="49" charset="0"/>
+                <a:cs typeface="Courier New" panose="02070309020205020404" pitchFamily="49" charset="0"/>
+              </a:rPr>
+              <a:t>,</a:t>
+            </a:r>
+            <a:r>
+              <a:rPr lang="en-US" sz="1200" dirty="0">
                 <a:solidFill>
                   <a:srgbClr val="00B050"/>
                 </a:solidFill>
                 <a:latin typeface="Courier New" panose="02070309020205020404" pitchFamily="49" charset="0"/>
                 <a:cs typeface="Courier New" panose="02070309020205020404" pitchFamily="49" charset="0"/>
               </a:rPr>
-              <a:t>'</a:t>
+              <a:t>'admin'</a:t>
             </a:r>
             <a:r>
               <a:rPr lang="en-US" sz="1200" dirty="0">
@@ -13861,37 +13454,44 @@
                 <a:latin typeface="Courier New" panose="02070309020205020404" pitchFamily="49" charset="0"/>
                 <a:cs typeface="Courier New" panose="02070309020205020404" pitchFamily="49" charset="0"/>
               </a:rPr>
-              <a:t>'admin</a:t>
-            </a:r>
-            <a:r>
-              <a:rPr lang="en-US" sz="1200" dirty="0" smtClean="0">
+              <a:t>‘USR'</a:t>
+            </a:r>
+            <a:r>
+              <a:rPr lang="en-US" sz="1200" dirty="0">
+                <a:latin typeface="Courier New" panose="02070309020205020404" pitchFamily="49" charset="0"/>
+                <a:cs typeface="Courier New" panose="02070309020205020404" pitchFamily="49" charset="0"/>
+              </a:rPr>
+              <a:t>,</a:t>
+            </a:r>
+            <a:r>
+              <a:rPr lang="en-US" sz="1200" dirty="0">
                 <a:solidFill>
                   <a:srgbClr val="00B050"/>
                 </a:solidFill>
                 <a:latin typeface="Courier New" panose="02070309020205020404" pitchFamily="49" charset="0"/>
                 <a:cs typeface="Courier New" panose="02070309020205020404" pitchFamily="49" charset="0"/>
               </a:rPr>
-              <a:t>'</a:t>
-            </a:r>
-            <a:r>
-              <a:rPr lang="en-US" sz="1200" dirty="0" smtClean="0">
+              <a:t>'Adminstrator'</a:t>
+            </a:r>
+            <a:r>
+              <a:rPr lang="en-US" sz="1200" dirty="0">
                 <a:latin typeface="Courier New" panose="02070309020205020404" pitchFamily="49" charset="0"/>
                 <a:cs typeface="Courier New" panose="02070309020205020404" pitchFamily="49" charset="0"/>
               </a:rPr>
               <a:t>,</a:t>
             </a:r>
             <a:r>
-              <a:rPr lang="en-US" sz="1200" dirty="0" smtClean="0">
+              <a:rPr lang="en-US" sz="1200" dirty="0">
                 <a:solidFill>
                   <a:srgbClr val="00B050"/>
                 </a:solidFill>
                 <a:latin typeface="Courier New" panose="02070309020205020404" pitchFamily="49" charset="0"/>
                 <a:cs typeface="Courier New" panose="02070309020205020404" pitchFamily="49" charset="0"/>
               </a:rPr>
-              <a:t>‘USR'</a:t>
-            </a:r>
-            <a:r>
-              <a:rPr lang="en-US" sz="1200" dirty="0" smtClean="0">
+              <a:t>'Ensenada'</a:t>
+            </a:r>
+            <a:r>
+              <a:rPr lang="en-US" sz="1200" dirty="0">
                 <a:latin typeface="Courier New" panose="02070309020205020404" pitchFamily="49" charset="0"/>
                 <a:cs typeface="Courier New" panose="02070309020205020404" pitchFamily="49" charset="0"/>
               </a:rPr>
@@ -13905,7 +13505,7 @@
                 <a:latin typeface="Courier New" panose="02070309020205020404" pitchFamily="49" charset="0"/>
                 <a:cs typeface="Courier New" panose="02070309020205020404" pitchFamily="49" charset="0"/>
               </a:rPr>
-              <a:t>'Adminstrator'</a:t>
+              <a:t>12</a:t>
             </a:r>
             <a:r>
               <a:rPr lang="en-US" sz="1200" dirty="0">
@@ -13922,7 +13522,7 @@
                 <a:latin typeface="Courier New" panose="02070309020205020404" pitchFamily="49" charset="0"/>
                 <a:cs typeface="Courier New" panose="02070309020205020404" pitchFamily="49" charset="0"/>
               </a:rPr>
-              <a:t>'Ensenada'</a:t>
+              <a:t>22500</a:t>
             </a:r>
             <a:r>
               <a:rPr lang="en-US" sz="1200" dirty="0">
@@ -13932,31 +13532,31 @@
               <a:t>,</a:t>
             </a:r>
             <a:r>
-              <a:rPr lang="en-US" sz="1200" dirty="0" smtClean="0">
+              <a:rPr lang="en-US" sz="1200" dirty="0">
                 <a:solidFill>
                   <a:srgbClr val="00B050"/>
                 </a:solidFill>
                 <a:latin typeface="Courier New" panose="02070309020205020404" pitchFamily="49" charset="0"/>
                 <a:cs typeface="Courier New" panose="02070309020205020404" pitchFamily="49" charset="0"/>
               </a:rPr>
-              <a:t>12</a:t>
-            </a:r>
-            <a:r>
-              <a:rPr lang="en-US" sz="1200" dirty="0" smtClean="0">
+              <a:t>'6461510000'</a:t>
+            </a:r>
+            <a:r>
+              <a:rPr lang="en-US" sz="1200" dirty="0">
                 <a:latin typeface="Courier New" panose="02070309020205020404" pitchFamily="49" charset="0"/>
                 <a:cs typeface="Courier New" panose="02070309020205020404" pitchFamily="49" charset="0"/>
               </a:rPr>
               <a:t>,</a:t>
             </a:r>
             <a:r>
-              <a:rPr lang="en-US" sz="1200" dirty="0" smtClean="0">
+              <a:rPr lang="en-US" sz="1200" dirty="0">
                 <a:solidFill>
                   <a:srgbClr val="00B050"/>
                 </a:solidFill>
                 <a:latin typeface="Courier New" panose="02070309020205020404" pitchFamily="49" charset="0"/>
                 <a:cs typeface="Courier New" panose="02070309020205020404" pitchFamily="49" charset="0"/>
               </a:rPr>
-              <a:t>22500</a:t>
+              <a:t>'adming@softtek.com'</a:t>
             </a:r>
             <a:r>
               <a:rPr lang="en-US" sz="1200" dirty="0">
@@ -13973,44 +13573,10 @@
                 <a:latin typeface="Courier New" panose="02070309020205020404" pitchFamily="49" charset="0"/>
                 <a:cs typeface="Courier New" panose="02070309020205020404" pitchFamily="49" charset="0"/>
               </a:rPr>
-              <a:t>'6461510000'</a:t>
+              <a:t>1</a:t>
             </a:r>
             <a:r>
               <a:rPr lang="en-US" sz="1200" dirty="0">
-                <a:latin typeface="Courier New" panose="02070309020205020404" pitchFamily="49" charset="0"/>
-                <a:cs typeface="Courier New" panose="02070309020205020404" pitchFamily="49" charset="0"/>
-              </a:rPr>
-              <a:t>,</a:t>
-            </a:r>
-            <a:r>
-              <a:rPr lang="en-US" sz="1200" dirty="0">
-                <a:solidFill>
-                  <a:srgbClr val="00B050"/>
-                </a:solidFill>
-                <a:latin typeface="Courier New" panose="02070309020205020404" pitchFamily="49" charset="0"/>
-                <a:cs typeface="Courier New" panose="02070309020205020404" pitchFamily="49" charset="0"/>
-              </a:rPr>
-              <a:t>'adming@softtek.com'</a:t>
-            </a:r>
-            <a:r>
-              <a:rPr lang="en-US" sz="1200" dirty="0">
-                <a:latin typeface="Courier New" panose="02070309020205020404" pitchFamily="49" charset="0"/>
-                <a:cs typeface="Courier New" panose="02070309020205020404" pitchFamily="49" charset="0"/>
-              </a:rPr>
-              <a:t>,</a:t>
-            </a:r>
-            <a:r>
-              <a:rPr lang="en-US" sz="1200" dirty="0">
-                <a:solidFill>
-                  <a:srgbClr val="00B050"/>
-                </a:solidFill>
-                <a:latin typeface="Courier New" panose="02070309020205020404" pitchFamily="49" charset="0"/>
-                <a:cs typeface="Courier New" panose="02070309020205020404" pitchFamily="49" charset="0"/>
-              </a:rPr>
-              <a:t>1</a:t>
-            </a:r>
-            <a:r>
-              <a:rPr lang="en-US" sz="1200" dirty="0" smtClean="0">
                 <a:latin typeface="Courier New" panose="02070309020205020404" pitchFamily="49" charset="0"/>
                 <a:cs typeface="Courier New" panose="02070309020205020404" pitchFamily="49" charset="0"/>
               </a:rPr>
@@ -14032,7 +13598,7 @@
               <a:t>INSERT INTO </a:t>
             </a:r>
             <a:r>
-              <a:rPr lang="en-US" sz="1200" dirty="0" smtClean="0">
+              <a:rPr lang="en-US" sz="1200" dirty="0">
                 <a:solidFill>
                   <a:srgbClr val="00B050"/>
                 </a:solidFill>
@@ -14042,14 +13608,14 @@
               <a:t>CART</a:t>
             </a:r>
             <a:r>
-              <a:rPr lang="en-US" sz="1200" dirty="0" smtClean="0">
+              <a:rPr lang="en-US" sz="1200" dirty="0">
                 <a:latin typeface="Courier New" panose="02070309020205020404" pitchFamily="49" charset="0"/>
                 <a:cs typeface="Courier New" panose="02070309020205020404" pitchFamily="49" charset="0"/>
               </a:rPr>
               <a:t> (</a:t>
             </a:r>
             <a:r>
-              <a:rPr lang="en-US" sz="1200" dirty="0" err="1" smtClean="0">
+              <a:rPr lang="en-US" sz="1200" dirty="0" err="1">
                 <a:solidFill>
                   <a:srgbClr val="00B050"/>
                 </a:solidFill>
@@ -14100,7 +13666,7 @@
               <a:t>, </a:t>
             </a:r>
             <a:r>
-              <a:rPr lang="en-US" sz="1200" dirty="0" err="1" smtClean="0">
+              <a:rPr lang="en-US" sz="1200" dirty="0" err="1">
                 <a:solidFill>
                   <a:srgbClr val="00B050"/>
                 </a:solidFill>
@@ -14117,7 +13683,7 @@
               <a:t>, </a:t>
             </a:r>
             <a:r>
-              <a:rPr lang="en-US" sz="1200" dirty="0" err="1" smtClean="0">
+              <a:rPr lang="en-US" sz="1200" dirty="0" err="1">
                 <a:solidFill>
                   <a:srgbClr val="00B050"/>
                 </a:solidFill>
@@ -14127,14 +13693,14 @@
               <a:t>modified_date</a:t>
             </a:r>
             <a:r>
-              <a:rPr lang="en-US" sz="1200" dirty="0" smtClean="0">
+              <a:rPr lang="en-US" sz="1200" dirty="0">
                 <a:latin typeface="Courier New" panose="02070309020205020404" pitchFamily="49" charset="0"/>
                 <a:cs typeface="Courier New" panose="02070309020205020404" pitchFamily="49" charset="0"/>
               </a:rPr>
               <a:t>, </a:t>
             </a:r>
             <a:r>
-              <a:rPr lang="en-US" sz="1200" dirty="0" err="1" smtClean="0">
+              <a:rPr lang="en-US" sz="1200" dirty="0" err="1">
                 <a:solidFill>
                   <a:srgbClr val="00B050"/>
                 </a:solidFill>
@@ -14144,14 +13710,14 @@
               <a:t>user_id</a:t>
             </a:r>
             <a:r>
-              <a:rPr lang="en-US" sz="1200" dirty="0" smtClean="0">
+              <a:rPr lang="en-US" sz="1200" dirty="0">
                 <a:latin typeface="Courier New" panose="02070309020205020404" pitchFamily="49" charset="0"/>
                 <a:cs typeface="Courier New" panose="02070309020205020404" pitchFamily="49" charset="0"/>
               </a:rPr>
               <a:t>) VALUES (</a:t>
             </a:r>
             <a:r>
-              <a:rPr lang="en-US" sz="1200" dirty="0" smtClean="0">
+              <a:rPr lang="en-US" sz="1200" dirty="0">
                 <a:solidFill>
                   <a:srgbClr val="00B050"/>
                 </a:solidFill>
@@ -14161,14 +13727,14 @@
               <a:t>2309.99</a:t>
             </a:r>
             <a:r>
-              <a:rPr lang="en-US" sz="1200" dirty="0" smtClean="0">
+              <a:rPr lang="en-US" sz="1200" dirty="0">
                 <a:latin typeface="Courier New" panose="02070309020205020404" pitchFamily="49" charset="0"/>
                 <a:cs typeface="Courier New" panose="02070309020205020404" pitchFamily="49" charset="0"/>
               </a:rPr>
               <a:t>, </a:t>
             </a:r>
             <a:r>
-              <a:rPr lang="en-US" sz="1200" dirty="0" smtClean="0">
+              <a:rPr lang="en-US" sz="1200" dirty="0">
                 <a:solidFill>
                   <a:srgbClr val="00B050"/>
                 </a:solidFill>
@@ -14178,14 +13744,14 @@
               <a:t>60</a:t>
             </a:r>
             <a:r>
-              <a:rPr lang="en-US" sz="1200" dirty="0" smtClean="0">
+              <a:rPr lang="en-US" sz="1200" dirty="0">
                 <a:latin typeface="Courier New" panose="02070309020205020404" pitchFamily="49" charset="0"/>
                 <a:cs typeface="Courier New" panose="02070309020205020404" pitchFamily="49" charset="0"/>
               </a:rPr>
               <a:t>, </a:t>
             </a:r>
             <a:r>
-              <a:rPr lang="en-US" sz="1200" dirty="0" smtClean="0">
+              <a:rPr lang="en-US" sz="1200" dirty="0">
                 <a:solidFill>
                   <a:srgbClr val="00B050"/>
                 </a:solidFill>
@@ -14195,31 +13761,38 @@
               <a:t>2369.99</a:t>
             </a:r>
             <a:r>
-              <a:rPr lang="en-US" sz="1200" dirty="0" smtClean="0">
+              <a:rPr lang="en-US" sz="1200" dirty="0">
                 <a:latin typeface="Courier New" panose="02070309020205020404" pitchFamily="49" charset="0"/>
                 <a:cs typeface="Courier New" panose="02070309020205020404" pitchFamily="49" charset="0"/>
               </a:rPr>
               <a:t>, </a:t>
             </a:r>
             <a:r>
-              <a:rPr lang="en-US" sz="1200" dirty="0" smtClean="0">
+              <a:rPr lang="en-US" sz="1200" dirty="0">
                 <a:solidFill>
                   <a:srgbClr val="00B050"/>
                 </a:solidFill>
                 <a:latin typeface="Courier New" panose="02070309020205020404" pitchFamily="49" charset="0"/>
                 <a:cs typeface="Courier New" panose="02070309020205020404" pitchFamily="49" charset="0"/>
               </a:rPr>
-              <a:t>'2014-07-24 </a:t>
+              <a:t>'2014-07-24 13:00:00'</a:t>
             </a:r>
             <a:r>
               <a:rPr lang="en-US" sz="1200" dirty="0">
+                <a:latin typeface="Courier New" panose="02070309020205020404" pitchFamily="49" charset="0"/>
+                <a:cs typeface="Courier New" panose="02070309020205020404" pitchFamily="49" charset="0"/>
+              </a:rPr>
+              <a:t>, </a:t>
+            </a:r>
+            <a:r>
+              <a:rPr lang="en-US" sz="1200" dirty="0">
                 <a:solidFill>
                   <a:srgbClr val="00B050"/>
                 </a:solidFill>
                 <a:latin typeface="Courier New" panose="02070309020205020404" pitchFamily="49" charset="0"/>
                 <a:cs typeface="Courier New" panose="02070309020205020404" pitchFamily="49" charset="0"/>
               </a:rPr>
-              <a:t>13:00:00'</a:t>
+              <a:t>SYSDATE()</a:t>
             </a:r>
             <a:r>
               <a:rPr lang="en-US" sz="1200" dirty="0">
@@ -14236,27 +13809,10 @@
                 <a:latin typeface="Courier New" panose="02070309020205020404" pitchFamily="49" charset="0"/>
                 <a:cs typeface="Courier New" panose="02070309020205020404" pitchFamily="49" charset="0"/>
               </a:rPr>
-              <a:t>SYSDATE()</a:t>
-            </a:r>
-            <a:r>
-              <a:rPr lang="en-US" sz="1200" dirty="0" smtClean="0">
-                <a:latin typeface="Courier New" panose="02070309020205020404" pitchFamily="49" charset="0"/>
-                <a:cs typeface="Courier New" panose="02070309020205020404" pitchFamily="49" charset="0"/>
-              </a:rPr>
-              <a:t>, </a:t>
-            </a:r>
-            <a:r>
-              <a:rPr lang="en-US" sz="1200" dirty="0" smtClean="0">
-                <a:solidFill>
-                  <a:srgbClr val="00B050"/>
-                </a:solidFill>
-                <a:latin typeface="Courier New" panose="02070309020205020404" pitchFamily="49" charset="0"/>
-                <a:cs typeface="Courier New" panose="02070309020205020404" pitchFamily="49" charset="0"/>
-              </a:rPr>
               <a:t>1</a:t>
             </a:r>
             <a:r>
-              <a:rPr lang="en-US" sz="1200" dirty="0" smtClean="0">
+              <a:rPr lang="en-US" sz="1200" dirty="0">
                 <a:latin typeface="Courier New" panose="02070309020205020404" pitchFamily="49" charset="0"/>
                 <a:cs typeface="Courier New" panose="02070309020205020404" pitchFamily="49" charset="0"/>
               </a:rPr>
@@ -14275,13 +13831,6 @@
   <p:clrMapOvr>
     <a:masterClrMapping/>
   </p:clrMapOvr>
-  <p:timing>
-    <p:tnLst>
-      <p:par>
-        <p:cTn id="1" dur="indefinite" restart="never" nodeType="tmRoot"/>
-      </p:par>
-    </p:tnLst>
-  </p:timing>
 </p:sld>
 </file>
 
@@ -14323,7 +13872,7 @@
           <a:lstStyle/>
           <a:p>
             <a:r>
-              <a:rPr lang="es-419" sz="2400" dirty="0" smtClean="0"/>
+              <a:rPr lang="es-419" sz="2400" dirty="0"/>
               <a:t>UPDATE and DELETE</a:t>
             </a:r>
             <a:endParaRPr lang="es-MX" sz="2400" dirty="0"/>
@@ -14386,28 +13935,21 @@
           </a:bodyPr>
           <a:lstStyle/>
           <a:p>
-            <a:endParaRPr lang="en-US" sz="1200" dirty="0" smtClean="0">
+            <a:endParaRPr lang="en-US" sz="1200" dirty="0">
               <a:latin typeface="Courier New" panose="02070309020205020404" pitchFamily="49" charset="0"/>
               <a:cs typeface="Courier New" panose="02070309020205020404" pitchFamily="49" charset="0"/>
             </a:endParaRPr>
           </a:p>
           <a:p>
             <a:r>
-              <a:rPr lang="en-US" sz="1200" dirty="0" smtClean="0">
-                <a:latin typeface="Courier New" panose="02070309020205020404" pitchFamily="49" charset="0"/>
-                <a:cs typeface="Courier New" panose="02070309020205020404" pitchFamily="49" charset="0"/>
-              </a:rPr>
-              <a:t>UPDATE</a:t>
-            </a:r>
-            <a:r>
               <a:rPr lang="en-US" sz="1200" dirty="0">
                 <a:latin typeface="Courier New" panose="02070309020205020404" pitchFamily="49" charset="0"/>
                 <a:cs typeface="Courier New" panose="02070309020205020404" pitchFamily="49" charset="0"/>
               </a:rPr>
-              <a:t> </a:t>
-            </a:r>
-            <a:r>
-              <a:rPr lang="es-419" sz="1200" i="1" dirty="0" err="1" smtClean="0">
+              <a:t>UPDATE </a:t>
+            </a:r>
+            <a:r>
+              <a:rPr lang="es-419" sz="1200" i="1" dirty="0" err="1">
                 <a:solidFill>
                   <a:srgbClr val="00B050"/>
                 </a:solidFill>
@@ -14417,7 +13959,7 @@
               <a:t>TableName</a:t>
             </a:r>
             <a:r>
-              <a:rPr lang="es-419" sz="1200" dirty="0" smtClean="0">
+              <a:rPr lang="es-419" sz="1200" dirty="0">
                 <a:latin typeface="Courier New" panose="02070309020205020404" pitchFamily="49" charset="0"/>
                 <a:cs typeface="Courier New" panose="02070309020205020404" pitchFamily="49" charset="0"/>
               </a:rPr>
@@ -14426,14 +13968,14 @@
           </a:p>
           <a:p>
             <a:r>
-              <a:rPr lang="es-419" sz="1200" dirty="0" smtClean="0">
+              <a:rPr lang="es-419" sz="1200" dirty="0">
                 <a:latin typeface="Courier New" panose="02070309020205020404" pitchFamily="49" charset="0"/>
                 <a:cs typeface="Courier New" panose="02070309020205020404" pitchFamily="49" charset="0"/>
               </a:rPr>
               <a:t>   SET </a:t>
             </a:r>
             <a:r>
-              <a:rPr lang="en-US" sz="1200" i="1" dirty="0" smtClean="0">
+              <a:rPr lang="en-US" sz="1200" i="1" dirty="0">
                 <a:solidFill>
                   <a:srgbClr val="00B050"/>
                 </a:solidFill>
@@ -14450,7 +13992,7 @@
               <a:t> = </a:t>
             </a:r>
             <a:r>
-              <a:rPr lang="en-US" sz="1200" i="1" dirty="0" smtClean="0">
+              <a:rPr lang="en-US" sz="1200" i="1" dirty="0">
                 <a:solidFill>
                   <a:srgbClr val="00B050"/>
                 </a:solidFill>
@@ -14460,7 +14002,7 @@
               <a:t>value1</a:t>
             </a:r>
             <a:r>
-              <a:rPr lang="en-US" sz="1200" dirty="0" smtClean="0">
+              <a:rPr lang="en-US" sz="1200" dirty="0">
                 <a:latin typeface="Courier New" panose="02070309020205020404" pitchFamily="49" charset="0"/>
                 <a:cs typeface="Courier New" panose="02070309020205020404" pitchFamily="49" charset="0"/>
               </a:rPr>
@@ -14469,7 +14011,7 @@
           </a:p>
           <a:p>
             <a:r>
-              <a:rPr lang="en-US" sz="1200" i="1" dirty="0" smtClean="0">
+              <a:rPr lang="en-US" sz="1200" i="1" dirty="0">
                 <a:solidFill>
                   <a:srgbClr val="00B050"/>
                 </a:solidFill>
@@ -14486,7 +14028,7 @@
               <a:t> = </a:t>
             </a:r>
             <a:r>
-              <a:rPr lang="en-US" sz="1200" i="1" dirty="0" smtClean="0">
+              <a:rPr lang="en-US" sz="1200" i="1" dirty="0">
                 <a:solidFill>
                   <a:srgbClr val="00B050"/>
                 </a:solidFill>
@@ -14496,18 +14038,11 @@
               <a:t>value2</a:t>
             </a:r>
             <a:r>
-              <a:rPr lang="en-US" sz="1200" dirty="0" smtClean="0">
+              <a:rPr lang="en-US" sz="1200" dirty="0">
                 <a:latin typeface="Courier New" panose="02070309020205020404" pitchFamily="49" charset="0"/>
                 <a:cs typeface="Courier New" panose="02070309020205020404" pitchFamily="49" charset="0"/>
               </a:rPr>
               <a:t>,</a:t>
-            </a:r>
-            <a:r>
-              <a:rPr lang="en-US" sz="1200" dirty="0">
-                <a:latin typeface="Courier New" panose="02070309020205020404" pitchFamily="49" charset="0"/>
-                <a:cs typeface="Courier New" panose="02070309020205020404" pitchFamily="49" charset="0"/>
-              </a:rPr>
-              <a:t/>
             </a:r>
             <a:br>
               <a:rPr lang="en-US" sz="1200" dirty="0">
@@ -14516,14 +14051,14 @@
               </a:rPr>
             </a:br>
             <a:r>
-              <a:rPr lang="es-419" sz="1200" dirty="0" smtClean="0">
+              <a:rPr lang="es-419" sz="1200" dirty="0">
                 <a:latin typeface="Courier New" panose="02070309020205020404" pitchFamily="49" charset="0"/>
                 <a:cs typeface="Courier New" panose="02070309020205020404" pitchFamily="49" charset="0"/>
               </a:rPr>
               <a:t>   </a:t>
             </a:r>
             <a:r>
-              <a:rPr lang="en-US" sz="1200" dirty="0" smtClean="0">
+              <a:rPr lang="en-US" sz="1200" dirty="0">
                 <a:latin typeface="Courier New" panose="02070309020205020404" pitchFamily="49" charset="0"/>
                 <a:cs typeface="Courier New" panose="02070309020205020404" pitchFamily="49" charset="0"/>
               </a:rPr>
@@ -14532,21 +14067,21 @@
           </a:p>
           <a:p>
             <a:r>
-              <a:rPr lang="en-US" sz="1200" dirty="0" smtClean="0">
+              <a:rPr lang="en-US" sz="1200" dirty="0">
                 <a:latin typeface="Courier New" panose="02070309020205020404" pitchFamily="49" charset="0"/>
                 <a:cs typeface="Courier New" panose="02070309020205020404" pitchFamily="49" charset="0"/>
               </a:rPr>
               <a:t> </a:t>
             </a:r>
             <a:r>
-              <a:rPr lang="en-US" sz="1200" b="1" dirty="0" smtClean="0">
+              <a:rPr lang="en-US" sz="1200" b="1" dirty="0">
                 <a:latin typeface="Courier New" panose="02070309020205020404" pitchFamily="49" charset="0"/>
                 <a:cs typeface="Courier New" panose="02070309020205020404" pitchFamily="49" charset="0"/>
               </a:rPr>
               <a:t>WHERE </a:t>
             </a:r>
             <a:r>
-              <a:rPr lang="en-US" sz="1200" b="1" i="1" dirty="0" err="1" smtClean="0">
+              <a:rPr lang="en-US" sz="1200" b="1" i="1" dirty="0" err="1">
                 <a:solidFill>
                   <a:srgbClr val="00B050"/>
                 </a:solidFill>
@@ -14556,7 +14091,7 @@
               <a:t>column_nameN</a:t>
             </a:r>
             <a:r>
-              <a:rPr lang="en-US" sz="1200" b="1" i="1" dirty="0" smtClean="0">
+              <a:rPr lang="en-US" sz="1200" b="1" i="1" dirty="0">
                 <a:solidFill>
                   <a:srgbClr val="00B050"/>
                 </a:solidFill>
@@ -14573,7 +14108,7 @@
               <a:t>= </a:t>
             </a:r>
             <a:r>
-              <a:rPr lang="en-US" sz="1200" b="1" i="1" dirty="0" err="1" smtClean="0">
+              <a:rPr lang="en-US" sz="1200" b="1" i="1" dirty="0" err="1">
                 <a:solidFill>
                   <a:srgbClr val="00B050"/>
                 </a:solidFill>
@@ -14583,7 +14118,7 @@
               <a:t>valueN</a:t>
             </a:r>
             <a:r>
-              <a:rPr lang="en-US" sz="1200" b="1" dirty="0" smtClean="0">
+              <a:rPr lang="en-US" sz="1200" b="1" dirty="0">
                 <a:latin typeface="Courier New" panose="02070309020205020404" pitchFamily="49" charset="0"/>
                 <a:cs typeface="Courier New" panose="02070309020205020404" pitchFamily="49" charset="0"/>
               </a:rPr>
@@ -14621,14 +14156,14 @@
           <a:lstStyle/>
           <a:p>
             <a:r>
-              <a:rPr lang="en-US" sz="1200" dirty="0" smtClean="0">
+              <a:rPr lang="en-US" sz="1200" dirty="0">
                 <a:latin typeface="Courier New" panose="02070309020205020404" pitchFamily="49" charset="0"/>
                 <a:cs typeface="Courier New" panose="02070309020205020404" pitchFamily="49" charset="0"/>
               </a:rPr>
               <a:t>UPDATE </a:t>
             </a:r>
             <a:r>
-              <a:rPr lang="en-US" sz="1200" dirty="0" smtClean="0">
+              <a:rPr lang="en-US" sz="1200" dirty="0">
                 <a:solidFill>
                   <a:srgbClr val="00B050"/>
                 </a:solidFill>
@@ -14636,56 +14171,6 @@
                 <a:cs typeface="Courier New" panose="02070309020205020404" pitchFamily="49" charset="0"/>
               </a:rPr>
               <a:t>USER_ROLE</a:t>
-            </a:r>
-            <a:endParaRPr lang="en-US" sz="1200" dirty="0" smtClean="0">
-              <a:latin typeface="Courier New" panose="02070309020205020404" pitchFamily="49" charset="0"/>
-              <a:cs typeface="Courier New" panose="02070309020205020404" pitchFamily="49" charset="0"/>
-            </a:endParaRPr>
-          </a:p>
-          <a:p>
-            <a:r>
-              <a:rPr lang="en-US" sz="1200" dirty="0" smtClean="0">
-                <a:latin typeface="Courier New" panose="02070309020205020404" pitchFamily="49" charset="0"/>
-                <a:cs typeface="Courier New" panose="02070309020205020404" pitchFamily="49" charset="0"/>
-              </a:rPr>
-              <a:t>   SET </a:t>
-            </a:r>
-            <a:r>
-              <a:rPr lang="en-US" sz="1200" dirty="0" smtClean="0">
-                <a:solidFill>
-                  <a:srgbClr val="00B050"/>
-                </a:solidFill>
-                <a:latin typeface="Courier New" panose="02070309020205020404" pitchFamily="49" charset="0"/>
-                <a:cs typeface="Courier New" panose="02070309020205020404" pitchFamily="49" charset="0"/>
-              </a:rPr>
-              <a:t>description</a:t>
-            </a:r>
-            <a:r>
-              <a:rPr lang="en-US" sz="1200" dirty="0" smtClean="0">
-                <a:latin typeface="Courier New" panose="02070309020205020404" pitchFamily="49" charset="0"/>
-                <a:cs typeface="Courier New" panose="02070309020205020404" pitchFamily="49" charset="0"/>
-              </a:rPr>
-              <a:t> = </a:t>
-            </a:r>
-            <a:r>
-              <a:rPr lang="en-US" sz="1200" dirty="0">
-                <a:solidFill>
-                  <a:srgbClr val="00B050"/>
-                </a:solidFill>
-                <a:latin typeface="Courier New" panose="02070309020205020404" pitchFamily="49" charset="0"/>
-                <a:cs typeface="Courier New" panose="02070309020205020404" pitchFamily="49" charset="0"/>
-              </a:rPr>
-              <a:t>'Registered User</a:t>
-            </a:r>
-            <a:r>
-              <a:rPr lang="en-US" sz="1200" dirty="0" smtClean="0">
-                <a:solidFill>
-                  <a:srgbClr val="00B050"/>
-                </a:solidFill>
-                <a:latin typeface="Courier New" panose="02070309020205020404" pitchFamily="49" charset="0"/>
-                <a:cs typeface="Courier New" panose="02070309020205020404" pitchFamily="49" charset="0"/>
-              </a:rPr>
-              <a:t>'</a:t>
             </a:r>
             <a:endParaRPr lang="en-US" sz="1200" dirty="0">
               <a:latin typeface="Courier New" panose="02070309020205020404" pitchFamily="49" charset="0"/>
@@ -14694,54 +14179,39 @@
           </a:p>
           <a:p>
             <a:r>
-              <a:rPr lang="en-US" sz="1200" dirty="0" smtClean="0">
-                <a:latin typeface="Courier New" panose="02070309020205020404" pitchFamily="49" charset="0"/>
-                <a:cs typeface="Courier New" panose="02070309020205020404" pitchFamily="49" charset="0"/>
-              </a:rPr>
-              <a:t> WHERE </a:t>
-            </a:r>
-            <a:r>
-              <a:rPr lang="en-US" sz="1200" dirty="0" err="1" smtClean="0">
+              <a:rPr lang="en-US" sz="1200" dirty="0">
+                <a:latin typeface="Courier New" panose="02070309020205020404" pitchFamily="49" charset="0"/>
+                <a:cs typeface="Courier New" panose="02070309020205020404" pitchFamily="49" charset="0"/>
+              </a:rPr>
+              <a:t>   SET </a:t>
+            </a:r>
+            <a:r>
+              <a:rPr lang="en-US" sz="1200" dirty="0">
                 <a:solidFill>
                   <a:srgbClr val="00B050"/>
                 </a:solidFill>
                 <a:latin typeface="Courier New" panose="02070309020205020404" pitchFamily="49" charset="0"/>
                 <a:cs typeface="Courier New" panose="02070309020205020404" pitchFamily="49" charset="0"/>
               </a:rPr>
-              <a:t>user_role_id</a:t>
-            </a:r>
-            <a:r>
-              <a:rPr lang="en-US" sz="1200" dirty="0" smtClean="0">
+              <a:t>description</a:t>
+            </a:r>
+            <a:r>
+              <a:rPr lang="en-US" sz="1200" dirty="0">
                 <a:latin typeface="Courier New" panose="02070309020205020404" pitchFamily="49" charset="0"/>
                 <a:cs typeface="Courier New" panose="02070309020205020404" pitchFamily="49" charset="0"/>
               </a:rPr>
               <a:t> = </a:t>
             </a:r>
             <a:r>
-              <a:rPr lang="en-US" sz="1200" dirty="0" smtClean="0">
+              <a:rPr lang="en-US" sz="1200" dirty="0">
                 <a:solidFill>
                   <a:srgbClr val="00B050"/>
                 </a:solidFill>
                 <a:latin typeface="Courier New" panose="02070309020205020404" pitchFamily="49" charset="0"/>
                 <a:cs typeface="Courier New" panose="02070309020205020404" pitchFamily="49" charset="0"/>
               </a:rPr>
-              <a:t>1</a:t>
-            </a:r>
-            <a:r>
-              <a:rPr lang="en-US" sz="1200" dirty="0" smtClean="0">
-                <a:latin typeface="Courier New" panose="02070309020205020404" pitchFamily="49" charset="0"/>
-                <a:cs typeface="Courier New" panose="02070309020205020404" pitchFamily="49" charset="0"/>
-              </a:rPr>
-              <a:t>;</a:t>
-            </a:r>
-          </a:p>
-          <a:p>
-            <a:endParaRPr lang="en-US" sz="1200" dirty="0" smtClean="0">
-              <a:latin typeface="Courier New" panose="02070309020205020404" pitchFamily="49" charset="0"/>
-              <a:cs typeface="Courier New" panose="02070309020205020404" pitchFamily="49" charset="0"/>
-            </a:endParaRPr>
-          </a:p>
-          <a:p>
+              <a:t>'Registered User'</a:t>
+            </a:r>
             <a:endParaRPr lang="en-US" sz="1200" dirty="0">
               <a:latin typeface="Courier New" panose="02070309020205020404" pitchFamily="49" charset="0"/>
               <a:cs typeface="Courier New" panose="02070309020205020404" pitchFamily="49" charset="0"/>
@@ -14753,132 +14223,50 @@
                 <a:latin typeface="Courier New" panose="02070309020205020404" pitchFamily="49" charset="0"/>
                 <a:cs typeface="Courier New" panose="02070309020205020404" pitchFamily="49" charset="0"/>
               </a:rPr>
-              <a:t>UPDATE </a:t>
-            </a:r>
-            <a:r>
-              <a:rPr lang="en-US" sz="1200" dirty="0" smtClean="0">
+              <a:t> WHERE </a:t>
+            </a:r>
+            <a:r>
+              <a:rPr lang="en-US" sz="1200" dirty="0" err="1">
                 <a:solidFill>
                   <a:srgbClr val="00B050"/>
                 </a:solidFill>
                 <a:latin typeface="Courier New" panose="02070309020205020404" pitchFamily="49" charset="0"/>
                 <a:cs typeface="Courier New" panose="02070309020205020404" pitchFamily="49" charset="0"/>
               </a:rPr>
-              <a:t>USER</a:t>
-            </a:r>
+              <a:t>user_role_id</a:t>
+            </a:r>
+            <a:r>
+              <a:rPr lang="en-US" sz="1200" dirty="0">
+                <a:latin typeface="Courier New" panose="02070309020205020404" pitchFamily="49" charset="0"/>
+                <a:cs typeface="Courier New" panose="02070309020205020404" pitchFamily="49" charset="0"/>
+              </a:rPr>
+              <a:t> = </a:t>
+            </a:r>
+            <a:r>
+              <a:rPr lang="en-US" sz="1200" dirty="0">
+                <a:solidFill>
+                  <a:srgbClr val="00B050"/>
+                </a:solidFill>
+                <a:latin typeface="Courier New" panose="02070309020205020404" pitchFamily="49" charset="0"/>
+                <a:cs typeface="Courier New" panose="02070309020205020404" pitchFamily="49" charset="0"/>
+              </a:rPr>
+              <a:t>1</a:t>
+            </a:r>
+            <a:r>
+              <a:rPr lang="en-US" sz="1200" dirty="0">
+                <a:latin typeface="Courier New" panose="02070309020205020404" pitchFamily="49" charset="0"/>
+                <a:cs typeface="Courier New" panose="02070309020205020404" pitchFamily="49" charset="0"/>
+              </a:rPr>
+              <a:t>;</a:t>
+            </a:r>
+          </a:p>
+          <a:p>
             <a:endParaRPr lang="en-US" sz="1200" dirty="0">
               <a:latin typeface="Courier New" panose="02070309020205020404" pitchFamily="49" charset="0"/>
               <a:cs typeface="Courier New" panose="02070309020205020404" pitchFamily="49" charset="0"/>
             </a:endParaRPr>
           </a:p>
           <a:p>
-            <a:r>
-              <a:rPr lang="en-US" sz="1200" dirty="0">
-                <a:latin typeface="Courier New" panose="02070309020205020404" pitchFamily="49" charset="0"/>
-                <a:cs typeface="Courier New" panose="02070309020205020404" pitchFamily="49" charset="0"/>
-              </a:rPr>
-              <a:t> </a:t>
-            </a:r>
-            <a:r>
-              <a:rPr lang="en-US" sz="1200" dirty="0" smtClean="0">
-                <a:latin typeface="Courier New" panose="02070309020205020404" pitchFamily="49" charset="0"/>
-                <a:cs typeface="Courier New" panose="02070309020205020404" pitchFamily="49" charset="0"/>
-              </a:rPr>
-              <a:t>  SET </a:t>
-            </a:r>
-            <a:r>
-              <a:rPr lang="en-US" sz="1200" dirty="0" smtClean="0">
-                <a:solidFill>
-                  <a:srgbClr val="00B050"/>
-                </a:solidFill>
-                <a:latin typeface="Courier New" panose="02070309020205020404" pitchFamily="49" charset="0"/>
-                <a:cs typeface="Courier New" panose="02070309020205020404" pitchFamily="49" charset="0"/>
-              </a:rPr>
-              <a:t>address</a:t>
-            </a:r>
-            <a:r>
-              <a:rPr lang="en-US" sz="1200" dirty="0" smtClean="0">
-                <a:latin typeface="Courier New" panose="02070309020205020404" pitchFamily="49" charset="0"/>
-                <a:cs typeface="Courier New" panose="02070309020205020404" pitchFamily="49" charset="0"/>
-              </a:rPr>
-              <a:t> = </a:t>
-            </a:r>
-            <a:r>
-              <a:rPr lang="en-US" sz="1200" dirty="0" smtClean="0">
-                <a:solidFill>
-                  <a:srgbClr val="00B050"/>
-                </a:solidFill>
-                <a:latin typeface="Courier New" panose="02070309020205020404" pitchFamily="49" charset="0"/>
-                <a:cs typeface="Courier New" panose="02070309020205020404" pitchFamily="49" charset="0"/>
-              </a:rPr>
-              <a:t>'Registered User</a:t>
-            </a:r>
-            <a:r>
-              <a:rPr lang="en-US" sz="1200" dirty="0">
-                <a:solidFill>
-                  <a:srgbClr val="00B050"/>
-                </a:solidFill>
-                <a:latin typeface="Courier New" panose="02070309020205020404" pitchFamily="49" charset="0"/>
-                <a:cs typeface="Courier New" panose="02070309020205020404" pitchFamily="49" charset="0"/>
-              </a:rPr>
-              <a:t>'</a:t>
-            </a:r>
-            <a:r>
-              <a:rPr lang="en-US" sz="1200" dirty="0" smtClean="0">
-                <a:latin typeface="Courier New" panose="02070309020205020404" pitchFamily="49" charset="0"/>
-                <a:cs typeface="Courier New" panose="02070309020205020404" pitchFamily="49" charset="0"/>
-              </a:rPr>
-              <a:t>,</a:t>
-            </a:r>
-          </a:p>
-          <a:p>
-            <a:r>
-              <a:rPr lang="en-US" sz="1200" dirty="0">
-                <a:latin typeface="Courier New" panose="02070309020205020404" pitchFamily="49" charset="0"/>
-                <a:cs typeface="Courier New" panose="02070309020205020404" pitchFamily="49" charset="0"/>
-              </a:rPr>
-              <a:t> </a:t>
-            </a:r>
-            <a:r>
-              <a:rPr lang="en-US" sz="1200" dirty="0" smtClean="0">
-                <a:latin typeface="Courier New" panose="02070309020205020404" pitchFamily="49" charset="0"/>
-                <a:cs typeface="Courier New" panose="02070309020205020404" pitchFamily="49" charset="0"/>
-              </a:rPr>
-              <a:t>      </a:t>
-            </a:r>
-            <a:r>
-              <a:rPr lang="en-US" sz="1200" dirty="0" err="1" smtClean="0">
-                <a:solidFill>
-                  <a:srgbClr val="00B050"/>
-                </a:solidFill>
-                <a:latin typeface="Courier New" panose="02070309020205020404" pitchFamily="49" charset="0"/>
-                <a:cs typeface="Courier New" panose="02070309020205020404" pitchFamily="49" charset="0"/>
-              </a:rPr>
-              <a:t>zip_code</a:t>
-            </a:r>
-            <a:r>
-              <a:rPr lang="en-US" sz="1200" dirty="0" smtClean="0">
-                <a:latin typeface="Courier New" panose="02070309020205020404" pitchFamily="49" charset="0"/>
-                <a:cs typeface="Courier New" panose="02070309020205020404" pitchFamily="49" charset="0"/>
-              </a:rPr>
-              <a:t> </a:t>
-            </a:r>
-            <a:r>
-              <a:rPr lang="en-US" sz="1200" dirty="0">
-                <a:latin typeface="Courier New" panose="02070309020205020404" pitchFamily="49" charset="0"/>
-                <a:cs typeface="Courier New" panose="02070309020205020404" pitchFamily="49" charset="0"/>
-              </a:rPr>
-              <a:t>= </a:t>
-            </a:r>
-            <a:r>
-              <a:rPr lang="en-US" sz="1200" dirty="0" smtClean="0">
-                <a:solidFill>
-                  <a:srgbClr val="00B050"/>
-                </a:solidFill>
-                <a:latin typeface="Courier New" panose="02070309020205020404" pitchFamily="49" charset="0"/>
-                <a:cs typeface="Courier New" panose="02070309020205020404" pitchFamily="49" charset="0"/>
-              </a:rPr>
-              <a:t>22800</a:t>
-            </a:r>
             <a:endParaRPr lang="en-US" sz="1200" dirty="0">
               <a:latin typeface="Courier New" panose="02070309020205020404" pitchFamily="49" charset="0"/>
               <a:cs typeface="Courier New" panose="02070309020205020404" pitchFamily="49" charset="0"/>
@@ -14890,184 +14278,17 @@
                 <a:latin typeface="Courier New" panose="02070309020205020404" pitchFamily="49" charset="0"/>
                 <a:cs typeface="Courier New" panose="02070309020205020404" pitchFamily="49" charset="0"/>
               </a:rPr>
-              <a:t> WHERE </a:t>
-            </a:r>
-            <a:r>
-              <a:rPr lang="en-US" sz="1200" dirty="0" err="1" smtClean="0">
+              <a:t>UPDATE </a:t>
+            </a:r>
+            <a:r>
+              <a:rPr lang="en-US" sz="1200" dirty="0">
                 <a:solidFill>
                   <a:srgbClr val="00B050"/>
                 </a:solidFill>
                 <a:latin typeface="Courier New" panose="02070309020205020404" pitchFamily="49" charset="0"/>
                 <a:cs typeface="Courier New" panose="02070309020205020404" pitchFamily="49" charset="0"/>
               </a:rPr>
-              <a:t>user_id</a:t>
-            </a:r>
-            <a:r>
-              <a:rPr lang="en-US" sz="1200" dirty="0" smtClean="0">
-                <a:latin typeface="Courier New" panose="02070309020205020404" pitchFamily="49" charset="0"/>
-                <a:cs typeface="Courier New" panose="02070309020205020404" pitchFamily="49" charset="0"/>
-              </a:rPr>
-              <a:t> </a:t>
-            </a:r>
-            <a:r>
-              <a:rPr lang="en-US" sz="1200" dirty="0">
-                <a:latin typeface="Courier New" panose="02070309020205020404" pitchFamily="49" charset="0"/>
-                <a:cs typeface="Courier New" panose="02070309020205020404" pitchFamily="49" charset="0"/>
-              </a:rPr>
-              <a:t>= </a:t>
-            </a:r>
-            <a:r>
-              <a:rPr lang="en-US" sz="1200" dirty="0" smtClean="0">
-                <a:solidFill>
-                  <a:srgbClr val="00B050"/>
-                </a:solidFill>
-                <a:latin typeface="Courier New" panose="02070309020205020404" pitchFamily="49" charset="0"/>
-                <a:cs typeface="Courier New" panose="02070309020205020404" pitchFamily="49" charset="0"/>
-              </a:rPr>
-              <a:t>1</a:t>
-            </a:r>
-          </a:p>
-          <a:p>
-            <a:r>
-              <a:rPr lang="en-US" sz="1200" dirty="0">
-                <a:solidFill>
-                  <a:srgbClr val="00B050"/>
-                </a:solidFill>
-                <a:latin typeface="Courier New" panose="02070309020205020404" pitchFamily="49" charset="0"/>
-                <a:cs typeface="Courier New" panose="02070309020205020404" pitchFamily="49" charset="0"/>
-              </a:rPr>
-              <a:t> </a:t>
-            </a:r>
-            <a:r>
-              <a:rPr lang="en-US" sz="1200" dirty="0" smtClean="0">
-                <a:solidFill>
-                  <a:srgbClr val="00B050"/>
-                </a:solidFill>
-                <a:latin typeface="Courier New" panose="02070309020205020404" pitchFamily="49" charset="0"/>
-                <a:cs typeface="Courier New" panose="02070309020205020404" pitchFamily="49" charset="0"/>
-              </a:rPr>
-              <a:t>   </a:t>
-            </a:r>
-            <a:r>
-              <a:rPr lang="en-US" sz="1200" dirty="0" smtClean="0">
-                <a:latin typeface="Courier New" panose="02070309020205020404" pitchFamily="49" charset="0"/>
-                <a:cs typeface="Courier New" panose="02070309020205020404" pitchFamily="49" charset="0"/>
-              </a:rPr>
-              <a:t>OR </a:t>
-            </a:r>
-            <a:r>
-              <a:rPr lang="en-US" sz="1200" dirty="0" smtClean="0">
-                <a:solidFill>
-                  <a:srgbClr val="00B050"/>
-                </a:solidFill>
-                <a:latin typeface="Courier New" panose="02070309020205020404" pitchFamily="49" charset="0"/>
-                <a:cs typeface="Courier New" panose="02070309020205020404" pitchFamily="49" charset="0"/>
-              </a:rPr>
-              <a:t>username</a:t>
-            </a:r>
-            <a:r>
-              <a:rPr lang="en-US" sz="1200" dirty="0" smtClean="0">
-                <a:latin typeface="Courier New" panose="02070309020205020404" pitchFamily="49" charset="0"/>
-                <a:cs typeface="Courier New" panose="02070309020205020404" pitchFamily="49" charset="0"/>
-              </a:rPr>
-              <a:t> = </a:t>
-            </a:r>
-            <a:r>
-              <a:rPr lang="en-US" sz="1200" dirty="0" smtClean="0">
-                <a:solidFill>
-                  <a:srgbClr val="00B050"/>
-                </a:solidFill>
-                <a:latin typeface="Courier New" panose="02070309020205020404" pitchFamily="49" charset="0"/>
-                <a:cs typeface="Courier New" panose="02070309020205020404" pitchFamily="49" charset="0"/>
-              </a:rPr>
-              <a:t>'admin</a:t>
-            </a:r>
-            <a:r>
-              <a:rPr lang="en-US" sz="1200" dirty="0">
-                <a:solidFill>
-                  <a:srgbClr val="00B050"/>
-                </a:solidFill>
-                <a:latin typeface="Courier New" panose="02070309020205020404" pitchFamily="49" charset="0"/>
-                <a:cs typeface="Courier New" panose="02070309020205020404" pitchFamily="49" charset="0"/>
-              </a:rPr>
-              <a:t>'</a:t>
-            </a:r>
-            <a:endParaRPr lang="en-US" sz="1200" dirty="0" smtClean="0">
-              <a:solidFill>
-                <a:srgbClr val="00B050"/>
-              </a:solidFill>
-              <a:latin typeface="Courier New" panose="02070309020205020404" pitchFamily="49" charset="0"/>
-              <a:cs typeface="Courier New" panose="02070309020205020404" pitchFamily="49" charset="0"/>
-            </a:endParaRPr>
-          </a:p>
-          <a:p>
-            <a:r>
-              <a:rPr lang="en-US" sz="1200" dirty="0">
-                <a:solidFill>
-                  <a:srgbClr val="00B050"/>
-                </a:solidFill>
-                <a:latin typeface="Courier New" panose="02070309020205020404" pitchFamily="49" charset="0"/>
-                <a:cs typeface="Courier New" panose="02070309020205020404" pitchFamily="49" charset="0"/>
-              </a:rPr>
-              <a:t> </a:t>
-            </a:r>
-            <a:r>
-              <a:rPr lang="en-US" sz="1200" dirty="0" smtClean="0">
-                <a:solidFill>
-                  <a:srgbClr val="00B050"/>
-                </a:solidFill>
-                <a:latin typeface="Courier New" panose="02070309020205020404" pitchFamily="49" charset="0"/>
-                <a:cs typeface="Courier New" panose="02070309020205020404" pitchFamily="49" charset="0"/>
-              </a:rPr>
-              <a:t>  </a:t>
-            </a:r>
-            <a:r>
-              <a:rPr lang="en-US" sz="1200" dirty="0" smtClean="0">
-                <a:latin typeface="Courier New" panose="02070309020205020404" pitchFamily="49" charset="0"/>
-                <a:cs typeface="Courier New" panose="02070309020205020404" pitchFamily="49" charset="0"/>
-              </a:rPr>
-              <a:t>AND </a:t>
-            </a:r>
-            <a:r>
-              <a:rPr lang="en-US" sz="1200" dirty="0" smtClean="0">
-                <a:solidFill>
-                  <a:srgbClr val="00B050"/>
-                </a:solidFill>
-                <a:latin typeface="Courier New" panose="02070309020205020404" pitchFamily="49" charset="0"/>
-                <a:cs typeface="Courier New" panose="02070309020205020404" pitchFamily="49" charset="0"/>
-              </a:rPr>
-              <a:t>enabled</a:t>
-            </a:r>
-            <a:r>
-              <a:rPr lang="en-US" sz="1200" dirty="0" smtClean="0">
-                <a:latin typeface="Courier New" panose="02070309020205020404" pitchFamily="49" charset="0"/>
-                <a:cs typeface="Courier New" panose="02070309020205020404" pitchFamily="49" charset="0"/>
-              </a:rPr>
-              <a:t> </a:t>
-            </a:r>
-            <a:r>
-              <a:rPr lang="en-US" sz="1200" dirty="0">
-                <a:latin typeface="Courier New" panose="02070309020205020404" pitchFamily="49" charset="0"/>
-                <a:cs typeface="Courier New" panose="02070309020205020404" pitchFamily="49" charset="0"/>
-              </a:rPr>
-              <a:t>= </a:t>
-            </a:r>
-            <a:r>
-              <a:rPr lang="en-US" sz="1200" dirty="0" smtClean="0">
-                <a:solidFill>
-                  <a:srgbClr val="00B050"/>
-                </a:solidFill>
-                <a:latin typeface="Courier New" panose="02070309020205020404" pitchFamily="49" charset="0"/>
-                <a:cs typeface="Courier New" panose="02070309020205020404" pitchFamily="49" charset="0"/>
-              </a:rPr>
-              <a:t>1</a:t>
-            </a:r>
-            <a:r>
-              <a:rPr lang="en-US" sz="1200" dirty="0" smtClean="0">
-                <a:latin typeface="Courier New" panose="02070309020205020404" pitchFamily="49" charset="0"/>
-                <a:cs typeface="Courier New" panose="02070309020205020404" pitchFamily="49" charset="0"/>
-              </a:rPr>
-              <a:t>;</a:t>
+              <a:t>USER</a:t>
             </a:r>
             <a:endParaRPr lang="en-US" sz="1200" dirty="0">
               <a:latin typeface="Courier New" panose="02070309020205020404" pitchFamily="49" charset="0"/>
@@ -15075,16 +14296,222 @@
             </a:endParaRPr>
           </a:p>
           <a:p>
+            <a:r>
+              <a:rPr lang="en-US" sz="1200" dirty="0">
+                <a:latin typeface="Courier New" panose="02070309020205020404" pitchFamily="49" charset="0"/>
+                <a:cs typeface="Courier New" panose="02070309020205020404" pitchFamily="49" charset="0"/>
+              </a:rPr>
+              <a:t>   SET </a:t>
+            </a:r>
+            <a:r>
+              <a:rPr lang="en-US" sz="1200" dirty="0">
+                <a:solidFill>
+                  <a:srgbClr val="00B050"/>
+                </a:solidFill>
+                <a:latin typeface="Courier New" panose="02070309020205020404" pitchFamily="49" charset="0"/>
+                <a:cs typeface="Courier New" panose="02070309020205020404" pitchFamily="49" charset="0"/>
+              </a:rPr>
+              <a:t>address</a:t>
+            </a:r>
+            <a:r>
+              <a:rPr lang="en-US" sz="1200" dirty="0">
+                <a:latin typeface="Courier New" panose="02070309020205020404" pitchFamily="49" charset="0"/>
+                <a:cs typeface="Courier New" panose="02070309020205020404" pitchFamily="49" charset="0"/>
+              </a:rPr>
+              <a:t> = </a:t>
+            </a:r>
+            <a:r>
+              <a:rPr lang="en-US" sz="1200" dirty="0">
+                <a:solidFill>
+                  <a:srgbClr val="00B050"/>
+                </a:solidFill>
+                <a:latin typeface="Courier New" panose="02070309020205020404" pitchFamily="49" charset="0"/>
+                <a:cs typeface="Courier New" panose="02070309020205020404" pitchFamily="49" charset="0"/>
+              </a:rPr>
+              <a:t>'Registered User'</a:t>
+            </a:r>
+            <a:r>
+              <a:rPr lang="en-US" sz="1200" dirty="0">
+                <a:latin typeface="Courier New" panose="02070309020205020404" pitchFamily="49" charset="0"/>
+                <a:cs typeface="Courier New" panose="02070309020205020404" pitchFamily="49" charset="0"/>
+              </a:rPr>
+              <a:t>,</a:t>
+            </a:r>
+          </a:p>
+          <a:p>
+            <a:r>
+              <a:rPr lang="en-US" sz="1200" dirty="0">
+                <a:latin typeface="Courier New" panose="02070309020205020404" pitchFamily="49" charset="0"/>
+                <a:cs typeface="Courier New" panose="02070309020205020404" pitchFamily="49" charset="0"/>
+              </a:rPr>
+              <a:t>       </a:t>
+            </a:r>
+            <a:r>
+              <a:rPr lang="en-US" sz="1200" dirty="0" err="1">
+                <a:solidFill>
+                  <a:srgbClr val="00B050"/>
+                </a:solidFill>
+                <a:latin typeface="Courier New" panose="02070309020205020404" pitchFamily="49" charset="0"/>
+                <a:cs typeface="Courier New" panose="02070309020205020404" pitchFamily="49" charset="0"/>
+              </a:rPr>
+              <a:t>zip_code</a:t>
+            </a:r>
+            <a:r>
+              <a:rPr lang="en-US" sz="1200" dirty="0">
+                <a:latin typeface="Courier New" panose="02070309020205020404" pitchFamily="49" charset="0"/>
+                <a:cs typeface="Courier New" panose="02070309020205020404" pitchFamily="49" charset="0"/>
+              </a:rPr>
+              <a:t> = </a:t>
+            </a:r>
+            <a:r>
+              <a:rPr lang="en-US" sz="1200" dirty="0">
+                <a:solidFill>
+                  <a:srgbClr val="00B050"/>
+                </a:solidFill>
+                <a:latin typeface="Courier New" panose="02070309020205020404" pitchFamily="49" charset="0"/>
+                <a:cs typeface="Courier New" panose="02070309020205020404" pitchFamily="49" charset="0"/>
+              </a:rPr>
+              <a:t>22800</a:t>
+            </a:r>
             <a:endParaRPr lang="en-US" sz="1200" dirty="0">
               <a:latin typeface="Courier New" panose="02070309020205020404" pitchFamily="49" charset="0"/>
               <a:cs typeface="Courier New" panose="02070309020205020404" pitchFamily="49" charset="0"/>
             </a:endParaRPr>
           </a:p>
           <a:p>
-            <a:endParaRPr lang="en-US" sz="1200" dirty="0" smtClean="0">
-              <a:latin typeface="Courier New" panose="02070309020205020404" pitchFamily="49" charset="0"/>
-              <a:cs typeface="Courier New" panose="02070309020205020404" pitchFamily="49" charset="0"/>
-            </a:endParaRPr>
+            <a:r>
+              <a:rPr lang="en-US" sz="1200" dirty="0">
+                <a:latin typeface="Courier New" panose="02070309020205020404" pitchFamily="49" charset="0"/>
+                <a:cs typeface="Courier New" panose="02070309020205020404" pitchFamily="49" charset="0"/>
+              </a:rPr>
+              <a:t> WHERE </a:t>
+            </a:r>
+            <a:r>
+              <a:rPr lang="en-US" sz="1200" dirty="0" err="1">
+                <a:solidFill>
+                  <a:srgbClr val="00B050"/>
+                </a:solidFill>
+                <a:latin typeface="Courier New" panose="02070309020205020404" pitchFamily="49" charset="0"/>
+                <a:cs typeface="Courier New" panose="02070309020205020404" pitchFamily="49" charset="0"/>
+              </a:rPr>
+              <a:t>user_id</a:t>
+            </a:r>
+            <a:r>
+              <a:rPr lang="en-US" sz="1200" dirty="0">
+                <a:latin typeface="Courier New" panose="02070309020205020404" pitchFamily="49" charset="0"/>
+                <a:cs typeface="Courier New" panose="02070309020205020404" pitchFamily="49" charset="0"/>
+              </a:rPr>
+              <a:t> = </a:t>
+            </a:r>
+            <a:r>
+              <a:rPr lang="en-US" sz="1200" dirty="0">
+                <a:solidFill>
+                  <a:srgbClr val="00B050"/>
+                </a:solidFill>
+                <a:latin typeface="Courier New" panose="02070309020205020404" pitchFamily="49" charset="0"/>
+                <a:cs typeface="Courier New" panose="02070309020205020404" pitchFamily="49" charset="0"/>
+              </a:rPr>
+              <a:t>1</a:t>
+            </a:r>
+          </a:p>
+          <a:p>
+            <a:r>
+              <a:rPr lang="en-US" sz="1200" dirty="0">
+                <a:solidFill>
+                  <a:srgbClr val="00B050"/>
+                </a:solidFill>
+                <a:latin typeface="Courier New" panose="02070309020205020404" pitchFamily="49" charset="0"/>
+                <a:cs typeface="Courier New" panose="02070309020205020404" pitchFamily="49" charset="0"/>
+              </a:rPr>
+              <a:t>    </a:t>
+            </a:r>
+            <a:r>
+              <a:rPr lang="en-US" sz="1200" dirty="0">
+                <a:latin typeface="Courier New" panose="02070309020205020404" pitchFamily="49" charset="0"/>
+                <a:cs typeface="Courier New" panose="02070309020205020404" pitchFamily="49" charset="0"/>
+              </a:rPr>
+              <a:t>OR </a:t>
+            </a:r>
+            <a:r>
+              <a:rPr lang="en-US" sz="1200" dirty="0">
+                <a:solidFill>
+                  <a:srgbClr val="00B050"/>
+                </a:solidFill>
+                <a:latin typeface="Courier New" panose="02070309020205020404" pitchFamily="49" charset="0"/>
+                <a:cs typeface="Courier New" panose="02070309020205020404" pitchFamily="49" charset="0"/>
+              </a:rPr>
+              <a:t>username</a:t>
+            </a:r>
+            <a:r>
+              <a:rPr lang="en-US" sz="1200" dirty="0">
+                <a:latin typeface="Courier New" panose="02070309020205020404" pitchFamily="49" charset="0"/>
+                <a:cs typeface="Courier New" panose="02070309020205020404" pitchFamily="49" charset="0"/>
+              </a:rPr>
+              <a:t> = </a:t>
+            </a:r>
+            <a:r>
+              <a:rPr lang="en-US" sz="1200" dirty="0">
+                <a:solidFill>
+                  <a:srgbClr val="00B050"/>
+                </a:solidFill>
+                <a:latin typeface="Courier New" panose="02070309020205020404" pitchFamily="49" charset="0"/>
+                <a:cs typeface="Courier New" panose="02070309020205020404" pitchFamily="49" charset="0"/>
+              </a:rPr>
+              <a:t>'admin'</a:t>
+            </a:r>
+          </a:p>
+          <a:p>
+            <a:r>
+              <a:rPr lang="en-US" sz="1200" dirty="0">
+                <a:solidFill>
+                  <a:srgbClr val="00B050"/>
+                </a:solidFill>
+                <a:latin typeface="Courier New" panose="02070309020205020404" pitchFamily="49" charset="0"/>
+                <a:cs typeface="Courier New" panose="02070309020205020404" pitchFamily="49" charset="0"/>
+              </a:rPr>
+              <a:t>   </a:t>
+            </a:r>
+            <a:r>
+              <a:rPr lang="en-US" sz="1200" dirty="0">
+                <a:latin typeface="Courier New" panose="02070309020205020404" pitchFamily="49" charset="0"/>
+                <a:cs typeface="Courier New" panose="02070309020205020404" pitchFamily="49" charset="0"/>
+              </a:rPr>
+              <a:t>AND </a:t>
+            </a:r>
+            <a:r>
+              <a:rPr lang="en-US" sz="1200" dirty="0">
+                <a:solidFill>
+                  <a:srgbClr val="00B050"/>
+                </a:solidFill>
+                <a:latin typeface="Courier New" panose="02070309020205020404" pitchFamily="49" charset="0"/>
+                <a:cs typeface="Courier New" panose="02070309020205020404" pitchFamily="49" charset="0"/>
+              </a:rPr>
+              <a:t>enabled</a:t>
+            </a:r>
+            <a:r>
+              <a:rPr lang="en-US" sz="1200" dirty="0">
+                <a:latin typeface="Courier New" panose="02070309020205020404" pitchFamily="49" charset="0"/>
+                <a:cs typeface="Courier New" panose="02070309020205020404" pitchFamily="49" charset="0"/>
+              </a:rPr>
+              <a:t> = </a:t>
+            </a:r>
+            <a:r>
+              <a:rPr lang="en-US" sz="1200" dirty="0">
+                <a:solidFill>
+                  <a:srgbClr val="00B050"/>
+                </a:solidFill>
+                <a:latin typeface="Courier New" panose="02070309020205020404" pitchFamily="49" charset="0"/>
+                <a:cs typeface="Courier New" panose="02070309020205020404" pitchFamily="49" charset="0"/>
+              </a:rPr>
+              <a:t>1</a:t>
+            </a:r>
+            <a:r>
+              <a:rPr lang="en-US" sz="1200" dirty="0">
+                <a:latin typeface="Courier New" panose="02070309020205020404" pitchFamily="49" charset="0"/>
+                <a:cs typeface="Courier New" panose="02070309020205020404" pitchFamily="49" charset="0"/>
+              </a:rPr>
+              <a:t>;</a:t>
+            </a:r>
           </a:p>
           <a:p>
             <a:endParaRPr lang="en-US" sz="1200" dirty="0">
@@ -15093,8 +14520,20 @@
             </a:endParaRPr>
           </a:p>
           <a:p>
-            <a:r>
-              <a:rPr lang="en-US" sz="1200" dirty="0" smtClean="0">
+            <a:endParaRPr lang="en-US" sz="1200" dirty="0">
+              <a:latin typeface="Courier New" panose="02070309020205020404" pitchFamily="49" charset="0"/>
+              <a:cs typeface="Courier New" panose="02070309020205020404" pitchFamily="49" charset="0"/>
+            </a:endParaRPr>
+          </a:p>
+          <a:p>
+            <a:endParaRPr lang="en-US" sz="1200" dirty="0">
+              <a:latin typeface="Courier New" panose="02070309020205020404" pitchFamily="49" charset="0"/>
+              <a:cs typeface="Courier New" panose="02070309020205020404" pitchFamily="49" charset="0"/>
+            </a:endParaRPr>
+          </a:p>
+          <a:p>
+            <a:r>
+              <a:rPr lang="en-US" sz="1200" dirty="0">
                 <a:latin typeface="Courier New" panose="02070309020205020404" pitchFamily="49" charset="0"/>
                 <a:cs typeface="Courier New" panose="02070309020205020404" pitchFamily="49" charset="0"/>
               </a:rPr>
@@ -15107,14 +14546,7 @@
                 <a:latin typeface="Courier New" panose="02070309020205020404" pitchFamily="49" charset="0"/>
                 <a:cs typeface="Courier New" panose="02070309020205020404" pitchFamily="49" charset="0"/>
               </a:rPr>
-              <a:t> </a:t>
-            </a:r>
-            <a:r>
-              <a:rPr lang="en-US" sz="1200" dirty="0" smtClean="0">
-                <a:latin typeface="Courier New" panose="02070309020205020404" pitchFamily="49" charset="0"/>
-                <a:cs typeface="Courier New" panose="02070309020205020404" pitchFamily="49" charset="0"/>
-              </a:rPr>
-              <a:t>WHERE </a:t>
+              <a:t> WHERE </a:t>
             </a:r>
             <a:r>
               <a:rPr lang="en-US" sz="1200" dirty="0" err="1">
@@ -15134,7 +14566,7 @@
               <a:t> = </a:t>
             </a:r>
             <a:r>
-              <a:rPr lang="en-US" sz="1200" dirty="0" smtClean="0">
+              <a:rPr lang="en-US" sz="1200" dirty="0">
                 <a:solidFill>
                   <a:srgbClr val="00B050"/>
                 </a:solidFill>
@@ -15144,7 +14576,7 @@
               <a:t>‘USR'</a:t>
             </a:r>
             <a:r>
-              <a:rPr lang="en-US" sz="1200" dirty="0" smtClean="0">
+              <a:rPr lang="en-US" sz="1200" dirty="0">
                 <a:latin typeface="Courier New" panose="02070309020205020404" pitchFamily="49" charset="0"/>
                 <a:cs typeface="Courier New" panose="02070309020205020404" pitchFamily="49" charset="0"/>
               </a:rPr>
@@ -15180,28 +14612,21 @@
           </a:bodyPr>
           <a:lstStyle/>
           <a:p>
-            <a:endParaRPr lang="en-US" sz="1200" dirty="0" smtClean="0">
+            <a:endParaRPr lang="en-US" sz="1200" dirty="0">
               <a:latin typeface="Courier New" panose="02070309020205020404" pitchFamily="49" charset="0"/>
               <a:cs typeface="Courier New" panose="02070309020205020404" pitchFamily="49" charset="0"/>
             </a:endParaRPr>
           </a:p>
           <a:p>
             <a:r>
-              <a:rPr lang="en-US" sz="1200" dirty="0" smtClean="0">
-                <a:latin typeface="Courier New" panose="02070309020205020404" pitchFamily="49" charset="0"/>
-                <a:cs typeface="Courier New" panose="02070309020205020404" pitchFamily="49" charset="0"/>
-              </a:rPr>
-              <a:t>DELETE FROM</a:t>
-            </a:r>
-            <a:r>
               <a:rPr lang="en-US" sz="1200" dirty="0">
                 <a:latin typeface="Courier New" panose="02070309020205020404" pitchFamily="49" charset="0"/>
                 <a:cs typeface="Courier New" panose="02070309020205020404" pitchFamily="49" charset="0"/>
               </a:rPr>
-              <a:t> </a:t>
-            </a:r>
-            <a:r>
-              <a:rPr lang="es-419" sz="1200" i="1" dirty="0" err="1" smtClean="0">
+              <a:t>DELETE FROM </a:t>
+            </a:r>
+            <a:r>
+              <a:rPr lang="es-419" sz="1200" i="1" dirty="0" err="1">
                 <a:solidFill>
                   <a:srgbClr val="00B050"/>
                 </a:solidFill>
@@ -15211,7 +14636,7 @@
               <a:t>TableName</a:t>
             </a:r>
             <a:r>
-              <a:rPr lang="es-419" sz="1200" dirty="0" smtClean="0">
+              <a:rPr lang="es-419" sz="1200" dirty="0">
                 <a:latin typeface="Courier New" panose="02070309020205020404" pitchFamily="49" charset="0"/>
                 <a:cs typeface="Courier New" panose="02070309020205020404" pitchFamily="49" charset="0"/>
               </a:rPr>
@@ -15220,21 +14645,21 @@
           </a:p>
           <a:p>
             <a:r>
-              <a:rPr lang="en-US" sz="1200" dirty="0" smtClean="0">
+              <a:rPr lang="en-US" sz="1200" dirty="0">
                 <a:latin typeface="Courier New" panose="02070309020205020404" pitchFamily="49" charset="0"/>
                 <a:cs typeface="Courier New" panose="02070309020205020404" pitchFamily="49" charset="0"/>
               </a:rPr>
               <a:t> </a:t>
             </a:r>
             <a:r>
-              <a:rPr lang="en-US" sz="1200" b="1" dirty="0" smtClean="0">
+              <a:rPr lang="en-US" sz="1200" b="1" dirty="0">
                 <a:latin typeface="Courier New" panose="02070309020205020404" pitchFamily="49" charset="0"/>
                 <a:cs typeface="Courier New" panose="02070309020205020404" pitchFamily="49" charset="0"/>
               </a:rPr>
               <a:t>WHERE </a:t>
             </a:r>
             <a:r>
-              <a:rPr lang="en-US" sz="1200" b="1" i="1" dirty="0" err="1" smtClean="0">
+              <a:rPr lang="en-US" sz="1200" b="1" i="1" dirty="0" err="1">
                 <a:solidFill>
                   <a:srgbClr val="00B050"/>
                 </a:solidFill>
@@ -15244,14 +14669,14 @@
               <a:t>column_nameN</a:t>
             </a:r>
             <a:r>
-              <a:rPr lang="en-US" sz="1200" b="1" i="1" dirty="0" smtClean="0">
+              <a:rPr lang="en-US" sz="1200" b="1" i="1" dirty="0">
                 <a:latin typeface="Courier New" panose="02070309020205020404" pitchFamily="49" charset="0"/>
                 <a:cs typeface="Courier New" panose="02070309020205020404" pitchFamily="49" charset="0"/>
               </a:rPr>
               <a:t> = </a:t>
             </a:r>
             <a:r>
-              <a:rPr lang="en-US" sz="1200" b="1" i="1" dirty="0" err="1" smtClean="0">
+              <a:rPr lang="en-US" sz="1200" b="1" i="1" dirty="0" err="1">
                 <a:solidFill>
                   <a:srgbClr val="00B050"/>
                 </a:solidFill>
@@ -15261,7 +14686,7 @@
               <a:t>valueN</a:t>
             </a:r>
             <a:r>
-              <a:rPr lang="en-US" sz="1200" dirty="0" smtClean="0">
+              <a:rPr lang="en-US" sz="1200" dirty="0">
                 <a:latin typeface="Courier New" panose="02070309020205020404" pitchFamily="49" charset="0"/>
                 <a:cs typeface="Courier New" panose="02070309020205020404" pitchFamily="49" charset="0"/>
               </a:rPr>
@@ -15311,54 +14736,53 @@
           <a:p>
             <a:pPr algn="ctr"/>
             <a:r>
-              <a:rPr lang="es-MX" sz="1600" dirty="0" err="1" smtClean="0"/>
+              <a:rPr lang="es-MX" sz="1600" dirty="0" err="1"/>
               <a:t>Make</a:t>
             </a:r>
             <a:r>
-              <a:rPr lang="es-MX" sz="1600" dirty="0" smtClean="0"/>
+              <a:rPr lang="es-MX" sz="1600" dirty="0"/>
               <a:t> </a:t>
             </a:r>
             <a:r>
-              <a:rPr lang="es-MX" sz="1600" dirty="0" err="1" smtClean="0"/>
+              <a:rPr lang="es-MX" sz="1600" dirty="0" err="1"/>
               <a:t>sure</a:t>
             </a:r>
             <a:r>
-              <a:rPr lang="es-MX" sz="1600" dirty="0" smtClean="0"/>
+              <a:rPr lang="es-MX" sz="1600" dirty="0"/>
               <a:t> </a:t>
             </a:r>
             <a:r>
-              <a:rPr lang="es-MX" sz="1600" dirty="0" err="1" smtClean="0"/>
+              <a:rPr lang="es-MX" sz="1600" dirty="0" err="1"/>
               <a:t>not</a:t>
             </a:r>
             <a:r>
-              <a:rPr lang="es-MX" sz="1600" dirty="0" smtClean="0"/>
+              <a:rPr lang="es-MX" sz="1600" dirty="0"/>
               <a:t> to </a:t>
             </a:r>
             <a:r>
-              <a:rPr lang="es-MX" sz="1600" dirty="0" err="1" smtClean="0"/>
+              <a:rPr lang="es-MX" sz="1600" dirty="0" err="1"/>
               <a:t>forget</a:t>
             </a:r>
             <a:r>
-              <a:rPr lang="es-MX" sz="1600" dirty="0" smtClean="0"/>
+              <a:rPr lang="es-MX" sz="1600" dirty="0"/>
               <a:t> </a:t>
             </a:r>
             <a:r>
-              <a:rPr lang="es-MX" sz="1600" dirty="0" err="1" smtClean="0"/>
+              <a:rPr lang="es-MX" sz="1600" dirty="0" err="1"/>
               <a:t>the</a:t>
             </a:r>
             <a:r>
-              <a:rPr lang="es-MX" sz="1600" dirty="0" smtClean="0"/>
+              <a:rPr lang="es-MX" sz="1600" dirty="0"/>
               <a:t> WHERE </a:t>
             </a:r>
             <a:r>
-              <a:rPr lang="es-MX" sz="1600" dirty="0" err="1" smtClean="0"/>
+              <a:rPr lang="es-MX" sz="1600" dirty="0" err="1"/>
               <a:t>clause</a:t>
             </a:r>
             <a:r>
-              <a:rPr lang="es-MX" sz="1600" dirty="0" smtClean="0"/>
+              <a:rPr lang="es-MX" sz="1600" dirty="0"/>
               <a:t>.</a:t>
             </a:r>
-            <a:endParaRPr lang="es-MX" sz="1600" dirty="0"/>
           </a:p>
         </p:txBody>
       </p:sp>
@@ -15372,13 +14796,6 @@
   <p:clrMapOvr>
     <a:masterClrMapping/>
   </p:clrMapOvr>
-  <p:timing>
-    <p:tnLst>
-      <p:par>
-        <p:cTn id="1" dur="indefinite" restart="never" nodeType="tmRoot"/>
-      </p:par>
-    </p:tnLst>
-  </p:timing>
 </p:sld>
 </file>
 
@@ -15409,13 +14826,6 @@
   <p:clrMapOvr>
     <a:masterClrMapping/>
   </p:clrMapOvr>
-  <p:timing>
-    <p:tnLst>
-      <p:par>
-        <p:cTn id="1" dur="indefinite" restart="never" nodeType="tmRoot"/>
-      </p:par>
-    </p:tnLst>
-  </p:timing>
 </p:sld>
 </file>
 
@@ -15457,10 +14867,9 @@
           <a:lstStyle/>
           <a:p>
             <a:r>
-              <a:rPr lang="en-US" sz="2400" dirty="0" smtClean="0"/>
+              <a:rPr lang="en-US" sz="2400" dirty="0"/>
               <a:t>Exercise 1:</a:t>
             </a:r>
-            <a:endParaRPr lang="en-US" sz="2400" dirty="0"/>
           </a:p>
         </p:txBody>
       </p:sp>
@@ -15516,15 +14925,15 @@
           <a:lstStyle/>
           <a:p>
             <a:r>
-              <a:rPr lang="es-MX" sz="1200" dirty="0" err="1" smtClean="0"/>
+              <a:rPr lang="es-MX" sz="1200" dirty="0" err="1"/>
               <a:t>Create</a:t>
             </a:r>
             <a:r>
-              <a:rPr lang="es-MX" sz="1200" dirty="0" smtClean="0"/>
+              <a:rPr lang="es-MX" sz="1200" dirty="0"/>
               <a:t> and </a:t>
             </a:r>
             <a:r>
-              <a:rPr lang="es-MX" sz="1200" dirty="0" err="1" smtClean="0"/>
+              <a:rPr lang="es-MX" sz="1200" dirty="0" err="1"/>
               <a:t>populate</a:t>
             </a:r>
             <a:r>
@@ -15548,48 +14957,48 @@
               <a:t> </a:t>
             </a:r>
             <a:r>
-              <a:rPr lang="es-MX" sz="1200" dirty="0" err="1" smtClean="0"/>
+              <a:rPr lang="es-MX" sz="1200" dirty="0" err="1"/>
               <a:t>MySQL</a:t>
             </a:r>
             <a:r>
-              <a:rPr lang="es-MX" sz="1200" dirty="0" smtClean="0"/>
+              <a:rPr lang="es-MX" sz="1200" dirty="0"/>
               <a:t> </a:t>
             </a:r>
             <a:r>
-              <a:rPr lang="es-MX" sz="1200" dirty="0" err="1" smtClean="0"/>
+              <a:rPr lang="es-MX" sz="1200" dirty="0" err="1"/>
               <a:t>Physical</a:t>
             </a:r>
             <a:r>
-              <a:rPr lang="es-MX" sz="1200" dirty="0" smtClean="0"/>
+              <a:rPr lang="es-MX" sz="1200" dirty="0"/>
               <a:t> Data </a:t>
             </a:r>
             <a:r>
-              <a:rPr lang="es-MX" sz="1200" dirty="0" err="1" smtClean="0"/>
+              <a:rPr lang="es-MX" sz="1200" dirty="0" err="1"/>
               <a:t>Model</a:t>
             </a:r>
             <a:r>
-              <a:rPr lang="es-MX" sz="1200" dirty="0" smtClean="0"/>
+              <a:rPr lang="es-MX" sz="1200" dirty="0"/>
               <a:t>. </a:t>
             </a:r>
             <a:r>
-              <a:rPr lang="es-MX" sz="1200" dirty="0" err="1" smtClean="0"/>
+              <a:rPr lang="es-MX" sz="1200" dirty="0" err="1"/>
               <a:t>Auxiliary</a:t>
             </a:r>
             <a:r>
-              <a:rPr lang="es-MX" sz="1200" dirty="0" smtClean="0"/>
+              <a:rPr lang="es-MX" sz="1200" dirty="0"/>
               <a:t> </a:t>
             </a:r>
             <a:r>
-              <a:rPr lang="es-MX" sz="1200" dirty="0" err="1" smtClean="0"/>
+              <a:rPr lang="es-MX" sz="1200" dirty="0" err="1"/>
               <a:t>repository</a:t>
             </a:r>
             <a:r>
-              <a:rPr lang="es-MX" sz="1200" dirty="0" smtClean="0"/>
+              <a:rPr lang="es-MX" sz="1200" dirty="0"/>
               <a:t> files:</a:t>
             </a:r>
           </a:p>
           <a:p>
-            <a:endParaRPr lang="es-MX" sz="1200" dirty="0" smtClean="0"/>
+            <a:endParaRPr lang="es-MX" sz="1200" dirty="0"/>
           </a:p>
           <a:p>
             <a:pPr marL="171450" indent="-171450">
@@ -15597,7 +15006,7 @@
               <a:buChar char="•"/>
             </a:pPr>
             <a:r>
-              <a:rPr lang="es-MX" sz="1100" dirty="0" err="1" smtClean="0">
+              <a:rPr lang="es-MX" sz="1100" dirty="0" err="1">
                 <a:solidFill>
                   <a:srgbClr val="00B050"/>
                 </a:solidFill>
@@ -15605,7 +15014,7 @@
               <a:t>JavaAcademy</a:t>
             </a:r>
             <a:r>
-              <a:rPr lang="es-MX" sz="1100" dirty="0" smtClean="0">
+              <a:rPr lang="es-MX" sz="1100" dirty="0">
                 <a:solidFill>
                   <a:srgbClr val="00B050"/>
                 </a:solidFill>
@@ -15613,7 +15022,7 @@
               <a:t>/SQL/</a:t>
             </a:r>
             <a:r>
-              <a:rPr lang="es-MX" sz="1100" dirty="0" err="1" smtClean="0">
+              <a:rPr lang="es-MX" sz="1100" dirty="0" err="1">
                 <a:solidFill>
                   <a:srgbClr val="00B050"/>
                 </a:solidFill>
@@ -15621,7 +15030,7 @@
               <a:t>Execises</a:t>
             </a:r>
             <a:r>
-              <a:rPr lang="es-MX" sz="1100" dirty="0" smtClean="0">
+              <a:rPr lang="es-MX" sz="1100" dirty="0">
                 <a:solidFill>
                   <a:srgbClr val="00B050"/>
                 </a:solidFill>
@@ -15634,15 +15043,7 @@
                   <a:srgbClr val="00B050"/>
                 </a:solidFill>
               </a:rPr>
-              <a:t>SQL [1] Exercise - ecomDB </a:t>
-            </a:r>
-            <a:r>
-              <a:rPr lang="pt-BR" sz="1100" dirty="0" smtClean="0">
-                <a:solidFill>
-                  <a:srgbClr val="00B050"/>
-                </a:solidFill>
-              </a:rPr>
-              <a:t>schema.sql</a:t>
+              <a:t>SQL [1] Exercise - ecomDB schema.sql</a:t>
             </a:r>
           </a:p>
           <a:p>
@@ -15688,27 +15089,14 @@
                   <a:srgbClr val="00B050"/>
                 </a:solidFill>
               </a:rPr>
-              <a:t>SQL [1] Exercise - ecomDB </a:t>
-            </a:r>
-            <a:r>
-              <a:rPr lang="pt-BR" sz="1100" dirty="0" smtClean="0">
-                <a:solidFill>
-                  <a:srgbClr val="00B050"/>
-                </a:solidFill>
-              </a:rPr>
-              <a:t>data.sql</a:t>
-            </a:r>
-            <a:endParaRPr lang="pt-BR" sz="1100" dirty="0">
-              <a:solidFill>
-                <a:srgbClr val="00B050"/>
-              </a:solidFill>
-            </a:endParaRPr>
+              <a:t>SQL [1] Exercise - ecomDB data.sql</a:t>
+            </a:r>
           </a:p>
         </p:txBody>
       </p:sp>
       <p:pic>
         <p:nvPicPr>
-          <p:cNvPr id="6" name="Content Placeholder 5"/>
+          <p:cNvPr id="10" name="Content Placeholder 9"/>
           <p:cNvPicPr>
             <a:picLocks noGrp="1" noChangeAspect="1"/>
           </p:cNvPicPr>
@@ -15730,9 +15118,12 @@
         </p:blipFill>
         <p:spPr>
           <a:xfrm>
-            <a:off x="605638" y="1539321"/>
-            <a:ext cx="7921612" cy="4914015"/>
-          </a:xfrm>
+            <a:off x="195788" y="1523481"/>
+            <a:ext cx="8639494" cy="4857846"/>
+          </a:xfrm>
+          <a:prstGeom prst="rect">
+            <a:avLst/>
+          </a:prstGeom>
           <a:ln>
             <a:solidFill>
               <a:srgbClr val="3F358B"/>
@@ -15750,13 +15141,6 @@
   <p:clrMapOvr>
     <a:masterClrMapping/>
   </p:clrMapOvr>
-  <p:timing>
-    <p:tnLst>
-      <p:par>
-        <p:cTn id="1" dur="indefinite" restart="never" nodeType="tmRoot"/>
-      </p:par>
-    </p:tnLst>
-  </p:timing>
 </p:sld>
 </file>
 
@@ -15889,13 +15273,6 @@
   <p:clrMapOvr>
     <a:masterClrMapping/>
   </p:clrMapOvr>
-  <p:timing>
-    <p:tnLst>
-      <p:par>
-        <p:cTn id="1" dur="indefinite" restart="never" nodeType="tmRoot"/>
-      </p:par>
-    </p:tnLst>
-  </p:timing>
 </p:sld>
 </file>
 
@@ -16083,7 +15460,7 @@
             <a:lstStyle/>
             <a:p>
               <a:r>
-                <a:rPr lang="es-419" dirty="0" err="1" smtClean="0">
+                <a:rPr lang="es-419" dirty="0" err="1">
                   <a:solidFill>
                     <a:srgbClr val="3F358B"/>
                   </a:solidFill>
@@ -16160,7 +15537,7 @@
             <a:lstStyle/>
             <a:p>
               <a:r>
-                <a:rPr lang="es-419" dirty="0" err="1" smtClean="0">
+                <a:rPr lang="es-419" dirty="0" err="1">
                   <a:solidFill>
                     <a:srgbClr val="3F358B"/>
                   </a:solidFill>
@@ -16198,7 +15575,7 @@
             <a:lstStyle/>
             <a:p>
               <a:r>
-                <a:rPr lang="es-419" dirty="0" smtClean="0">
+                <a:rPr lang="es-419" dirty="0">
                   <a:solidFill>
                     <a:srgbClr val="3F358B"/>
                   </a:solidFill>
@@ -16317,7 +15694,7 @@
             <a:lstStyle/>
             <a:p>
               <a:r>
-                <a:rPr lang="es-419" u="sng" dirty="0" smtClean="0">
+                <a:rPr lang="es-419" u="sng" dirty="0">
                   <a:solidFill>
                     <a:schemeClr val="accent2"/>
                   </a:solidFill>
@@ -16325,7 +15702,7 @@
                 <a:t>TABLE: </a:t>
               </a:r>
               <a:r>
-                <a:rPr lang="es-419" u="sng" dirty="0" err="1" smtClean="0">
+                <a:rPr lang="es-419" u="sng" dirty="0" err="1">
                   <a:solidFill>
                     <a:schemeClr val="accent2"/>
                   </a:solidFill>
@@ -16407,7 +15784,7 @@
             <a:lstStyle/>
             <a:p>
               <a:r>
-                <a:rPr lang="es-419" u="sng" dirty="0" smtClean="0">
+                <a:rPr lang="es-419" u="sng" dirty="0">
                   <a:solidFill>
                     <a:schemeClr val="accent2"/>
                   </a:solidFill>
@@ -16415,7 +15792,7 @@
                 <a:t>TABLE: </a:t>
               </a:r>
               <a:r>
-                <a:rPr lang="es-419" u="sng" dirty="0" err="1" smtClean="0">
+                <a:rPr lang="es-419" u="sng" dirty="0" err="1">
                   <a:solidFill>
                     <a:schemeClr val="accent2"/>
                   </a:solidFill>
@@ -16497,7 +15874,7 @@
             <a:lstStyle/>
             <a:p>
               <a:r>
-                <a:rPr lang="es-419" u="sng" dirty="0" smtClean="0">
+                <a:rPr lang="es-419" u="sng" dirty="0">
                   <a:solidFill>
                     <a:schemeClr val="accent2"/>
                   </a:solidFill>
@@ -16505,7 +15882,7 @@
                 <a:t>TABLE: </a:t>
               </a:r>
               <a:r>
-                <a:rPr lang="es-419" u="sng" dirty="0" err="1" smtClean="0">
+                <a:rPr lang="es-419" u="sng" dirty="0" err="1">
                   <a:solidFill>
                     <a:schemeClr val="accent2"/>
                   </a:solidFill>
@@ -16680,7 +16057,7 @@
           <a:p>
             <a:pPr algn="l"/>
             <a:r>
-              <a:rPr lang="es-419" sz="2400" dirty="0" smtClean="0">
+              <a:rPr lang="es-419" sz="2400" dirty="0">
                 <a:latin typeface="+mj-lt"/>
               </a:rPr>
               <a:t>D a t a    B a s e</a:t>
@@ -16740,13 +16117,6 @@
   <p:clrMapOvr>
     <a:masterClrMapping/>
   </p:clrMapOvr>
-  <p:timing>
-    <p:tnLst>
-      <p:par>
-        <p:cTn id="1" dur="indefinite" restart="never" nodeType="tmRoot"/>
-      </p:par>
-    </p:tnLst>
-  </p:timing>
 </p:sld>
 </file>
 
@@ -16868,13 +16238,6 @@
   <p:clrMapOvr>
     <a:masterClrMapping/>
   </p:clrMapOvr>
-  <p:timing>
-    <p:tnLst>
-      <p:par>
-        <p:cTn id="1" dur="indefinite" restart="never" nodeType="tmRoot"/>
-      </p:par>
-    </p:tnLst>
-  </p:timing>
 </p:sld>
 </file>
 
@@ -16917,18 +16280,14 @@
           <a:p>
             <a:r>
               <a:rPr lang="en-US" sz="2400" dirty="0"/>
-              <a:t>Table, Column, </a:t>
-            </a:r>
-            <a:r>
-              <a:rPr lang="en-US" sz="2400" dirty="0" smtClean="0"/>
-              <a:t>Key</a:t>
-            </a:r>
-            <a:r>
-              <a:rPr lang="es-419" sz="2400" dirty="0" smtClean="0"/>
+              <a:t>Table, Column, Key</a:t>
+            </a:r>
+            <a:r>
+              <a:rPr lang="es-419" sz="2400" dirty="0"/>
               <a:t> and</a:t>
             </a:r>
             <a:r>
-              <a:rPr lang="en-US" sz="2400" dirty="0" smtClean="0"/>
+              <a:rPr lang="en-US" sz="2400" dirty="0"/>
               <a:t> Foreign Key</a:t>
             </a:r>
             <a:endParaRPr lang="es-MX" sz="2400" dirty="0"/>
@@ -17003,13 +16362,6 @@
   <p:clrMapOvr>
     <a:masterClrMapping/>
   </p:clrMapOvr>
-  <p:timing>
-    <p:tnLst>
-      <p:par>
-        <p:cTn id="1" dur="indefinite" restart="never" nodeType="tmRoot"/>
-      </p:par>
-    </p:tnLst>
-  </p:timing>
 </p:sld>
 </file>
 
@@ -17051,20 +16403,16 @@
           <a:lstStyle/>
           <a:p>
             <a:r>
+              <a:rPr lang="es-MX" sz="2400" dirty="0" err="1"/>
+              <a:t>Composite</a:t>
+            </a:r>
+            <a:r>
+              <a:rPr lang="es-MX" sz="2400" dirty="0"/>
+              <a:t> Key </a:t>
+            </a:r>
+            <a:r>
               <a:rPr lang="es-419" sz="2400" dirty="0"/>
-              <a:t>Indexes </a:t>
-            </a:r>
-            <a:r>
-              <a:rPr lang="es-419" sz="2400" dirty="0" smtClean="0"/>
-              <a:t>and </a:t>
-            </a:r>
-            <a:r>
-              <a:rPr lang="es-MX" sz="2400" dirty="0" err="1" smtClean="0"/>
-              <a:t>Composite</a:t>
-            </a:r>
-            <a:r>
-              <a:rPr lang="es-MX" sz="2400" dirty="0" smtClean="0"/>
-              <a:t> Key</a:t>
+              <a:t>and Indexes</a:t>
             </a:r>
             <a:endParaRPr lang="es-MX" sz="2400" dirty="0"/>
           </a:p>
@@ -17138,13 +16486,6 @@
   <p:clrMapOvr>
     <a:masterClrMapping/>
   </p:clrMapOvr>
-  <p:timing>
-    <p:tnLst>
-      <p:par>
-        <p:cTn id="1" dur="indefinite" restart="never" nodeType="tmRoot"/>
-      </p:par>
-    </p:tnLst>
-  </p:timing>
 </p:sld>
 </file>
 
@@ -17186,7 +16527,7 @@
           <a:lstStyle/>
           <a:p>
             <a:r>
-              <a:rPr lang="es-MX" sz="2400" dirty="0" err="1" smtClean="0"/>
+              <a:rPr lang="es-MX" sz="2400" dirty="0" err="1"/>
               <a:t>Relationships</a:t>
             </a:r>
             <a:endParaRPr lang="es-MX" sz="2400" dirty="0"/>
@@ -17261,7 +16602,7 @@
               <a:t> to </a:t>
             </a:r>
             <a:r>
-              <a:rPr lang="es-MX" sz="1600" dirty="0" err="1" smtClean="0">
+              <a:rPr lang="es-MX" sz="1600" dirty="0" err="1">
                 <a:solidFill>
                   <a:srgbClr val="00B050"/>
                 </a:solidFill>
@@ -17269,7 +16610,7 @@
               <a:t>Ma</a:t>
             </a:r>
             <a:r>
-              <a:rPr lang="es-419" sz="1600" dirty="0" err="1" smtClean="0">
+              <a:rPr lang="es-419" sz="1600" dirty="0" err="1">
                 <a:solidFill>
                   <a:srgbClr val="00B050"/>
                 </a:solidFill>
@@ -17277,11 +16618,11 @@
               <a:t>ny</a:t>
             </a:r>
             <a:r>
-              <a:rPr lang="es-419" sz="1600" dirty="0" smtClean="0"/>
+              <a:rPr lang="es-419" sz="1600" dirty="0"/>
               <a:t>, </a:t>
             </a:r>
             <a:r>
-              <a:rPr lang="es-MX" sz="1600" dirty="0" err="1" smtClean="0">
+              <a:rPr lang="es-MX" sz="1600" dirty="0" err="1">
                 <a:solidFill>
                   <a:srgbClr val="FF0000"/>
                 </a:solidFill>
@@ -17289,7 +16630,7 @@
               <a:t>One</a:t>
             </a:r>
             <a:r>
-              <a:rPr lang="es-MX" sz="1600" dirty="0" smtClean="0">
+              <a:rPr lang="es-MX" sz="1600" dirty="0">
                 <a:solidFill>
                   <a:srgbClr val="FF0000"/>
                 </a:solidFill>
@@ -17297,7 +16638,7 @@
               <a:t> to </a:t>
             </a:r>
             <a:r>
-              <a:rPr lang="es-MX" sz="1600" dirty="0" err="1" smtClean="0">
+              <a:rPr lang="es-MX" sz="1600" dirty="0" err="1">
                 <a:solidFill>
                   <a:srgbClr val="FF0000"/>
                 </a:solidFill>
@@ -17305,7 +16646,7 @@
               <a:t>One</a:t>
             </a:r>
             <a:r>
-              <a:rPr lang="es-419" sz="1600" dirty="0" smtClean="0">
+              <a:rPr lang="es-419" sz="1600" dirty="0">
                 <a:solidFill>
                   <a:srgbClr val="FF0000"/>
                 </a:solidFill>
@@ -17313,7 +16654,7 @@
               <a:t> (</a:t>
             </a:r>
             <a:r>
-              <a:rPr lang="es-419" sz="1200" dirty="0" err="1" smtClean="0">
+              <a:rPr lang="es-419" sz="1200" dirty="0" err="1">
                 <a:solidFill>
                   <a:srgbClr val="FF0000"/>
                 </a:solidFill>
@@ -17321,7 +16662,7 @@
               <a:t>Unique</a:t>
             </a:r>
             <a:r>
-              <a:rPr lang="es-419" sz="1200" dirty="0" smtClean="0">
+              <a:rPr lang="es-419" sz="1200" dirty="0">
                 <a:solidFill>
                   <a:srgbClr val="FF0000"/>
                 </a:solidFill>
@@ -17329,7 +16670,7 @@
               <a:t> </a:t>
             </a:r>
             <a:r>
-              <a:rPr lang="es-419" sz="1200" dirty="0" err="1" smtClean="0">
+              <a:rPr lang="es-419" sz="1200" dirty="0" err="1">
                 <a:solidFill>
                   <a:srgbClr val="FF0000"/>
                 </a:solidFill>
@@ -17337,7 +16678,7 @@
               <a:t>Index</a:t>
             </a:r>
             <a:r>
-              <a:rPr lang="es-419" sz="1200" dirty="0" smtClean="0">
+              <a:rPr lang="es-419" sz="1200" dirty="0">
                 <a:solidFill>
                   <a:srgbClr val="FF0000"/>
                 </a:solidFill>
@@ -17345,11 +16686,11 @@
               <a:t>)</a:t>
             </a:r>
             <a:r>
-              <a:rPr lang="es-419" sz="1200" dirty="0" smtClean="0"/>
+              <a:rPr lang="es-419" sz="1200" dirty="0"/>
               <a:t> and </a:t>
             </a:r>
             <a:r>
-              <a:rPr lang="es-MX" sz="1600" dirty="0" err="1" smtClean="0">
+              <a:rPr lang="es-MX" sz="1600" dirty="0" err="1">
                 <a:solidFill>
                   <a:srgbClr val="276B9B"/>
                 </a:solidFill>
@@ -17357,7 +16698,7 @@
               <a:t>Many</a:t>
             </a:r>
             <a:r>
-              <a:rPr lang="es-MX" sz="1600" dirty="0" smtClean="0">
+              <a:rPr lang="es-MX" sz="1600" dirty="0">
                 <a:solidFill>
                   <a:srgbClr val="276B9B"/>
                 </a:solidFill>
@@ -17365,7 +16706,7 @@
               <a:t> to </a:t>
             </a:r>
             <a:r>
-              <a:rPr lang="es-MX" sz="1600" dirty="0" err="1" smtClean="0">
+              <a:rPr lang="es-MX" sz="1600" dirty="0" err="1">
                 <a:solidFill>
                   <a:srgbClr val="276B9B"/>
                 </a:solidFill>
@@ -17419,13 +16760,6 @@
   <p:clrMapOvr>
     <a:masterClrMapping/>
   </p:clrMapOvr>
-  <p:timing>
-    <p:tnLst>
-      <p:par>
-        <p:cTn id="1" dur="indefinite" restart="never" nodeType="tmRoot"/>
-      </p:par>
-    </p:tnLst>
-  </p:timing>
 </p:sld>
 </file>
 
@@ -17467,15 +16801,15 @@
           <a:lstStyle/>
           <a:p>
             <a:r>
-              <a:rPr lang="es-419" sz="2400" dirty="0" err="1" smtClean="0"/>
+              <a:rPr lang="es-419" sz="2400" dirty="0" err="1"/>
               <a:t>Physical</a:t>
             </a:r>
             <a:r>
-              <a:rPr lang="es-419" sz="2400" dirty="0" smtClean="0"/>
+              <a:rPr lang="es-419" sz="2400" dirty="0"/>
               <a:t> </a:t>
             </a:r>
             <a:r>
-              <a:rPr lang="es-419" sz="2400" dirty="0" err="1" smtClean="0"/>
+              <a:rPr lang="es-419" sz="2400" dirty="0" err="1"/>
               <a:t>Schema</a:t>
             </a:r>
             <a:endParaRPr lang="es-MX" sz="2400" dirty="0"/>
@@ -17613,13 +16947,6 @@
   <p:clrMapOvr>
     <a:masterClrMapping/>
   </p:clrMapOvr>
-  <p:timing>
-    <p:tnLst>
-      <p:par>
-        <p:cTn id="1" dur="indefinite" restart="never" nodeType="tmRoot"/>
-      </p:par>
-    </p:tnLst>
-  </p:timing>
 </p:sld>
 </file>
 
@@ -17736,13 +17063,6 @@
   <p:clrMapOvr>
     <a:masterClrMapping/>
   </p:clrMapOvr>
-  <p:timing>
-    <p:tnLst>
-      <p:par>
-        <p:cTn id="1" dur="indefinite" restart="never" nodeType="tmRoot"/>
-      </p:par>
-    </p:tnLst>
-  </p:timing>
 </p:sld>
 </file>
 
@@ -17784,15 +17104,15 @@
           <a:lstStyle/>
           <a:p>
             <a:r>
-              <a:rPr lang="es-419" sz="2400" dirty="0" err="1" smtClean="0"/>
+              <a:rPr lang="es-419" sz="2400" dirty="0" err="1"/>
               <a:t>Create</a:t>
             </a:r>
             <a:r>
-              <a:rPr lang="es-419" sz="2400" dirty="0" smtClean="0"/>
-              <a:t> </a:t>
-            </a:r>
-            <a:r>
-              <a:rPr lang="es-419" sz="2400" dirty="0" err="1" smtClean="0"/>
+              <a:rPr lang="es-419" sz="2400" dirty="0"/>
+              <a:t> Basic </a:t>
+            </a:r>
+            <a:r>
+              <a:rPr lang="es-419" sz="2400" dirty="0" err="1"/>
               <a:t>Table</a:t>
             </a:r>
             <a:endParaRPr lang="es-MX" sz="2400" dirty="0"/>
@@ -17837,7 +17157,7 @@
         <p:spPr>
           <a:xfrm>
             <a:off x="179512" y="836712"/>
-            <a:ext cx="4032448" cy="1600438"/>
+            <a:ext cx="4032448" cy="1384995"/>
           </a:xfrm>
           <a:prstGeom prst="rect">
             <a:avLst/>
@@ -17863,7 +17183,7 @@
               <a:t>CREATE TABLE </a:t>
             </a:r>
             <a:r>
-              <a:rPr lang="es-419" sz="1400" i="1" dirty="0" err="1" smtClean="0">
+              <a:rPr lang="es-419" sz="1400" i="1" dirty="0" err="1">
                 <a:solidFill>
                   <a:srgbClr val="00B050"/>
                 </a:solidFill>
@@ -17873,25 +17193,18 @@
               <a:t>TableName</a:t>
             </a:r>
             <a:r>
-              <a:rPr lang="es-419" sz="1400" dirty="0" smtClean="0">
+              <a:rPr lang="es-419" sz="1400" dirty="0">
                 <a:latin typeface="Courier New" panose="02070309020205020404" pitchFamily="49" charset="0"/>
                 <a:cs typeface="Courier New" panose="02070309020205020404" pitchFamily="49" charset="0"/>
               </a:rPr>
               <a:t> </a:t>
             </a:r>
             <a:r>
-              <a:rPr lang="en-US" sz="1400" dirty="0" smtClean="0">
+              <a:rPr lang="en-US" sz="1400" dirty="0">
                 <a:latin typeface="Courier New" panose="02070309020205020404" pitchFamily="49" charset="0"/>
                 <a:cs typeface="Courier New" panose="02070309020205020404" pitchFamily="49" charset="0"/>
               </a:rPr>
               <a:t>(</a:t>
-            </a:r>
-            <a:r>
-              <a:rPr lang="en-US" sz="1400" dirty="0">
-                <a:latin typeface="Courier New" panose="02070309020205020404" pitchFamily="49" charset="0"/>
-                <a:cs typeface="Courier New" panose="02070309020205020404" pitchFamily="49" charset="0"/>
-              </a:rPr>
-              <a:t/>
             </a:r>
             <a:br>
               <a:rPr lang="en-US" sz="1400" dirty="0">
@@ -17900,14 +17213,14 @@
               </a:rPr>
             </a:br>
             <a:r>
-              <a:rPr lang="es-419" sz="1400" dirty="0" smtClean="0">
+              <a:rPr lang="es-419" sz="1400" dirty="0">
                 <a:latin typeface="Courier New" panose="02070309020205020404" pitchFamily="49" charset="0"/>
                 <a:cs typeface="Courier New" panose="02070309020205020404" pitchFamily="49" charset="0"/>
               </a:rPr>
               <a:t>  </a:t>
             </a:r>
             <a:r>
-              <a:rPr lang="en-US" sz="1400" i="1" dirty="0" smtClean="0">
+              <a:rPr lang="en-US" sz="1400" i="1" dirty="0">
                 <a:solidFill>
                   <a:srgbClr val="00B050"/>
                 </a:solidFill>
@@ -17970,14 +17283,14 @@
               </a:rPr>
             </a:br>
             <a:r>
-              <a:rPr lang="es-419" sz="1400" dirty="0" smtClean="0">
+              <a:rPr lang="es-419" sz="1400" dirty="0">
                 <a:latin typeface="Courier New" panose="02070309020205020404" pitchFamily="49" charset="0"/>
                 <a:cs typeface="Courier New" panose="02070309020205020404" pitchFamily="49" charset="0"/>
               </a:rPr>
               <a:t>  </a:t>
             </a:r>
             <a:r>
-              <a:rPr lang="en-US" sz="1400" i="1" dirty="0" smtClean="0">
+              <a:rPr lang="en-US" sz="1400" i="1" dirty="0">
                 <a:solidFill>
                   <a:srgbClr val="00B050"/>
                 </a:solidFill>
@@ -18017,7 +17330,7 @@
               <a:t>size</a:t>
             </a:r>
             <a:r>
-              <a:rPr lang="en-US" sz="1400" dirty="0" smtClean="0">
+              <a:rPr lang="en-US" sz="1400" dirty="0">
                 <a:solidFill>
                   <a:srgbClr val="00B050"/>
                 </a:solidFill>
@@ -18027,18 +17340,11 @@
               <a:t>)</a:t>
             </a:r>
             <a:r>
-              <a:rPr lang="en-US" sz="1400" dirty="0" smtClean="0">
+              <a:rPr lang="en-US" sz="1400" dirty="0">
                 <a:latin typeface="Courier New" panose="02070309020205020404" pitchFamily="49" charset="0"/>
                 <a:cs typeface="Courier New" panose="02070309020205020404" pitchFamily="49" charset="0"/>
               </a:rPr>
               <a:t>,</a:t>
-            </a:r>
-            <a:r>
-              <a:rPr lang="en-US" sz="1400" dirty="0">
-                <a:latin typeface="Courier New" panose="02070309020205020404" pitchFamily="49" charset="0"/>
-                <a:cs typeface="Courier New" panose="02070309020205020404" pitchFamily="49" charset="0"/>
-              </a:rPr>
-              <a:t/>
             </a:r>
             <a:br>
               <a:rPr lang="en-US" sz="1400" dirty="0">
@@ -18047,20 +17353,20 @@
               </a:rPr>
             </a:br>
             <a:r>
-              <a:rPr lang="es-419" sz="1400" dirty="0" smtClean="0">
+              <a:rPr lang="es-419" sz="1400" dirty="0">
                 <a:latin typeface="Courier New" panose="02070309020205020404" pitchFamily="49" charset="0"/>
                 <a:cs typeface="Courier New" panose="02070309020205020404" pitchFamily="49" charset="0"/>
               </a:rPr>
               <a:t>  </a:t>
             </a:r>
             <a:r>
-              <a:rPr lang="en-US" sz="1400" dirty="0" smtClean="0">
+              <a:rPr lang="en-US" sz="1400" dirty="0">
                 <a:latin typeface="Courier New" panose="02070309020205020404" pitchFamily="49" charset="0"/>
                 <a:cs typeface="Courier New" panose="02070309020205020404" pitchFamily="49" charset="0"/>
               </a:rPr>
               <a:t>...</a:t>
             </a:r>
-            <a:endParaRPr lang="es-419" sz="1400" dirty="0" smtClean="0">
+            <a:endParaRPr lang="es-419" sz="1400" dirty="0">
               <a:latin typeface="Courier New" panose="02070309020205020404" pitchFamily="49" charset="0"/>
               <a:cs typeface="Courier New" panose="02070309020205020404" pitchFamily="49" charset="0"/>
             </a:endParaRPr>
@@ -18071,17 +17377,10 @@
                 <a:latin typeface="Courier New" panose="02070309020205020404" pitchFamily="49" charset="0"/>
                 <a:cs typeface="Courier New" panose="02070309020205020404" pitchFamily="49" charset="0"/>
               </a:rPr>
-              <a:t> </a:t>
-            </a:r>
-            <a:r>
-              <a:rPr lang="es-419" sz="1400" dirty="0" smtClean="0">
-                <a:latin typeface="Courier New" panose="02070309020205020404" pitchFamily="49" charset="0"/>
-                <a:cs typeface="Courier New" panose="02070309020205020404" pitchFamily="49" charset="0"/>
-              </a:rPr>
-              <a:t> PRIMARY KEY (</a:t>
-            </a:r>
-            <a:r>
-              <a:rPr lang="es-419" sz="1400" i="1" dirty="0" err="1" smtClean="0">
+              <a:t>  PRIMARY KEY (</a:t>
+            </a:r>
+            <a:r>
+              <a:rPr lang="es-419" sz="1400" i="1" dirty="0" err="1">
                 <a:solidFill>
                   <a:srgbClr val="00B050"/>
                 </a:solidFill>
@@ -18091,49 +17390,28 @@
               <a:t>colum_name</a:t>
             </a:r>
             <a:r>
-              <a:rPr lang="es-419" sz="1400" dirty="0" smtClean="0">
+              <a:rPr lang="es-419" sz="1400" dirty="0">
                 <a:latin typeface="Courier New" panose="02070309020205020404" pitchFamily="49" charset="0"/>
                 <a:cs typeface="Courier New" panose="02070309020205020404" pitchFamily="49" charset="0"/>
               </a:rPr>
               <a:t>)</a:t>
             </a:r>
-            <a:r>
-              <a:rPr lang="en-US" sz="1400" dirty="0" smtClean="0">
-                <a:latin typeface="Courier New" panose="02070309020205020404" pitchFamily="49" charset="0"/>
-                <a:cs typeface="Courier New" panose="02070309020205020404" pitchFamily="49" charset="0"/>
-              </a:rPr>
-              <a:t> </a:t>
-            </a:r>
-            <a:r>
-              <a:rPr lang="en-US" sz="1400" dirty="0">
-                <a:latin typeface="Courier New" panose="02070309020205020404" pitchFamily="49" charset="0"/>
-                <a:cs typeface="Courier New" panose="02070309020205020404" pitchFamily="49" charset="0"/>
-              </a:rPr>
-              <a:t>ON UPDATE </a:t>
-            </a:r>
-            <a:r>
-              <a:rPr lang="es-419" sz="1400" i="1" dirty="0" smtClean="0">
-                <a:solidFill>
-                  <a:srgbClr val="00B050"/>
-                </a:solidFill>
-                <a:latin typeface="Courier New" panose="02070309020205020404" pitchFamily="49" charset="0"/>
-                <a:cs typeface="Courier New" panose="02070309020205020404" pitchFamily="49" charset="0"/>
-              </a:rPr>
-              <a:t>RESTRICTION</a:t>
-            </a:r>
-          </a:p>
-          <a:p>
-            <a:r>
-              <a:rPr lang="en-US" sz="1400" dirty="0" smtClean="0">
-                <a:latin typeface="Courier New" panose="02070309020205020404" pitchFamily="49" charset="0"/>
-                <a:cs typeface="Courier New" panose="02070309020205020404" pitchFamily="49" charset="0"/>
-              </a:rPr>
-              <a:t>);</a:t>
-            </a:r>
-            <a:endParaRPr lang="en-US" sz="1400" dirty="0">
+            <a:endParaRPr lang="es-419" sz="1400" i="1" dirty="0">
+              <a:solidFill>
+                <a:srgbClr val="00B050"/>
+              </a:solidFill>
               <a:latin typeface="Courier New" panose="02070309020205020404" pitchFamily="49" charset="0"/>
               <a:cs typeface="Courier New" panose="02070309020205020404" pitchFamily="49" charset="0"/>
             </a:endParaRPr>
+          </a:p>
+          <a:p>
+            <a:r>
+              <a:rPr lang="en-US" sz="1400" dirty="0">
+                <a:latin typeface="Courier New" panose="02070309020205020404" pitchFamily="49" charset="0"/>
+                <a:cs typeface="Courier New" panose="02070309020205020404" pitchFamily="49" charset="0"/>
+              </a:rPr>
+              <a:t>);</a:t>
+            </a:r>
           </a:p>
         </p:txBody>
       </p:sp>
@@ -18234,7 +17512,7 @@
               <a:t>  </a:t>
             </a:r>
             <a:r>
-              <a:rPr lang="es-419" sz="1400" i="1" dirty="0" err="1" smtClean="0">
+              <a:rPr lang="es-419" sz="1400" i="1" dirty="0" err="1">
                 <a:solidFill>
                   <a:srgbClr val="00B050"/>
                 </a:solidFill>
@@ -18244,7 +17522,7 @@
               <a:t>user_role_id</a:t>
             </a:r>
             <a:r>
-              <a:rPr lang="en-US" sz="1400" i="1" dirty="0" smtClean="0">
+              <a:rPr lang="en-US" sz="1400" i="1" dirty="0">
                 <a:solidFill>
                   <a:srgbClr val="00B050"/>
                 </a:solidFill>
@@ -18254,7 +17532,7 @@
               <a:t> </a:t>
             </a:r>
             <a:r>
-              <a:rPr lang="es-419" sz="1400" i="1" dirty="0" smtClean="0">
+              <a:rPr lang="es-419" sz="1400" i="1" dirty="0">
                 <a:solidFill>
                   <a:srgbClr val="00B050"/>
                 </a:solidFill>
@@ -18268,28 +17546,14 @@
                 <a:latin typeface="Courier New" panose="02070309020205020404" pitchFamily="49" charset="0"/>
                 <a:cs typeface="Courier New" panose="02070309020205020404" pitchFamily="49" charset="0"/>
               </a:rPr>
-              <a:t>NOT </a:t>
-            </a:r>
-            <a:r>
-              <a:rPr lang="es-419" sz="1400" dirty="0" smtClean="0">
-                <a:latin typeface="Courier New" panose="02070309020205020404" pitchFamily="49" charset="0"/>
-                <a:cs typeface="Courier New" panose="02070309020205020404" pitchFamily="49" charset="0"/>
-              </a:rPr>
-              <a:t>NULL</a:t>
-            </a:r>
-            <a:r>
-              <a:rPr lang="en-US" sz="1400" dirty="0" smtClean="0">
+              <a:t>NOT NULL</a:t>
+            </a:r>
+            <a:r>
+              <a:rPr lang="en-US" sz="1400" dirty="0">
                 <a:latin typeface="Courier New" panose="02070309020205020404" pitchFamily="49" charset="0"/>
                 <a:cs typeface="Courier New" panose="02070309020205020404" pitchFamily="49" charset="0"/>
               </a:rPr>
               <a:t>,</a:t>
-            </a:r>
-            <a:r>
-              <a:rPr lang="en-US" sz="1400" dirty="0">
-                <a:latin typeface="Courier New" panose="02070309020205020404" pitchFamily="49" charset="0"/>
-                <a:cs typeface="Courier New" panose="02070309020205020404" pitchFamily="49" charset="0"/>
-              </a:rPr>
-              <a:t/>
             </a:r>
             <a:br>
               <a:rPr lang="en-US" sz="1400" dirty="0">
@@ -18335,7 +17599,7 @@
               <a:t>VARCHAR</a:t>
             </a:r>
             <a:r>
-              <a:rPr lang="en-US" sz="1400" dirty="0" smtClean="0">
+              <a:rPr lang="en-US" sz="1400" dirty="0">
                 <a:solidFill>
                   <a:srgbClr val="00B050"/>
                 </a:solidFill>
@@ -18345,7 +17609,7 @@
               <a:t>(</a:t>
             </a:r>
             <a:r>
-              <a:rPr lang="es-419" sz="1400" i="1" dirty="0" smtClean="0">
+              <a:rPr lang="es-419" sz="1400" i="1" dirty="0">
                 <a:solidFill>
                   <a:srgbClr val="00B050"/>
                 </a:solidFill>
@@ -18355,7 +17619,7 @@
               <a:t>20</a:t>
             </a:r>
             <a:r>
-              <a:rPr lang="en-US" sz="1400" dirty="0" smtClean="0">
+              <a:rPr lang="en-US" sz="1400" dirty="0">
                 <a:solidFill>
                   <a:srgbClr val="00B050"/>
                 </a:solidFill>
@@ -18365,18 +17629,11 @@
               <a:t>)</a:t>
             </a:r>
             <a:r>
-              <a:rPr lang="en-US" sz="1400" dirty="0" smtClean="0">
+              <a:rPr lang="en-US" sz="1400" dirty="0">
                 <a:latin typeface="Courier New" panose="02070309020205020404" pitchFamily="49" charset="0"/>
                 <a:cs typeface="Courier New" panose="02070309020205020404" pitchFamily="49" charset="0"/>
               </a:rPr>
               <a:t>,</a:t>
-            </a:r>
-            <a:r>
-              <a:rPr lang="en-US" sz="1400" dirty="0">
-                <a:latin typeface="Courier New" panose="02070309020205020404" pitchFamily="49" charset="0"/>
-                <a:cs typeface="Courier New" panose="02070309020205020404" pitchFamily="49" charset="0"/>
-              </a:rPr>
-              <a:t/>
             </a:r>
             <a:br>
               <a:rPr lang="en-US" sz="1400" dirty="0">
@@ -18398,31 +17655,209 @@
                 <a:latin typeface="Courier New" panose="02070309020205020404" pitchFamily="49" charset="0"/>
                 <a:cs typeface="Courier New" panose="02070309020205020404" pitchFamily="49" charset="0"/>
               </a:rPr>
+              <a:t>  PRIMARY KEY (</a:t>
+            </a:r>
+            <a:r>
+              <a:rPr lang="es-419" sz="1400" i="1" dirty="0" err="1">
+                <a:solidFill>
+                  <a:srgbClr val="00B050"/>
+                </a:solidFill>
+                <a:latin typeface="Courier New" panose="02070309020205020404" pitchFamily="49" charset="0"/>
+                <a:cs typeface="Courier New" panose="02070309020205020404" pitchFamily="49" charset="0"/>
+              </a:rPr>
+              <a:t>user_role_id</a:t>
+            </a:r>
+            <a:r>
+              <a:rPr lang="es-419" sz="1400" dirty="0">
+                <a:latin typeface="Courier New" panose="02070309020205020404" pitchFamily="49" charset="0"/>
+                <a:cs typeface="Courier New" panose="02070309020205020404" pitchFamily="49" charset="0"/>
+              </a:rPr>
+              <a:t>)</a:t>
+            </a:r>
+          </a:p>
+          <a:p>
+            <a:r>
+              <a:rPr lang="en-US" sz="1400" dirty="0">
+                <a:latin typeface="Courier New" panose="02070309020205020404" pitchFamily="49" charset="0"/>
+                <a:cs typeface="Courier New" panose="02070309020205020404" pitchFamily="49" charset="0"/>
+              </a:rPr>
+              <a:t>);</a:t>
+            </a:r>
+          </a:p>
+          <a:p>
+            <a:endParaRPr lang="en-US" sz="1400" dirty="0">
+              <a:latin typeface="Courier New" panose="02070309020205020404" pitchFamily="49" charset="0"/>
+              <a:cs typeface="Courier New" panose="02070309020205020404" pitchFamily="49" charset="0"/>
+            </a:endParaRPr>
+          </a:p>
+          <a:p>
+            <a:r>
+              <a:rPr lang="en-US" sz="1400" dirty="0">
+                <a:latin typeface="Courier New" panose="02070309020205020404" pitchFamily="49" charset="0"/>
+                <a:cs typeface="Courier New" panose="02070309020205020404" pitchFamily="49" charset="0"/>
+              </a:rPr>
+              <a:t>CREATE TABLE </a:t>
+            </a:r>
+            <a:r>
+              <a:rPr lang="es-419" sz="1400" i="1" dirty="0">
+                <a:solidFill>
+                  <a:srgbClr val="00B050"/>
+                </a:solidFill>
+                <a:latin typeface="Courier New" panose="02070309020205020404" pitchFamily="49" charset="0"/>
+                <a:cs typeface="Courier New" panose="02070309020205020404" pitchFamily="49" charset="0"/>
+              </a:rPr>
+              <a:t>CITY</a:t>
+            </a:r>
+            <a:r>
+              <a:rPr lang="es-419" sz="1400" dirty="0">
+                <a:latin typeface="Courier New" panose="02070309020205020404" pitchFamily="49" charset="0"/>
+                <a:cs typeface="Courier New" panose="02070309020205020404" pitchFamily="49" charset="0"/>
+              </a:rPr>
+              <a:t> </a:t>
+            </a:r>
+            <a:r>
+              <a:rPr lang="en-US" sz="1400" dirty="0">
+                <a:latin typeface="Courier New" panose="02070309020205020404" pitchFamily="49" charset="0"/>
+                <a:cs typeface="Courier New" panose="02070309020205020404" pitchFamily="49" charset="0"/>
+              </a:rPr>
+              <a:t>(</a:t>
+            </a:r>
+            <a:br>
+              <a:rPr lang="en-US" sz="1400" dirty="0">
+                <a:latin typeface="Courier New" panose="02070309020205020404" pitchFamily="49" charset="0"/>
+                <a:cs typeface="Courier New" panose="02070309020205020404" pitchFamily="49" charset="0"/>
+              </a:rPr>
+            </a:br>
+            <a:r>
+              <a:rPr lang="es-419" sz="1400" dirty="0">
+                <a:latin typeface="Courier New" panose="02070309020205020404" pitchFamily="49" charset="0"/>
+                <a:cs typeface="Courier New" panose="02070309020205020404" pitchFamily="49" charset="0"/>
+              </a:rPr>
               <a:t>  </a:t>
             </a:r>
             <a:r>
-              <a:rPr lang="es-419" sz="1400" dirty="0" smtClean="0">
-                <a:latin typeface="Courier New" panose="02070309020205020404" pitchFamily="49" charset="0"/>
-                <a:cs typeface="Courier New" panose="02070309020205020404" pitchFamily="49" charset="0"/>
-              </a:rPr>
-              <a:t>PRIMARY KEY (</a:t>
-            </a:r>
-            <a:r>
-              <a:rPr lang="es-419" sz="1400" i="1" dirty="0" err="1" smtClean="0">
+              <a:rPr lang="es-419" sz="1400" i="1" dirty="0" err="1">
                 <a:solidFill>
                   <a:srgbClr val="00B050"/>
                 </a:solidFill>
                 <a:latin typeface="Courier New" panose="02070309020205020404" pitchFamily="49" charset="0"/>
                 <a:cs typeface="Courier New" panose="02070309020205020404" pitchFamily="49" charset="0"/>
               </a:rPr>
-              <a:t>user_role_id</a:t>
-            </a:r>
-            <a:r>
-              <a:rPr lang="es-419" sz="1400" dirty="0" smtClean="0">
+              <a:t>city_id</a:t>
+            </a:r>
+            <a:r>
+              <a:rPr lang="en-US" sz="1400" i="1" dirty="0">
+                <a:solidFill>
+                  <a:srgbClr val="00B050"/>
+                </a:solidFill>
+                <a:latin typeface="Courier New" panose="02070309020205020404" pitchFamily="49" charset="0"/>
+                <a:cs typeface="Courier New" panose="02070309020205020404" pitchFamily="49" charset="0"/>
+              </a:rPr>
+              <a:t> </a:t>
+            </a:r>
+            <a:r>
+              <a:rPr lang="es-419" sz="1400" i="1" dirty="0">
+                <a:solidFill>
+                  <a:srgbClr val="00B050"/>
+                </a:solidFill>
+                <a:latin typeface="Courier New" panose="02070309020205020404" pitchFamily="49" charset="0"/>
+                <a:cs typeface="Courier New" panose="02070309020205020404" pitchFamily="49" charset="0"/>
+              </a:rPr>
+              <a:t>INTEGER </a:t>
+            </a:r>
+            <a:r>
+              <a:rPr lang="es-419" sz="1400" dirty="0">
+                <a:latin typeface="Courier New" panose="02070309020205020404" pitchFamily="49" charset="0"/>
+                <a:cs typeface="Courier New" panose="02070309020205020404" pitchFamily="49" charset="0"/>
+              </a:rPr>
+              <a:t>NOT NULL AUTO_INCREMENT</a:t>
+            </a:r>
+            <a:r>
+              <a:rPr lang="en-US" sz="1400" dirty="0">
+                <a:latin typeface="Courier New" panose="02070309020205020404" pitchFamily="49" charset="0"/>
+                <a:cs typeface="Courier New" panose="02070309020205020404" pitchFamily="49" charset="0"/>
+              </a:rPr>
+              <a:t>,</a:t>
+            </a:r>
+            <a:br>
+              <a:rPr lang="en-US" sz="1400" dirty="0">
+                <a:latin typeface="Courier New" panose="02070309020205020404" pitchFamily="49" charset="0"/>
+                <a:cs typeface="Courier New" panose="02070309020205020404" pitchFamily="49" charset="0"/>
+              </a:rPr>
+            </a:br>
+            <a:r>
+              <a:rPr lang="es-419" sz="1400" dirty="0">
+                <a:latin typeface="Courier New" panose="02070309020205020404" pitchFamily="49" charset="0"/>
+                <a:cs typeface="Courier New" panose="02070309020205020404" pitchFamily="49" charset="0"/>
+              </a:rPr>
+              <a:t>  </a:t>
+            </a:r>
+            <a:r>
+              <a:rPr lang="es-419" sz="1400" i="1" dirty="0" err="1">
+                <a:solidFill>
+                  <a:srgbClr val="00B050"/>
+                </a:solidFill>
+                <a:latin typeface="Courier New" panose="02070309020205020404" pitchFamily="49" charset="0"/>
+                <a:cs typeface="Courier New" panose="02070309020205020404" pitchFamily="49" charset="0"/>
+              </a:rPr>
+              <a:t>description</a:t>
+            </a:r>
+            <a:r>
+              <a:rPr lang="en-US" sz="1400" i="1" dirty="0">
+                <a:solidFill>
+                  <a:srgbClr val="00B050"/>
+                </a:solidFill>
+                <a:latin typeface="Courier New" panose="02070309020205020404" pitchFamily="49" charset="0"/>
+                <a:cs typeface="Courier New" panose="02070309020205020404" pitchFamily="49" charset="0"/>
+              </a:rPr>
+              <a:t> </a:t>
+            </a:r>
+            <a:r>
+              <a:rPr lang="es-419" sz="1400" i="1" dirty="0">
+                <a:solidFill>
+                  <a:srgbClr val="00B050"/>
+                </a:solidFill>
+                <a:latin typeface="Courier New" panose="02070309020205020404" pitchFamily="49" charset="0"/>
+                <a:cs typeface="Courier New" panose="02070309020205020404" pitchFamily="49" charset="0"/>
+              </a:rPr>
+              <a:t>VARCHAR</a:t>
+            </a:r>
+            <a:r>
+              <a:rPr lang="en-US" sz="1400" dirty="0">
+                <a:solidFill>
+                  <a:srgbClr val="00B050"/>
+                </a:solidFill>
+                <a:latin typeface="Courier New" panose="02070309020205020404" pitchFamily="49" charset="0"/>
+                <a:cs typeface="Courier New" panose="02070309020205020404" pitchFamily="49" charset="0"/>
+              </a:rPr>
+              <a:t>(</a:t>
+            </a:r>
+            <a:r>
+              <a:rPr lang="es-419" sz="1400" i="1" dirty="0">
+                <a:solidFill>
+                  <a:srgbClr val="00B050"/>
+                </a:solidFill>
+                <a:latin typeface="Courier New" panose="02070309020205020404" pitchFamily="49" charset="0"/>
+                <a:cs typeface="Courier New" panose="02070309020205020404" pitchFamily="49" charset="0"/>
+              </a:rPr>
+              <a:t>60</a:t>
+            </a:r>
+            <a:r>
+              <a:rPr lang="en-US" sz="1400" dirty="0">
+                <a:solidFill>
+                  <a:srgbClr val="00B050"/>
+                </a:solidFill>
                 <a:latin typeface="Courier New" panose="02070309020205020404" pitchFamily="49" charset="0"/>
                 <a:cs typeface="Courier New" panose="02070309020205020404" pitchFamily="49" charset="0"/>
               </a:rPr>
               <a:t>)</a:t>
+            </a:r>
+            <a:r>
+              <a:rPr lang="en-US" sz="1400" dirty="0">
+                <a:latin typeface="Courier New" panose="02070309020205020404" pitchFamily="49" charset="0"/>
+                <a:cs typeface="Courier New" panose="02070309020205020404" pitchFamily="49" charset="0"/>
+              </a:rPr>
+              <a:t>,</a:t>
             </a:r>
             <a:endParaRPr lang="es-419" sz="1400" dirty="0">
               <a:latin typeface="Courier New" panose="02070309020205020404" pitchFamily="49" charset="0"/>
@@ -18431,64 +17866,65 @@
           </a:p>
           <a:p>
             <a:r>
-              <a:rPr lang="en-US" sz="1400" dirty="0" smtClean="0">
-                <a:latin typeface="Courier New" panose="02070309020205020404" pitchFamily="49" charset="0"/>
-                <a:cs typeface="Courier New" panose="02070309020205020404" pitchFamily="49" charset="0"/>
-              </a:rPr>
-              <a:t>);</a:t>
-            </a:r>
-          </a:p>
-          <a:p>
-            <a:endParaRPr lang="en-US" sz="1400" dirty="0">
-              <a:latin typeface="Courier New" panose="02070309020205020404" pitchFamily="49" charset="0"/>
-              <a:cs typeface="Courier New" panose="02070309020205020404" pitchFamily="49" charset="0"/>
-            </a:endParaRPr>
-          </a:p>
-          <a:p>
-            <a:r>
-              <a:rPr lang="en-US" sz="1400" dirty="0" smtClean="0">
-                <a:latin typeface="Courier New" panose="02070309020205020404" pitchFamily="49" charset="0"/>
-                <a:cs typeface="Courier New" panose="02070309020205020404" pitchFamily="49" charset="0"/>
-              </a:rPr>
-              <a:t>CREATE </a:t>
+              <a:rPr lang="es-419" sz="1400" dirty="0">
+                <a:latin typeface="Courier New" panose="02070309020205020404" pitchFamily="49" charset="0"/>
+                <a:cs typeface="Courier New" panose="02070309020205020404" pitchFamily="49" charset="0"/>
+              </a:rPr>
+              <a:t>  </a:t>
+            </a:r>
+            <a:r>
+              <a:rPr lang="es-419" sz="1400" i="1" dirty="0" err="1">
+                <a:solidFill>
+                  <a:srgbClr val="00B050"/>
+                </a:solidFill>
+                <a:latin typeface="Courier New" panose="02070309020205020404" pitchFamily="49" charset="0"/>
+                <a:cs typeface="Courier New" panose="02070309020205020404" pitchFamily="49" charset="0"/>
+              </a:rPr>
+              <a:t>state_id</a:t>
+            </a:r>
+            <a:r>
+              <a:rPr lang="en-US" sz="1400" i="1" dirty="0">
+                <a:solidFill>
+                  <a:srgbClr val="00B050"/>
+                </a:solidFill>
+                <a:latin typeface="Courier New" panose="02070309020205020404" pitchFamily="49" charset="0"/>
+                <a:cs typeface="Courier New" panose="02070309020205020404" pitchFamily="49" charset="0"/>
+              </a:rPr>
+              <a:t> </a:t>
+            </a:r>
+            <a:r>
+              <a:rPr lang="es-419" sz="1400" i="1" dirty="0">
+                <a:solidFill>
+                  <a:srgbClr val="00B050"/>
+                </a:solidFill>
+                <a:latin typeface="Courier New" panose="02070309020205020404" pitchFamily="49" charset="0"/>
+                <a:cs typeface="Courier New" panose="02070309020205020404" pitchFamily="49" charset="0"/>
+              </a:rPr>
+              <a:t>INTEGER</a:t>
             </a:r>
             <a:r>
               <a:rPr lang="en-US" sz="1400" dirty="0">
-                <a:latin typeface="Courier New" panose="02070309020205020404" pitchFamily="49" charset="0"/>
-                <a:cs typeface="Courier New" panose="02070309020205020404" pitchFamily="49" charset="0"/>
-              </a:rPr>
-              <a:t>TABLE </a:t>
-            </a:r>
-            <a:r>
-              <a:rPr lang="es-419" sz="1400" i="1" dirty="0" smtClean="0">
                 <a:solidFill>
                   <a:srgbClr val="00B050"/>
                 </a:solidFill>
                 <a:latin typeface="Courier New" panose="02070309020205020404" pitchFamily="49" charset="0"/>
                 <a:cs typeface="Courier New" panose="02070309020205020404" pitchFamily="49" charset="0"/>
               </a:rPr>
-              <a:t>CITY</a:t>
-            </a:r>
-            <a:r>
-              <a:rPr lang="es-419" sz="1400" dirty="0" smtClean="0">
-                <a:latin typeface="Courier New" panose="02070309020205020404" pitchFamily="49" charset="0"/>
-                <a:cs typeface="Courier New" panose="02070309020205020404" pitchFamily="49" charset="0"/>
-              </a:rPr>
               <a:t> </a:t>
             </a:r>
             <a:r>
-              <a:rPr lang="en-US" sz="1400" dirty="0" smtClean="0">
-                <a:latin typeface="Courier New" panose="02070309020205020404" pitchFamily="49" charset="0"/>
-                <a:cs typeface="Courier New" panose="02070309020205020404" pitchFamily="49" charset="0"/>
-              </a:rPr>
-              <a:t>(</a:t>
+              <a:rPr lang="es-419" sz="1400" dirty="0">
+                <a:latin typeface="Courier New" panose="02070309020205020404" pitchFamily="49" charset="0"/>
+                <a:cs typeface="Courier New" panose="02070309020205020404" pitchFamily="49" charset="0"/>
+              </a:rPr>
+              <a:t>NOT NULL</a:t>
             </a:r>
             <a:r>
               <a:rPr lang="en-US" sz="1400" dirty="0">
                 <a:latin typeface="Courier New" panose="02070309020205020404" pitchFamily="49" charset="0"/>
                 <a:cs typeface="Courier New" panose="02070309020205020404" pitchFamily="49" charset="0"/>
               </a:rPr>
-              <a:t/>
+              <a:t>,</a:t>
             </a:r>
             <a:br>
               <a:rPr lang="en-US" sz="1400" dirty="0">
@@ -18497,14 +17933,23 @@
               </a:rPr>
             </a:br>
             <a:r>
-              <a:rPr lang="es-419" sz="1400" dirty="0" smtClean="0">
+              <a:rPr lang="es-419" sz="1400" dirty="0">
                 <a:latin typeface="Courier New" panose="02070309020205020404" pitchFamily="49" charset="0"/>
                 <a:cs typeface="Courier New" panose="02070309020205020404" pitchFamily="49" charset="0"/>
               </a:rPr>
               <a:t>  </a:t>
             </a:r>
-            <a:r>
-              <a:rPr lang="es-419" sz="1400" i="1" dirty="0" err="1" smtClean="0">
+          </a:p>
+          <a:p>
+            <a:r>
+              <a:rPr lang="es-419" sz="1400" dirty="0">
+                <a:latin typeface="Courier New" panose="02070309020205020404" pitchFamily="49" charset="0"/>
+                <a:cs typeface="Courier New" panose="02070309020205020404" pitchFamily="49" charset="0"/>
+              </a:rPr>
+              <a:t>  PRIMARY KEY (</a:t>
+            </a:r>
+            <a:r>
+              <a:rPr lang="es-419" sz="1400" i="1" dirty="0" err="1">
                 <a:solidFill>
                   <a:srgbClr val="00B050"/>
                 </a:solidFill>
@@ -18514,266 +17959,21 @@
               <a:t>city_id</a:t>
             </a:r>
             <a:r>
-              <a:rPr lang="en-US" sz="1400" i="1" dirty="0" smtClean="0">
-                <a:solidFill>
-                  <a:srgbClr val="00B050"/>
-                </a:solidFill>
-                <a:latin typeface="Courier New" panose="02070309020205020404" pitchFamily="49" charset="0"/>
-                <a:cs typeface="Courier New" panose="02070309020205020404" pitchFamily="49" charset="0"/>
-              </a:rPr>
-              <a:t> </a:t>
-            </a:r>
-            <a:r>
-              <a:rPr lang="es-419" sz="1400" i="1" dirty="0" smtClean="0">
-                <a:solidFill>
-                  <a:srgbClr val="00B050"/>
-                </a:solidFill>
-                <a:latin typeface="Courier New" panose="02070309020205020404" pitchFamily="49" charset="0"/>
-                <a:cs typeface="Courier New" panose="02070309020205020404" pitchFamily="49" charset="0"/>
-              </a:rPr>
-              <a:t>INTEGER </a:t>
-            </a:r>
-            <a:r>
-              <a:rPr lang="es-419" sz="1400" dirty="0" smtClean="0">
-                <a:latin typeface="Courier New" panose="02070309020205020404" pitchFamily="49" charset="0"/>
-                <a:cs typeface="Courier New" panose="02070309020205020404" pitchFamily="49" charset="0"/>
-              </a:rPr>
-              <a:t>NOT </a:t>
-            </a:r>
-            <a:r>
               <a:rPr lang="es-419" sz="1400" dirty="0">
                 <a:latin typeface="Courier New" panose="02070309020205020404" pitchFamily="49" charset="0"/>
                 <a:cs typeface="Courier New" panose="02070309020205020404" pitchFamily="49" charset="0"/>
               </a:rPr>
-              <a:t>NULL AUTO_INCREMENT</a:t>
-            </a:r>
-            <a:r>
-              <a:rPr lang="en-US" sz="1400" dirty="0" smtClean="0">
-                <a:latin typeface="Courier New" panose="02070309020205020404" pitchFamily="49" charset="0"/>
-                <a:cs typeface="Courier New" panose="02070309020205020404" pitchFamily="49" charset="0"/>
-              </a:rPr>
-              <a:t>,</a:t>
-            </a:r>
+              <a:t>)</a:t>
+            </a:r>
+          </a:p>
+          <a:p>
             <a:r>
               <a:rPr lang="en-US" sz="1400" dirty="0">
                 <a:latin typeface="Courier New" panose="02070309020205020404" pitchFamily="49" charset="0"/>
                 <a:cs typeface="Courier New" panose="02070309020205020404" pitchFamily="49" charset="0"/>
               </a:rPr>
-              <a:t/>
-            </a:r>
-            <a:br>
-              <a:rPr lang="en-US" sz="1400" dirty="0">
-                <a:latin typeface="Courier New" panose="02070309020205020404" pitchFamily="49" charset="0"/>
-                <a:cs typeface="Courier New" panose="02070309020205020404" pitchFamily="49" charset="0"/>
-              </a:rPr>
-            </a:br>
-            <a:r>
-              <a:rPr lang="es-419" sz="1400" dirty="0" smtClean="0">
-                <a:latin typeface="Courier New" panose="02070309020205020404" pitchFamily="49" charset="0"/>
-                <a:cs typeface="Courier New" panose="02070309020205020404" pitchFamily="49" charset="0"/>
-              </a:rPr>
-              <a:t>  </a:t>
-            </a:r>
-            <a:r>
-              <a:rPr lang="es-419" sz="1400" i="1" dirty="0" err="1" smtClean="0">
-                <a:solidFill>
-                  <a:srgbClr val="00B050"/>
-                </a:solidFill>
-                <a:latin typeface="Courier New" panose="02070309020205020404" pitchFamily="49" charset="0"/>
-                <a:cs typeface="Courier New" panose="02070309020205020404" pitchFamily="49" charset="0"/>
-              </a:rPr>
-              <a:t>description</a:t>
-            </a:r>
-            <a:r>
-              <a:rPr lang="en-US" sz="1400" i="1" dirty="0" smtClean="0">
-                <a:solidFill>
-                  <a:srgbClr val="00B050"/>
-                </a:solidFill>
-                <a:latin typeface="Courier New" panose="02070309020205020404" pitchFamily="49" charset="0"/>
-                <a:cs typeface="Courier New" panose="02070309020205020404" pitchFamily="49" charset="0"/>
-              </a:rPr>
-              <a:t> </a:t>
-            </a:r>
-            <a:r>
-              <a:rPr lang="es-419" sz="1400" i="1" dirty="0" smtClean="0">
-                <a:solidFill>
-                  <a:srgbClr val="00B050"/>
-                </a:solidFill>
-                <a:latin typeface="Courier New" panose="02070309020205020404" pitchFamily="49" charset="0"/>
-                <a:cs typeface="Courier New" panose="02070309020205020404" pitchFamily="49" charset="0"/>
-              </a:rPr>
-              <a:t>VARCHAR</a:t>
-            </a:r>
-            <a:r>
-              <a:rPr lang="en-US" sz="1400" dirty="0" smtClean="0">
-                <a:solidFill>
-                  <a:srgbClr val="00B050"/>
-                </a:solidFill>
-                <a:latin typeface="Courier New" panose="02070309020205020404" pitchFamily="49" charset="0"/>
-                <a:cs typeface="Courier New" panose="02070309020205020404" pitchFamily="49" charset="0"/>
-              </a:rPr>
-              <a:t>(</a:t>
-            </a:r>
-            <a:r>
-              <a:rPr lang="es-419" sz="1400" i="1" dirty="0" smtClean="0">
-                <a:solidFill>
-                  <a:srgbClr val="00B050"/>
-                </a:solidFill>
-                <a:latin typeface="Courier New" panose="02070309020205020404" pitchFamily="49" charset="0"/>
-                <a:cs typeface="Courier New" panose="02070309020205020404" pitchFamily="49" charset="0"/>
-              </a:rPr>
-              <a:t>60</a:t>
-            </a:r>
-            <a:r>
-              <a:rPr lang="en-US" sz="1400" dirty="0" smtClean="0">
-                <a:solidFill>
-                  <a:srgbClr val="00B050"/>
-                </a:solidFill>
-                <a:latin typeface="Courier New" panose="02070309020205020404" pitchFamily="49" charset="0"/>
-                <a:cs typeface="Courier New" panose="02070309020205020404" pitchFamily="49" charset="0"/>
-              </a:rPr>
-              <a:t>)</a:t>
-            </a:r>
-            <a:r>
-              <a:rPr lang="en-US" sz="1400" dirty="0" smtClean="0">
-                <a:latin typeface="Courier New" panose="02070309020205020404" pitchFamily="49" charset="0"/>
-                <a:cs typeface="Courier New" panose="02070309020205020404" pitchFamily="49" charset="0"/>
-              </a:rPr>
-              <a:t>,</a:t>
-            </a:r>
-            <a:endParaRPr lang="es-419" sz="1400" dirty="0" smtClean="0">
-              <a:latin typeface="Courier New" panose="02070309020205020404" pitchFamily="49" charset="0"/>
-              <a:cs typeface="Courier New" panose="02070309020205020404" pitchFamily="49" charset="0"/>
-            </a:endParaRPr>
-          </a:p>
-          <a:p>
-            <a:r>
-              <a:rPr lang="es-419" sz="1400" dirty="0">
-                <a:latin typeface="Courier New" panose="02070309020205020404" pitchFamily="49" charset="0"/>
-                <a:cs typeface="Courier New" panose="02070309020205020404" pitchFamily="49" charset="0"/>
-              </a:rPr>
-              <a:t> </a:t>
-            </a:r>
-            <a:r>
-              <a:rPr lang="es-419" sz="1400" dirty="0" smtClean="0">
-                <a:latin typeface="Courier New" panose="02070309020205020404" pitchFamily="49" charset="0"/>
-                <a:cs typeface="Courier New" panose="02070309020205020404" pitchFamily="49" charset="0"/>
-              </a:rPr>
-              <a:t> </a:t>
-            </a:r>
-            <a:r>
-              <a:rPr lang="es-419" sz="1400" i="1" dirty="0" err="1" smtClean="0">
-                <a:solidFill>
-                  <a:srgbClr val="00B050"/>
-                </a:solidFill>
-                <a:latin typeface="Courier New" panose="02070309020205020404" pitchFamily="49" charset="0"/>
-                <a:cs typeface="Courier New" panose="02070309020205020404" pitchFamily="49" charset="0"/>
-              </a:rPr>
-              <a:t>state_id</a:t>
-            </a:r>
-            <a:r>
-              <a:rPr lang="en-US" sz="1400" i="1" dirty="0" smtClean="0">
-                <a:solidFill>
-                  <a:srgbClr val="00B050"/>
-                </a:solidFill>
-                <a:latin typeface="Courier New" panose="02070309020205020404" pitchFamily="49" charset="0"/>
-                <a:cs typeface="Courier New" panose="02070309020205020404" pitchFamily="49" charset="0"/>
-              </a:rPr>
-              <a:t> </a:t>
-            </a:r>
-            <a:r>
-              <a:rPr lang="es-419" sz="1400" i="1" dirty="0" smtClean="0">
-                <a:solidFill>
-                  <a:srgbClr val="00B050"/>
-                </a:solidFill>
-                <a:latin typeface="Courier New" panose="02070309020205020404" pitchFamily="49" charset="0"/>
-                <a:cs typeface="Courier New" panose="02070309020205020404" pitchFamily="49" charset="0"/>
-              </a:rPr>
-              <a:t>INTEGER</a:t>
-            </a:r>
-            <a:r>
-              <a:rPr lang="en-US" sz="1400" dirty="0" smtClean="0">
-                <a:solidFill>
-                  <a:srgbClr val="00B050"/>
-                </a:solidFill>
-                <a:latin typeface="Courier New" panose="02070309020205020404" pitchFamily="49" charset="0"/>
-                <a:cs typeface="Courier New" panose="02070309020205020404" pitchFamily="49" charset="0"/>
-              </a:rPr>
-              <a:t> </a:t>
-            </a:r>
-            <a:r>
-              <a:rPr lang="es-419" sz="1400" dirty="0">
-                <a:latin typeface="Courier New" panose="02070309020205020404" pitchFamily="49" charset="0"/>
-                <a:cs typeface="Courier New" panose="02070309020205020404" pitchFamily="49" charset="0"/>
-              </a:rPr>
-              <a:t>NOT NULL</a:t>
-            </a:r>
-            <a:r>
-              <a:rPr lang="en-US" sz="1400" dirty="0">
-                <a:latin typeface="Courier New" panose="02070309020205020404" pitchFamily="49" charset="0"/>
-                <a:cs typeface="Courier New" panose="02070309020205020404" pitchFamily="49" charset="0"/>
-              </a:rPr>
-              <a:t>,</a:t>
-            </a:r>
-            <a:br>
-              <a:rPr lang="en-US" sz="1400" dirty="0">
-                <a:latin typeface="Courier New" panose="02070309020205020404" pitchFamily="49" charset="0"/>
-                <a:cs typeface="Courier New" panose="02070309020205020404" pitchFamily="49" charset="0"/>
-              </a:rPr>
-            </a:br>
-            <a:r>
-              <a:rPr lang="es-419" sz="1400" dirty="0" smtClean="0">
-                <a:latin typeface="Courier New" panose="02070309020205020404" pitchFamily="49" charset="0"/>
-                <a:cs typeface="Courier New" panose="02070309020205020404" pitchFamily="49" charset="0"/>
-              </a:rPr>
-              <a:t>  </a:t>
-            </a:r>
-          </a:p>
-          <a:p>
-            <a:r>
-              <a:rPr lang="es-419" sz="1400" dirty="0">
-                <a:latin typeface="Courier New" panose="02070309020205020404" pitchFamily="49" charset="0"/>
-                <a:cs typeface="Courier New" panose="02070309020205020404" pitchFamily="49" charset="0"/>
-              </a:rPr>
-              <a:t> </a:t>
-            </a:r>
-            <a:r>
-              <a:rPr lang="es-419" sz="1400" dirty="0" smtClean="0">
-                <a:latin typeface="Courier New" panose="02070309020205020404" pitchFamily="49" charset="0"/>
-                <a:cs typeface="Courier New" panose="02070309020205020404" pitchFamily="49" charset="0"/>
-              </a:rPr>
-              <a:t> PRIMARY KEY (</a:t>
-            </a:r>
-            <a:r>
-              <a:rPr lang="es-419" sz="1400" i="1" dirty="0" err="1" smtClean="0">
-                <a:solidFill>
-                  <a:srgbClr val="00B050"/>
-                </a:solidFill>
-                <a:latin typeface="Courier New" panose="02070309020205020404" pitchFamily="49" charset="0"/>
-                <a:cs typeface="Courier New" panose="02070309020205020404" pitchFamily="49" charset="0"/>
-              </a:rPr>
-              <a:t>city_id</a:t>
-            </a:r>
-            <a:r>
-              <a:rPr lang="es-419" sz="1400" dirty="0" smtClean="0">
-                <a:latin typeface="Courier New" panose="02070309020205020404" pitchFamily="49" charset="0"/>
-                <a:cs typeface="Courier New" panose="02070309020205020404" pitchFamily="49" charset="0"/>
-              </a:rPr>
-              <a:t>)</a:t>
-            </a:r>
-          </a:p>
-          <a:p>
-            <a:r>
-              <a:rPr lang="en-US" sz="1400" dirty="0" smtClean="0">
-                <a:latin typeface="Courier New" panose="02070309020205020404" pitchFamily="49" charset="0"/>
-                <a:cs typeface="Courier New" panose="02070309020205020404" pitchFamily="49" charset="0"/>
-              </a:rPr>
               <a:t>);</a:t>
             </a:r>
-            <a:endParaRPr lang="en-US" sz="1400" dirty="0">
-              <a:latin typeface="Courier New" panose="02070309020205020404" pitchFamily="49" charset="0"/>
-              <a:cs typeface="Courier New" panose="02070309020205020404" pitchFamily="49" charset="0"/>
-            </a:endParaRPr>
           </a:p>
         </p:txBody>
       </p:sp>
@@ -18787,13 +17987,6 @@
   <p:clrMapOvr>
     <a:masterClrMapping/>
   </p:clrMapOvr>
-  <p:timing>
-    <p:tnLst>
-      <p:par>
-        <p:cTn id="1" dur="indefinite" restart="never" nodeType="tmRoot"/>
-      </p:par>
-    </p:tnLst>
-  </p:timing>
 </p:sld>
 </file>
 
@@ -19826,6 +19019,14 @@
 </file>
 
 <file path=customXml/item1.xml><?xml version="1.0" encoding="utf-8"?>
+<p:properties xmlns:p="http://schemas.microsoft.com/office/2006/metadata/properties" xmlns:xsi="http://www.w3.org/2001/XMLSchema-instance" xmlns:pc="http://schemas.microsoft.com/office/infopath/2007/PartnerControls">
+  <documentManagement>
+    <Data_x0020_Classification1 xmlns="90e5e253-50b2-47e0-ab40-088f51eedbac">Public</Data_x0020_Classification1>
+  </documentManagement>
+</p:properties>
+</file>
+
+<file path=customXml/item2.xml><?xml version="1.0" encoding="utf-8"?>
 <?mso-contentType ?>
 <FormTemplates xmlns="http://schemas.microsoft.com/sharepoint/v3/contenttype/forms">
   <Display>DocumentLibraryForm</Display>
@@ -19834,7 +19035,7 @@
 </FormTemplates>
 </file>
 
-<file path=customXml/item2.xml><?xml version="1.0" encoding="utf-8"?>
+<file path=customXml/item3.xml><?xml version="1.0" encoding="utf-8"?>
 <ct:contentTypeSchema xmlns:ct="http://schemas.microsoft.com/office/2006/metadata/contentType" xmlns:ma="http://schemas.microsoft.com/office/2006/metadata/properties/metaAttributes" ct:_="" ma:_="" ma:contentTypeName="Document" ma:contentTypeID="0x010100BF73FF7AA600A74DA303202E068F3B98" ma:contentTypeVersion="0" ma:contentTypeDescription="Create a new document." ma:contentTypeScope="" ma:versionID="15e34d513bc1c5922fdc1b75015e707c">
   <xsd:schema xmlns:xsd="http://www.w3.org/2001/XMLSchema" xmlns:xs="http://www.w3.org/2001/XMLSchema" xmlns:p="http://schemas.microsoft.com/office/2006/metadata/properties" xmlns:ns2="90e5e253-50b2-47e0-ab40-088f51eedbac" targetNamespace="http://schemas.microsoft.com/office/2006/metadata/properties" ma:root="true" ma:fieldsID="7895aa71ad85a7a2616823a07b65eac8" ns2:_="">
     <xsd:import namespace="90e5e253-50b2-47e0-ab40-088f51eedbac"/>
@@ -19965,15 +19166,23 @@
 </ct:contentTypeSchema>
 </file>
 
-<file path=customXml/item3.xml><?xml version="1.0" encoding="utf-8"?>
-<p:properties xmlns:p="http://schemas.microsoft.com/office/2006/metadata/properties" xmlns:xsi="http://www.w3.org/2001/XMLSchema-instance" xmlns:pc="http://schemas.microsoft.com/office/infopath/2007/PartnerControls">
-  <documentManagement>
-    <Data_x0020_Classification1 xmlns="90e5e253-50b2-47e0-ab40-088f51eedbac">Public</Data_x0020_Classification1>
-  </documentManagement>
-</p:properties>
+<file path=customXml/itemProps1.xml><?xml version="1.0" encoding="utf-8"?>
+<ds:datastoreItem xmlns:ds="http://schemas.openxmlformats.org/officeDocument/2006/customXml" ds:itemID="{F878CFFA-FA4D-496F-B8D2-C7DD46C2A279}">
+  <ds:schemaRefs>
+    <ds:schemaRef ds:uri="http://schemas.openxmlformats.org/package/2006/metadata/core-properties"/>
+    <ds:schemaRef ds:uri="http://www.w3.org/XML/1998/namespace"/>
+    <ds:schemaRef ds:uri="http://purl.org/dc/dcmitype/"/>
+    <ds:schemaRef ds:uri="http://schemas.microsoft.com/office/infopath/2007/PartnerControls"/>
+    <ds:schemaRef ds:uri="90e5e253-50b2-47e0-ab40-088f51eedbac"/>
+    <ds:schemaRef ds:uri="http://purl.org/dc/elements/1.1/"/>
+    <ds:schemaRef ds:uri="http://schemas.microsoft.com/office/2006/documentManagement/types"/>
+    <ds:schemaRef ds:uri="http://purl.org/dc/terms/"/>
+    <ds:schemaRef ds:uri="http://schemas.microsoft.com/office/2006/metadata/properties"/>
+  </ds:schemaRefs>
+</ds:datastoreItem>
 </file>
 
-<file path=customXml/itemProps1.xml><?xml version="1.0" encoding="utf-8"?>
+<file path=customXml/itemProps2.xml><?xml version="1.0" encoding="utf-8"?>
 <ds:datastoreItem xmlns:ds="http://schemas.openxmlformats.org/officeDocument/2006/customXml" ds:itemID="{9D25E79C-CB22-414C-9E48-01ED10321A76}">
   <ds:schemaRefs>
     <ds:schemaRef ds:uri="http://schemas.microsoft.com/sharepoint/v3/contenttype/forms"/>
@@ -19981,7 +19190,7 @@
 </ds:datastoreItem>
 </file>
 
-<file path=customXml/itemProps2.xml><?xml version="1.0" encoding="utf-8"?>
+<file path=customXml/itemProps3.xml><?xml version="1.0" encoding="utf-8"?>
 <ds:datastoreItem xmlns:ds="http://schemas.openxmlformats.org/officeDocument/2006/customXml" ds:itemID="{42AE7D4F-FA53-4617-A082-86779C2B9BEF}">
   <ds:schemaRefs>
     <ds:schemaRef ds:uri="http://schemas.microsoft.com/office/2006/metadata/contentType"/>
@@ -19997,20 +19206,4 @@
     <ds:schemaRef ds:uri="http://schemas.microsoft.com/internal/obd"/>
   </ds:schemaRefs>
 </ds:datastoreItem>
-</file>
-
-<file path=customXml/itemProps3.xml><?xml version="1.0" encoding="utf-8"?>
-<ds:datastoreItem xmlns:ds="http://schemas.openxmlformats.org/officeDocument/2006/customXml" ds:itemID="{F878CFFA-FA4D-496F-B8D2-C7DD46C2A279}">
-  <ds:schemaRefs>
-    <ds:schemaRef ds:uri="http://schemas.openxmlformats.org/package/2006/metadata/core-properties"/>
-    <ds:schemaRef ds:uri="http://www.w3.org/XML/1998/namespace"/>
-    <ds:schemaRef ds:uri="http://purl.org/dc/dcmitype/"/>
-    <ds:schemaRef ds:uri="http://schemas.microsoft.com/office/infopath/2007/PartnerControls"/>
-    <ds:schemaRef ds:uri="90e5e253-50b2-47e0-ab40-088f51eedbac"/>
-    <ds:schemaRef ds:uri="http://purl.org/dc/elements/1.1/"/>
-    <ds:schemaRef ds:uri="http://schemas.microsoft.com/office/2006/documentManagement/types"/>
-    <ds:schemaRef ds:uri="http://purl.org/dc/terms/"/>
-    <ds:schemaRef ds:uri="http://schemas.microsoft.com/office/2006/metadata/properties"/>
-  </ds:schemaRefs>
-</ds:datastoreItem>
 </file>